--- a/문서/최종보고서/쉼,_최종보고서.pptx
+++ b/문서/최종보고서/쉼,_최종보고서.pptx
@@ -6,28 +6,36 @@
     <p:sldMasterId id="2147483673" r:id="rId2"/>
   </p:sldMasterIdLst>
   <p:notesMasterIdLst>
-    <p:notesMasterId r:id="rId19"/>
+    <p:notesMasterId r:id="rId27"/>
   </p:notesMasterIdLst>
   <p:handoutMasterIdLst>
-    <p:handoutMasterId r:id="rId20"/>
+    <p:handoutMasterId r:id="rId28"/>
   </p:handoutMasterIdLst>
   <p:sldIdLst>
-    <p:sldId id="418" r:id="rId3"/>
+    <p:sldId id="511" r:id="rId3"/>
     <p:sldId id="490" r:id="rId4"/>
-    <p:sldId id="474" r:id="rId5"/>
-    <p:sldId id="493" r:id="rId6"/>
-    <p:sldId id="492" r:id="rId7"/>
-    <p:sldId id="494" r:id="rId8"/>
-    <p:sldId id="495" r:id="rId9"/>
-    <p:sldId id="496" r:id="rId10"/>
-    <p:sldId id="497" r:id="rId11"/>
-    <p:sldId id="498" r:id="rId12"/>
-    <p:sldId id="499" r:id="rId13"/>
-    <p:sldId id="500" r:id="rId14"/>
-    <p:sldId id="501" r:id="rId15"/>
-    <p:sldId id="502" r:id="rId16"/>
-    <p:sldId id="504" r:id="rId17"/>
-    <p:sldId id="503" r:id="rId18"/>
+    <p:sldId id="512" r:id="rId5"/>
+    <p:sldId id="518" r:id="rId6"/>
+    <p:sldId id="513" r:id="rId7"/>
+    <p:sldId id="517" r:id="rId8"/>
+    <p:sldId id="516" r:id="rId9"/>
+    <p:sldId id="493" r:id="rId10"/>
+    <p:sldId id="492" r:id="rId11"/>
+    <p:sldId id="494" r:id="rId12"/>
+    <p:sldId id="495" r:id="rId13"/>
+    <p:sldId id="496" r:id="rId14"/>
+    <p:sldId id="506" r:id="rId15"/>
+    <p:sldId id="507" r:id="rId16"/>
+    <p:sldId id="508" r:id="rId17"/>
+    <p:sldId id="505" r:id="rId18"/>
+    <p:sldId id="497" r:id="rId19"/>
+    <p:sldId id="498" r:id="rId20"/>
+    <p:sldId id="499" r:id="rId21"/>
+    <p:sldId id="500" r:id="rId22"/>
+    <p:sldId id="501" r:id="rId23"/>
+    <p:sldId id="502" r:id="rId24"/>
+    <p:sldId id="504" r:id="rId25"/>
+    <p:sldId id="503" r:id="rId26"/>
   </p:sldIdLst>
   <p:sldSz cx="9144000" cy="5715000" type="screen16x10"/>
   <p:notesSz cx="6735763" cy="9866313"/>
@@ -247,7 +255,7 @@
           <a:p>
             <a:fld id="{999972AA-FE3A-41E8-94D7-0A348C1614D1}" type="datetimeFigureOut">
               <a:rPr lang="ko-KR" altLang="en-US" smtClean="0"/>
-              <a:t>2022-01-10</a:t>
+              <a:t>2022-01-11</a:t>
             </a:fld>
             <a:endParaRPr lang="ko-KR" altLang="en-US"/>
           </a:p>
@@ -412,7 +420,7 @@
           <a:p>
             <a:fld id="{CB25E66B-2806-4CC0-B543-C1F698B8CB0C}" type="datetimeFigureOut">
               <a:rPr lang="ko-KR" altLang="en-US" smtClean="0"/>
-              <a:t>2022-01-10</a:t>
+              <a:t>2022-01-11</a:t>
             </a:fld>
             <a:endParaRPr lang="ko-KR" altLang="en-US"/>
           </a:p>
@@ -5297,13 +5305,7 @@
           <p:cNvGraphicFramePr>
             <a:graphicFrameLocks noGrp="1"/>
           </p:cNvGraphicFramePr>
-          <p:nvPr>
-            <p:extLst>
-              <p:ext uri="{D42A27DB-BD31-4B8C-83A1-F6EECF244321}">
-                <p14:modId xmlns:p14="http://schemas.microsoft.com/office/powerpoint/2010/main" val="1640099229"/>
-              </p:ext>
-            </p:extLst>
-          </p:nvPr>
+          <p:nvPr/>
         </p:nvGraphicFramePr>
         <p:xfrm>
           <a:off x="683569" y="985292"/>
@@ -5535,7 +5537,7 @@
                 <a:latin typeface="G마켓 산스 Medium" panose="02000000000000000000" pitchFamily="50" charset="-127"/>
                 <a:ea typeface="G마켓 산스 Medium" panose="02000000000000000000" pitchFamily="50" charset="-127"/>
               </a:rPr>
-              <a:t>2021.01.10</a:t>
+              <a:t>2021.12.13</a:t>
             </a:r>
             <a:endParaRPr lang="ko-KR" altLang="en-US" sz="1200" dirty="0">
               <a:solidFill>
@@ -5559,13 +5561,7 @@
           <p:cNvGraphicFramePr>
             <a:graphicFrameLocks noGrp="1"/>
           </p:cNvGraphicFramePr>
-          <p:nvPr>
-            <p:extLst>
-              <p:ext uri="{D42A27DB-BD31-4B8C-83A1-F6EECF244321}">
-                <p14:modId xmlns:p14="http://schemas.microsoft.com/office/powerpoint/2010/main" val="744604305"/>
-              </p:ext>
-            </p:extLst>
-          </p:nvPr>
+          <p:nvPr/>
         </p:nvGraphicFramePr>
         <p:xfrm>
           <a:off x="2690688" y="3433564"/>
@@ -5881,7 +5877,7 @@
                     <a:p>
                       <a:pPr algn="ctr" latinLnBrk="1"/>
                       <a:r>
-                        <a:rPr lang="ko-KR" altLang="en-US" sz="1000" b="0" dirty="0" err="1">
+                        <a:rPr lang="ko-KR" altLang="en-US" sz="1000" b="0" dirty="0">
                           <a:solidFill>
                             <a:schemeClr val="bg1"/>
                           </a:solidFill>
@@ -5890,13 +5886,6 @@
                         </a:rPr>
                         <a:t>김보라</a:t>
                       </a:r>
-                      <a:endParaRPr lang="ko-KR" altLang="en-US" sz="1000" b="0" dirty="0">
-                        <a:solidFill>
-                          <a:schemeClr val="bg1"/>
-                        </a:solidFill>
-                        <a:latin typeface="G마켓 산스 Light" panose="02000000000000000000" pitchFamily="50" charset="-127"/>
-                        <a:ea typeface="G마켓 산스 Light" panose="02000000000000000000" pitchFamily="50" charset="-127"/>
-                      </a:endParaRPr>
                     </a:p>
                   </a:txBody>
                   <a:tcPr marT="46800" anchor="ctr">
@@ -6219,7 +6208,7 @@
     </p:spTree>
     <p:extLst>
       <p:ext uri="{BB962C8B-B14F-4D97-AF65-F5344CB8AC3E}">
-        <p14:creationId xmlns:p14="http://schemas.microsoft.com/office/powerpoint/2010/main" val="4022019933"/>
+        <p14:creationId xmlns:p14="http://schemas.microsoft.com/office/powerpoint/2010/main" val="1840506500"/>
       </p:ext>
     </p:extLst>
   </p:cSld>
@@ -6230,6 +6219,2007 @@
 </file>
 
 <file path=ppt/slides/slide10.xml><?xml version="1.0" encoding="utf-8"?>
+<p:sld xmlns:a="http://schemas.openxmlformats.org/drawingml/2006/main" xmlns:r="http://schemas.openxmlformats.org/officeDocument/2006/relationships" xmlns:p="http://schemas.openxmlformats.org/presentationml/2006/main">
+  <p:cSld>
+    <p:spTree>
+      <p:nvGrpSpPr>
+        <p:cNvPr id="1" name=""/>
+        <p:cNvGrpSpPr/>
+        <p:nvPr/>
+      </p:nvGrpSpPr>
+      <p:grpSpPr>
+        <a:xfrm>
+          <a:off x="0" y="0"/>
+          <a:ext cx="0" cy="0"/>
+          <a:chOff x="0" y="0"/>
+          <a:chExt cx="0" cy="0"/>
+        </a:xfrm>
+      </p:grpSpPr>
+      <p:pic>
+        <p:nvPicPr>
+          <p:cNvPr id="2" name="그림 1">
+            <a:extLst>
+              <a:ext uri="{FF2B5EF4-FFF2-40B4-BE49-F238E27FC236}">
+                <a16:creationId xmlns:a16="http://schemas.microsoft.com/office/drawing/2014/main" id="{92143A98-8E08-42DE-9471-515473C7775B}"/>
+              </a:ext>
+            </a:extLst>
+          </p:cNvPr>
+          <p:cNvPicPr>
+            <a:picLocks noChangeAspect="1"/>
+          </p:cNvPicPr>
+          <p:nvPr/>
+        </p:nvPicPr>
+        <p:blipFill>
+          <a:blip r:embed="rId2"/>
+          <a:stretch>
+            <a:fillRect/>
+          </a:stretch>
+        </p:blipFill>
+        <p:spPr>
+          <a:xfrm>
+            <a:off x="765450" y="451708"/>
+            <a:ext cx="7613099" cy="1431161"/>
+          </a:xfrm>
+          <a:prstGeom prst="rect">
+            <a:avLst/>
+          </a:prstGeom>
+        </p:spPr>
+      </p:pic>
+      <p:grpSp>
+        <p:nvGrpSpPr>
+          <p:cNvPr id="8" name="그룹 7">
+            <a:extLst>
+              <a:ext uri="{FF2B5EF4-FFF2-40B4-BE49-F238E27FC236}">
+                <a16:creationId xmlns:a16="http://schemas.microsoft.com/office/drawing/2014/main" id="{937CC81E-4156-453B-BDDE-35AB7C6D5F42}"/>
+              </a:ext>
+            </a:extLst>
+          </p:cNvPr>
+          <p:cNvGrpSpPr/>
+          <p:nvPr/>
+        </p:nvGrpSpPr>
+        <p:grpSpPr>
+          <a:xfrm>
+            <a:off x="757485" y="2569468"/>
+            <a:ext cx="7621064" cy="2160240"/>
+            <a:chOff x="772847" y="2209428"/>
+            <a:chExt cx="7621064" cy="2160240"/>
+          </a:xfrm>
+        </p:grpSpPr>
+        <p:pic>
+          <p:nvPicPr>
+            <p:cNvPr id="3" name="그림 2">
+              <a:extLst>
+                <a:ext uri="{FF2B5EF4-FFF2-40B4-BE49-F238E27FC236}">
+                  <a16:creationId xmlns:a16="http://schemas.microsoft.com/office/drawing/2014/main" id="{5C3B3DBE-2610-4D90-B28D-6006A55F00F0}"/>
+                </a:ext>
+              </a:extLst>
+            </p:cNvPr>
+            <p:cNvPicPr>
+              <a:picLocks noChangeAspect="1"/>
+            </p:cNvPicPr>
+            <p:nvPr/>
+          </p:nvPicPr>
+          <p:blipFill>
+            <a:blip r:embed="rId3"/>
+            <a:stretch>
+              <a:fillRect/>
+            </a:stretch>
+          </p:blipFill>
+          <p:spPr>
+            <a:xfrm>
+              <a:off x="772847" y="2502507"/>
+              <a:ext cx="7621064" cy="1867161"/>
+            </a:xfrm>
+            <a:prstGeom prst="rect">
+              <a:avLst/>
+            </a:prstGeom>
+          </p:spPr>
+        </p:pic>
+        <p:pic>
+          <p:nvPicPr>
+            <p:cNvPr id="7" name="그림 6">
+              <a:extLst>
+                <a:ext uri="{FF2B5EF4-FFF2-40B4-BE49-F238E27FC236}">
+                  <a16:creationId xmlns:a16="http://schemas.microsoft.com/office/drawing/2014/main" id="{CF8DACA1-A8C2-4F5F-BE72-855FB55619CA}"/>
+                </a:ext>
+              </a:extLst>
+            </p:cNvPr>
+            <p:cNvPicPr>
+              <a:picLocks noChangeAspect="1"/>
+            </p:cNvPicPr>
+            <p:nvPr/>
+          </p:nvPicPr>
+          <p:blipFill>
+            <a:blip r:embed="rId4"/>
+            <a:stretch>
+              <a:fillRect/>
+            </a:stretch>
+          </p:blipFill>
+          <p:spPr>
+            <a:xfrm>
+              <a:off x="772847" y="2209428"/>
+              <a:ext cx="2048161" cy="304843"/>
+            </a:xfrm>
+            <a:prstGeom prst="rect">
+              <a:avLst/>
+            </a:prstGeom>
+          </p:spPr>
+        </p:pic>
+      </p:grpSp>
+      <p:cxnSp>
+        <p:nvCxnSpPr>
+          <p:cNvPr id="12" name="직선 연결선 11">
+            <a:extLst>
+              <a:ext uri="{FF2B5EF4-FFF2-40B4-BE49-F238E27FC236}">
+                <a16:creationId xmlns:a16="http://schemas.microsoft.com/office/drawing/2014/main" id="{FD7A744C-017A-4477-8487-0D1902BE90E0}"/>
+              </a:ext>
+            </a:extLst>
+          </p:cNvPr>
+          <p:cNvCxnSpPr/>
+          <p:nvPr/>
+        </p:nvCxnSpPr>
+        <p:spPr>
+          <a:xfrm>
+            <a:off x="0" y="2209428"/>
+            <a:ext cx="9144000" cy="0"/>
+          </a:xfrm>
+          <a:prstGeom prst="line">
+            <a:avLst/>
+          </a:prstGeom>
+          <a:ln>
+            <a:solidFill>
+              <a:schemeClr val="bg1">
+                <a:lumMod val="65000"/>
+              </a:schemeClr>
+            </a:solidFill>
+          </a:ln>
+        </p:spPr>
+        <p:style>
+          <a:lnRef idx="1">
+            <a:schemeClr val="dk1"/>
+          </a:lnRef>
+          <a:fillRef idx="0">
+            <a:schemeClr val="dk1"/>
+          </a:fillRef>
+          <a:effectRef idx="0">
+            <a:schemeClr val="dk1"/>
+          </a:effectRef>
+          <a:fontRef idx="minor">
+            <a:schemeClr val="tx1"/>
+          </a:fontRef>
+        </p:style>
+      </p:cxnSp>
+    </p:spTree>
+    <p:extLst>
+      <p:ext uri="{BB962C8B-B14F-4D97-AF65-F5344CB8AC3E}">
+        <p14:creationId xmlns:p14="http://schemas.microsoft.com/office/powerpoint/2010/main" val="1697908512"/>
+      </p:ext>
+    </p:extLst>
+  </p:cSld>
+  <p:clrMapOvr>
+    <a:masterClrMapping/>
+  </p:clrMapOvr>
+</p:sld>
+</file>
+
+<file path=ppt/slides/slide11.xml><?xml version="1.0" encoding="utf-8"?>
+<p:sld xmlns:a="http://schemas.openxmlformats.org/drawingml/2006/main" xmlns:r="http://schemas.openxmlformats.org/officeDocument/2006/relationships" xmlns:p="http://schemas.openxmlformats.org/presentationml/2006/main">
+  <p:cSld>
+    <p:spTree>
+      <p:nvGrpSpPr>
+        <p:cNvPr id="1" name=""/>
+        <p:cNvGrpSpPr/>
+        <p:nvPr/>
+      </p:nvGrpSpPr>
+      <p:grpSpPr>
+        <a:xfrm>
+          <a:off x="0" y="0"/>
+          <a:ext cx="0" cy="0"/>
+          <a:chOff x="0" y="0"/>
+          <a:chExt cx="0" cy="0"/>
+        </a:xfrm>
+      </p:grpSpPr>
+      <p:grpSp>
+        <p:nvGrpSpPr>
+          <p:cNvPr id="13" name="그룹 12">
+            <a:extLst>
+              <a:ext uri="{FF2B5EF4-FFF2-40B4-BE49-F238E27FC236}">
+                <a16:creationId xmlns:a16="http://schemas.microsoft.com/office/drawing/2014/main" id="{1B4DA116-6693-49C4-B4C5-9E0631F05258}"/>
+              </a:ext>
+            </a:extLst>
+          </p:cNvPr>
+          <p:cNvGrpSpPr/>
+          <p:nvPr/>
+        </p:nvGrpSpPr>
+        <p:grpSpPr>
+          <a:xfrm>
+            <a:off x="1452262" y="1605129"/>
+            <a:ext cx="5658640" cy="3783852"/>
+            <a:chOff x="1452262" y="1605129"/>
+            <a:chExt cx="5658640" cy="3783852"/>
+          </a:xfrm>
+        </p:grpSpPr>
+        <p:pic>
+          <p:nvPicPr>
+            <p:cNvPr id="3" name="그림 2">
+              <a:extLst>
+                <a:ext uri="{FF2B5EF4-FFF2-40B4-BE49-F238E27FC236}">
+                  <a16:creationId xmlns:a16="http://schemas.microsoft.com/office/drawing/2014/main" id="{D06CFC4A-7D5F-40F1-BCC1-825B024F74B6}"/>
+                </a:ext>
+              </a:extLst>
+            </p:cNvPr>
+            <p:cNvPicPr>
+              <a:picLocks noChangeAspect="1"/>
+            </p:cNvPicPr>
+            <p:nvPr/>
+          </p:nvPicPr>
+          <p:blipFill>
+            <a:blip r:embed="rId2"/>
+            <a:stretch>
+              <a:fillRect/>
+            </a:stretch>
+          </p:blipFill>
+          <p:spPr>
+            <a:xfrm>
+              <a:off x="1452262" y="1727588"/>
+              <a:ext cx="5658640" cy="3661393"/>
+            </a:xfrm>
+            <a:prstGeom prst="rect">
+              <a:avLst/>
+            </a:prstGeom>
+          </p:spPr>
+        </p:pic>
+        <p:pic>
+          <p:nvPicPr>
+            <p:cNvPr id="7" name="그림 6">
+              <a:extLst>
+                <a:ext uri="{FF2B5EF4-FFF2-40B4-BE49-F238E27FC236}">
+                  <a16:creationId xmlns:a16="http://schemas.microsoft.com/office/drawing/2014/main" id="{A595BE47-9573-448B-A875-F348F991C352}"/>
+                </a:ext>
+              </a:extLst>
+            </p:cNvPr>
+            <p:cNvPicPr>
+              <a:picLocks noChangeAspect="1"/>
+            </p:cNvPicPr>
+            <p:nvPr/>
+          </p:nvPicPr>
+          <p:blipFill>
+            <a:blip r:embed="rId3"/>
+            <a:stretch>
+              <a:fillRect/>
+            </a:stretch>
+          </p:blipFill>
+          <p:spPr>
+            <a:xfrm>
+              <a:off x="1504131" y="1605129"/>
+              <a:ext cx="3035089" cy="162009"/>
+            </a:xfrm>
+            <a:prstGeom prst="rect">
+              <a:avLst/>
+            </a:prstGeom>
+          </p:spPr>
+        </p:pic>
+      </p:grpSp>
+      <p:grpSp>
+        <p:nvGrpSpPr>
+          <p:cNvPr id="12" name="그룹 11">
+            <a:extLst>
+              <a:ext uri="{FF2B5EF4-FFF2-40B4-BE49-F238E27FC236}">
+                <a16:creationId xmlns:a16="http://schemas.microsoft.com/office/drawing/2014/main" id="{6AD2CDD8-4D8D-4F2C-80A7-0BE60AB9E180}"/>
+              </a:ext>
+            </a:extLst>
+          </p:cNvPr>
+          <p:cNvGrpSpPr/>
+          <p:nvPr/>
+        </p:nvGrpSpPr>
+        <p:grpSpPr>
+          <a:xfrm>
+            <a:off x="1452262" y="328223"/>
+            <a:ext cx="5658640" cy="1017109"/>
+            <a:chOff x="1452262" y="230436"/>
+            <a:chExt cx="5658640" cy="1017109"/>
+          </a:xfrm>
+        </p:grpSpPr>
+        <p:pic>
+          <p:nvPicPr>
+            <p:cNvPr id="4" name="그림 3">
+              <a:extLst>
+                <a:ext uri="{FF2B5EF4-FFF2-40B4-BE49-F238E27FC236}">
+                  <a16:creationId xmlns:a16="http://schemas.microsoft.com/office/drawing/2014/main" id="{D04A08DF-6E15-4A21-AD4A-8E90535C268E}"/>
+                </a:ext>
+              </a:extLst>
+            </p:cNvPr>
+            <p:cNvPicPr>
+              <a:picLocks noChangeAspect="1"/>
+            </p:cNvPicPr>
+            <p:nvPr/>
+          </p:nvPicPr>
+          <p:blipFill rotWithShape="1">
+            <a:blip r:embed="rId4"/>
+            <a:srcRect l="17486" t="10294" b="12782"/>
+            <a:stretch/>
+          </p:blipFill>
+          <p:spPr>
+            <a:xfrm>
+              <a:off x="1470053" y="230436"/>
+              <a:ext cx="4898550" cy="178792"/>
+            </a:xfrm>
+            <a:prstGeom prst="rect">
+              <a:avLst/>
+            </a:prstGeom>
+          </p:spPr>
+        </p:pic>
+        <p:pic>
+          <p:nvPicPr>
+            <p:cNvPr id="10" name="그림 9">
+              <a:extLst>
+                <a:ext uri="{FF2B5EF4-FFF2-40B4-BE49-F238E27FC236}">
+                  <a16:creationId xmlns:a16="http://schemas.microsoft.com/office/drawing/2014/main" id="{8DF33A3A-B946-4DEB-A005-7BF16CF5AC05}"/>
+                </a:ext>
+              </a:extLst>
+            </p:cNvPr>
+            <p:cNvPicPr>
+              <a:picLocks noChangeAspect="1"/>
+            </p:cNvPicPr>
+            <p:nvPr/>
+          </p:nvPicPr>
+          <p:blipFill>
+            <a:blip r:embed="rId5"/>
+            <a:stretch>
+              <a:fillRect/>
+            </a:stretch>
+          </p:blipFill>
+          <p:spPr>
+            <a:xfrm>
+              <a:off x="1452262" y="409228"/>
+              <a:ext cx="5658640" cy="838317"/>
+            </a:xfrm>
+            <a:prstGeom prst="rect">
+              <a:avLst/>
+            </a:prstGeom>
+          </p:spPr>
+        </p:pic>
+      </p:grpSp>
+      <p:cxnSp>
+        <p:nvCxnSpPr>
+          <p:cNvPr id="11" name="직선 연결선 10">
+            <a:extLst>
+              <a:ext uri="{FF2B5EF4-FFF2-40B4-BE49-F238E27FC236}">
+                <a16:creationId xmlns:a16="http://schemas.microsoft.com/office/drawing/2014/main" id="{08E7AD7F-23C3-4AF1-B4D5-8F44B62F371B}"/>
+              </a:ext>
+            </a:extLst>
+          </p:cNvPr>
+          <p:cNvCxnSpPr/>
+          <p:nvPr/>
+        </p:nvCxnSpPr>
+        <p:spPr>
+          <a:xfrm>
+            <a:off x="0" y="1417340"/>
+            <a:ext cx="9144000" cy="0"/>
+          </a:xfrm>
+          <a:prstGeom prst="line">
+            <a:avLst/>
+          </a:prstGeom>
+          <a:ln>
+            <a:solidFill>
+              <a:schemeClr val="bg1">
+                <a:lumMod val="65000"/>
+              </a:schemeClr>
+            </a:solidFill>
+          </a:ln>
+        </p:spPr>
+        <p:style>
+          <a:lnRef idx="1">
+            <a:schemeClr val="dk1"/>
+          </a:lnRef>
+          <a:fillRef idx="0">
+            <a:schemeClr val="dk1"/>
+          </a:fillRef>
+          <a:effectRef idx="0">
+            <a:schemeClr val="dk1"/>
+          </a:effectRef>
+          <a:fontRef idx="minor">
+            <a:schemeClr val="tx1"/>
+          </a:fontRef>
+        </p:style>
+      </p:cxnSp>
+    </p:spTree>
+    <p:extLst>
+      <p:ext uri="{BB962C8B-B14F-4D97-AF65-F5344CB8AC3E}">
+        <p14:creationId xmlns:p14="http://schemas.microsoft.com/office/powerpoint/2010/main" val="2859739928"/>
+      </p:ext>
+    </p:extLst>
+  </p:cSld>
+  <p:clrMapOvr>
+    <a:masterClrMapping/>
+  </p:clrMapOvr>
+</p:sld>
+</file>
+
+<file path=ppt/slides/slide12.xml><?xml version="1.0" encoding="utf-8"?>
+<p:sld xmlns:a="http://schemas.openxmlformats.org/drawingml/2006/main" xmlns:r="http://schemas.openxmlformats.org/officeDocument/2006/relationships" xmlns:p="http://schemas.openxmlformats.org/presentationml/2006/main">
+  <p:cSld>
+    <p:bg>
+      <p:bgPr>
+        <a:solidFill>
+          <a:srgbClr val="76BEC0"/>
+        </a:solidFill>
+        <a:effectLst/>
+      </p:bgPr>
+    </p:bg>
+    <p:spTree>
+      <p:nvGrpSpPr>
+        <p:cNvPr id="1" name=""/>
+        <p:cNvGrpSpPr/>
+        <p:nvPr/>
+      </p:nvGrpSpPr>
+      <p:grpSpPr>
+        <a:xfrm>
+          <a:off x="0" y="0"/>
+          <a:ext cx="0" cy="0"/>
+          <a:chOff x="0" y="0"/>
+          <a:chExt cx="0" cy="0"/>
+        </a:xfrm>
+      </p:grpSpPr>
+      <p:grpSp>
+        <p:nvGrpSpPr>
+          <p:cNvPr id="8" name="그룹 7">
+            <a:extLst>
+              <a:ext uri="{FF2B5EF4-FFF2-40B4-BE49-F238E27FC236}">
+                <a16:creationId xmlns:a16="http://schemas.microsoft.com/office/drawing/2014/main" id="{C7695B8F-E27C-46CA-9967-E77131EBA66E}"/>
+              </a:ext>
+            </a:extLst>
+          </p:cNvPr>
+          <p:cNvGrpSpPr/>
+          <p:nvPr/>
+        </p:nvGrpSpPr>
+        <p:grpSpPr>
+          <a:xfrm>
+            <a:off x="251520" y="329038"/>
+            <a:ext cx="5184576" cy="2897204"/>
+            <a:chOff x="251520" y="329038"/>
+            <a:chExt cx="5184576" cy="2897204"/>
+          </a:xfrm>
+        </p:grpSpPr>
+        <p:sp>
+          <p:nvSpPr>
+            <p:cNvPr id="9" name="제목 3">
+              <a:extLst>
+                <a:ext uri="{FF2B5EF4-FFF2-40B4-BE49-F238E27FC236}">
+                  <a16:creationId xmlns:a16="http://schemas.microsoft.com/office/drawing/2014/main" id="{45212F26-374C-48EF-8C3D-4A9FA2495751}"/>
+                </a:ext>
+              </a:extLst>
+            </p:cNvPr>
+            <p:cNvSpPr txBox="1">
+              <a:spLocks/>
+            </p:cNvSpPr>
+            <p:nvPr/>
+          </p:nvSpPr>
+          <p:spPr>
+            <a:xfrm>
+              <a:off x="539552" y="1858090"/>
+              <a:ext cx="4896544" cy="1368152"/>
+            </a:xfrm>
+            <a:prstGeom prst="rect">
+              <a:avLst/>
+            </a:prstGeom>
+          </p:spPr>
+          <p:txBody>
+            <a:bodyPr vert="horz" lIns="91440" tIns="45720" rIns="91440" bIns="45720" rtlCol="0" anchor="ctr">
+              <a:noAutofit/>
+            </a:bodyPr>
+            <a:lstStyle>
+              <a:lvl1pPr algn="ctr" defTabSz="914400" rtl="0" eaLnBrk="1" latinLnBrk="1" hangingPunct="1">
+                <a:spcBef>
+                  <a:spcPct val="0"/>
+                </a:spcBef>
+                <a:buNone/>
+                <a:defRPr sz="4400" kern="1200">
+                  <a:solidFill>
+                    <a:schemeClr val="tx1"/>
+                  </a:solidFill>
+                  <a:latin typeface="+mj-lt"/>
+                  <a:ea typeface="+mj-ea"/>
+                  <a:cs typeface="+mj-cs"/>
+                </a:defRPr>
+              </a:lvl1pPr>
+            </a:lstStyle>
+            <a:p>
+              <a:pPr algn="just"/>
+              <a:r>
+                <a:rPr lang="ko-KR" altLang="en-US" sz="2800" dirty="0">
+                  <a:solidFill>
+                    <a:schemeClr val="bg1"/>
+                  </a:solidFill>
+                  <a:latin typeface="G마켓 산스 Bold" panose="02000000000000000000" pitchFamily="50" charset="-127"/>
+                  <a:ea typeface="G마켓 산스 Bold" panose="02000000000000000000" pitchFamily="50" charset="-127"/>
+                </a:rPr>
+                <a:t>쉼</a:t>
+              </a:r>
+              <a:r>
+                <a:rPr lang="en-US" altLang="ko-KR" sz="2800" dirty="0">
+                  <a:solidFill>
+                    <a:schemeClr val="bg1"/>
+                  </a:solidFill>
+                  <a:latin typeface="G마켓 산스 Bold" panose="02000000000000000000" pitchFamily="50" charset="-127"/>
+                  <a:ea typeface="G마켓 산스 Bold" panose="02000000000000000000" pitchFamily="50" charset="-127"/>
+                </a:rPr>
+                <a:t>,</a:t>
+              </a:r>
+            </a:p>
+            <a:p>
+              <a:pPr algn="just"/>
+              <a:r>
+                <a:rPr lang="ko-KR" altLang="en-US" sz="2800" dirty="0">
+                  <a:solidFill>
+                    <a:schemeClr val="bg1"/>
+                  </a:solidFill>
+                  <a:latin typeface="G마켓 산스 Bold" panose="02000000000000000000" pitchFamily="50" charset="-127"/>
+                  <a:ea typeface="G마켓 산스 Bold" panose="02000000000000000000" pitchFamily="50" charset="-127"/>
+                </a:rPr>
+                <a:t>주요 코드 </a:t>
+              </a:r>
+              <a:r>
+                <a:rPr lang="en-US" altLang="ko-KR" sz="2800" dirty="0">
+                  <a:solidFill>
+                    <a:schemeClr val="bg1"/>
+                  </a:solidFill>
+                  <a:latin typeface="G마켓 산스 Bold" panose="02000000000000000000" pitchFamily="50" charset="-127"/>
+                  <a:ea typeface="G마켓 산스 Bold" panose="02000000000000000000" pitchFamily="50" charset="-127"/>
+                </a:rPr>
+                <a:t>[SSL]</a:t>
+              </a:r>
+            </a:p>
+            <a:p>
+              <a:pPr algn="just"/>
+              <a:r>
+                <a:rPr lang="ko-KR" altLang="en-US" sz="2000" dirty="0">
+                  <a:solidFill>
+                    <a:schemeClr val="bg1"/>
+                  </a:solidFill>
+                  <a:latin typeface="G마켓 산스 Medium" panose="02000000000000000000" pitchFamily="50" charset="-127"/>
+                  <a:ea typeface="G마켓 산스 Medium" panose="02000000000000000000" pitchFamily="50" charset="-127"/>
+                </a:rPr>
+                <a:t>클라이언트</a:t>
+              </a:r>
+              <a:r>
+                <a:rPr lang="en-US" altLang="ko-KR" sz="2000" dirty="0">
+                  <a:solidFill>
+                    <a:schemeClr val="bg1"/>
+                  </a:solidFill>
+                  <a:latin typeface="G마켓 산스 Medium" panose="02000000000000000000" pitchFamily="50" charset="-127"/>
+                  <a:ea typeface="G마켓 산스 Medium" panose="02000000000000000000" pitchFamily="50" charset="-127"/>
+                </a:rPr>
+                <a:t> </a:t>
+              </a:r>
+              <a:r>
+                <a:rPr lang="en-US" altLang="ko-KR" sz="2000" dirty="0">
+                  <a:solidFill>
+                    <a:schemeClr val="bg1"/>
+                  </a:solidFill>
+                  <a:latin typeface="Consolas" panose="020B0609020204030204" pitchFamily="49" charset="0"/>
+                  <a:ea typeface="G마켓 산스 Medium" panose="02000000000000000000" pitchFamily="50" charset="-127"/>
+                </a:rPr>
+                <a:t>→</a:t>
+              </a:r>
+              <a:r>
+                <a:rPr lang="en-US" altLang="ko-KR" sz="2000" dirty="0">
+                  <a:solidFill>
+                    <a:schemeClr val="bg1"/>
+                  </a:solidFill>
+                  <a:latin typeface="G마켓 산스 Medium" panose="02000000000000000000" pitchFamily="50" charset="-127"/>
+                  <a:ea typeface="G마켓 산스 Medium" panose="02000000000000000000" pitchFamily="50" charset="-127"/>
+                </a:rPr>
+                <a:t> </a:t>
+              </a:r>
+              <a:r>
+                <a:rPr lang="ko-KR" altLang="en-US" sz="2000" dirty="0">
+                  <a:solidFill>
+                    <a:schemeClr val="bg1"/>
+                  </a:solidFill>
+                  <a:latin typeface="G마켓 산스 Medium" panose="02000000000000000000" pitchFamily="50" charset="-127"/>
+                  <a:ea typeface="G마켓 산스 Medium" panose="02000000000000000000" pitchFamily="50" charset="-127"/>
+                </a:rPr>
+                <a:t>서버</a:t>
+              </a:r>
+              <a:endParaRPr lang="en-US" altLang="ko-KR" sz="2000" dirty="0">
+                <a:solidFill>
+                  <a:schemeClr val="bg1"/>
+                </a:solidFill>
+                <a:latin typeface="G마켓 산스 Medium" panose="02000000000000000000" pitchFamily="50" charset="-127"/>
+                <a:ea typeface="G마켓 산스 Medium" panose="02000000000000000000" pitchFamily="50" charset="-127"/>
+              </a:endParaRPr>
+            </a:p>
+          </p:txBody>
+        </p:sp>
+        <p:pic>
+          <p:nvPicPr>
+            <p:cNvPr id="12" name="그림 11" descr="화살이(가) 표시된 사진&#10;&#10;자동 생성된 설명">
+              <a:extLst>
+                <a:ext uri="{FF2B5EF4-FFF2-40B4-BE49-F238E27FC236}">
+                  <a16:creationId xmlns:a16="http://schemas.microsoft.com/office/drawing/2014/main" id="{394ED72E-F70F-41DA-A884-04A670E41012}"/>
+                </a:ext>
+              </a:extLst>
+            </p:cNvPr>
+            <p:cNvPicPr>
+              <a:picLocks noChangeAspect="1"/>
+            </p:cNvPicPr>
+            <p:nvPr/>
+          </p:nvPicPr>
+          <p:blipFill>
+            <a:blip r:embed="rId2">
+              <a:extLst>
+                <a:ext uri="{28A0092B-C50C-407E-A947-70E740481C1C}">
+                  <a14:useLocalDpi xmlns:a14="http://schemas.microsoft.com/office/drawing/2010/main" val="0"/>
+                </a:ext>
+              </a:extLst>
+            </a:blip>
+            <a:stretch>
+              <a:fillRect/>
+            </a:stretch>
+          </p:blipFill>
+          <p:spPr>
+            <a:xfrm>
+              <a:off x="251520" y="329038"/>
+              <a:ext cx="1520350" cy="1520350"/>
+            </a:xfrm>
+            <a:prstGeom prst="rect">
+              <a:avLst/>
+            </a:prstGeom>
+            <a:effectLst>
+              <a:outerShdw blurRad="50800" dist="38100" dir="2700000" algn="tl" rotWithShape="0">
+                <a:prstClr val="black">
+                  <a:alpha val="40000"/>
+                </a:prstClr>
+              </a:outerShdw>
+            </a:effectLst>
+          </p:spPr>
+        </p:pic>
+      </p:grpSp>
+    </p:spTree>
+    <p:extLst>
+      <p:ext uri="{BB962C8B-B14F-4D97-AF65-F5344CB8AC3E}">
+        <p14:creationId xmlns:p14="http://schemas.microsoft.com/office/powerpoint/2010/main" val="3184463785"/>
+      </p:ext>
+    </p:extLst>
+  </p:cSld>
+  <p:clrMapOvr>
+    <a:masterClrMapping/>
+  </p:clrMapOvr>
+</p:sld>
+</file>
+
+<file path=ppt/slides/slide13.xml><?xml version="1.0" encoding="utf-8"?>
+<p:sld xmlns:a="http://schemas.openxmlformats.org/drawingml/2006/main" xmlns:r="http://schemas.openxmlformats.org/officeDocument/2006/relationships" xmlns:p="http://schemas.openxmlformats.org/presentationml/2006/main">
+  <p:cSld>
+    <p:spTree>
+      <p:nvGrpSpPr>
+        <p:cNvPr id="1" name=""/>
+        <p:cNvGrpSpPr/>
+        <p:nvPr/>
+      </p:nvGrpSpPr>
+      <p:grpSpPr>
+        <a:xfrm>
+          <a:off x="0" y="0"/>
+          <a:ext cx="0" cy="0"/>
+          <a:chOff x="0" y="0"/>
+          <a:chExt cx="0" cy="0"/>
+        </a:xfrm>
+      </p:grpSpPr>
+      <p:pic>
+        <p:nvPicPr>
+          <p:cNvPr id="4" name="그림 3">
+            <a:extLst>
+              <a:ext uri="{FF2B5EF4-FFF2-40B4-BE49-F238E27FC236}">
+                <a16:creationId xmlns:a16="http://schemas.microsoft.com/office/drawing/2014/main" id="{79EA51AE-5473-48D7-9C06-07216D5B751B}"/>
+              </a:ext>
+            </a:extLst>
+          </p:cNvPr>
+          <p:cNvPicPr>
+            <a:picLocks noChangeAspect="1"/>
+          </p:cNvPicPr>
+          <p:nvPr/>
+        </p:nvPicPr>
+        <p:blipFill>
+          <a:blip r:embed="rId2"/>
+          <a:stretch>
+            <a:fillRect/>
+          </a:stretch>
+        </p:blipFill>
+        <p:spPr>
+          <a:xfrm>
+            <a:off x="86064" y="552918"/>
+            <a:ext cx="9009208" cy="214950"/>
+          </a:xfrm>
+          <a:prstGeom prst="rect">
+            <a:avLst/>
+          </a:prstGeom>
+        </p:spPr>
+      </p:pic>
+      <p:cxnSp>
+        <p:nvCxnSpPr>
+          <p:cNvPr id="5" name="직선 연결선 4">
+            <a:extLst>
+              <a:ext uri="{FF2B5EF4-FFF2-40B4-BE49-F238E27FC236}">
+                <a16:creationId xmlns:a16="http://schemas.microsoft.com/office/drawing/2014/main" id="{901C3514-EB0B-49E7-8EDD-17BC9AB9B9FE}"/>
+              </a:ext>
+            </a:extLst>
+          </p:cNvPr>
+          <p:cNvCxnSpPr/>
+          <p:nvPr/>
+        </p:nvCxnSpPr>
+        <p:spPr>
+          <a:xfrm>
+            <a:off x="0" y="1489348"/>
+            <a:ext cx="9144000" cy="0"/>
+          </a:xfrm>
+          <a:prstGeom prst="line">
+            <a:avLst/>
+          </a:prstGeom>
+          <a:ln>
+            <a:solidFill>
+              <a:schemeClr val="bg1">
+                <a:lumMod val="65000"/>
+              </a:schemeClr>
+            </a:solidFill>
+          </a:ln>
+        </p:spPr>
+        <p:style>
+          <a:lnRef idx="1">
+            <a:schemeClr val="dk1"/>
+          </a:lnRef>
+          <a:fillRef idx="0">
+            <a:schemeClr val="dk1"/>
+          </a:fillRef>
+          <a:effectRef idx="0">
+            <a:schemeClr val="dk1"/>
+          </a:effectRef>
+          <a:fontRef idx="minor">
+            <a:schemeClr val="tx1"/>
+          </a:fontRef>
+        </p:style>
+      </p:cxnSp>
+      <p:cxnSp>
+        <p:nvCxnSpPr>
+          <p:cNvPr id="8" name="직선 연결선 7">
+            <a:extLst>
+              <a:ext uri="{FF2B5EF4-FFF2-40B4-BE49-F238E27FC236}">
+                <a16:creationId xmlns:a16="http://schemas.microsoft.com/office/drawing/2014/main" id="{435ECFDB-7414-4A38-838F-2654608742CB}"/>
+              </a:ext>
+            </a:extLst>
+          </p:cNvPr>
+          <p:cNvCxnSpPr/>
+          <p:nvPr/>
+        </p:nvCxnSpPr>
+        <p:spPr>
+          <a:xfrm>
+            <a:off x="0" y="3649588"/>
+            <a:ext cx="9144000" cy="0"/>
+          </a:xfrm>
+          <a:prstGeom prst="line">
+            <a:avLst/>
+          </a:prstGeom>
+          <a:ln>
+            <a:solidFill>
+              <a:schemeClr val="bg1">
+                <a:lumMod val="65000"/>
+              </a:schemeClr>
+            </a:solidFill>
+          </a:ln>
+        </p:spPr>
+        <p:style>
+          <a:lnRef idx="1">
+            <a:schemeClr val="dk1"/>
+          </a:lnRef>
+          <a:fillRef idx="0">
+            <a:schemeClr val="dk1"/>
+          </a:fillRef>
+          <a:effectRef idx="0">
+            <a:schemeClr val="dk1"/>
+          </a:effectRef>
+          <a:fontRef idx="minor">
+            <a:schemeClr val="tx1"/>
+          </a:fontRef>
+        </p:style>
+      </p:cxnSp>
+      <p:pic>
+        <p:nvPicPr>
+          <p:cNvPr id="11" name="그림 10">
+            <a:extLst>
+              <a:ext uri="{FF2B5EF4-FFF2-40B4-BE49-F238E27FC236}">
+                <a16:creationId xmlns:a16="http://schemas.microsoft.com/office/drawing/2014/main" id="{DE9AEF39-2E65-4553-A625-E7665B30AC87}"/>
+              </a:ext>
+            </a:extLst>
+          </p:cNvPr>
+          <p:cNvPicPr>
+            <a:picLocks noChangeAspect="1"/>
+          </p:cNvPicPr>
+          <p:nvPr/>
+        </p:nvPicPr>
+        <p:blipFill>
+          <a:blip r:embed="rId3"/>
+          <a:stretch>
+            <a:fillRect/>
+          </a:stretch>
+        </p:blipFill>
+        <p:spPr>
+          <a:xfrm>
+            <a:off x="197957" y="770570"/>
+            <a:ext cx="4344006" cy="504895"/>
+          </a:xfrm>
+          <a:prstGeom prst="rect">
+            <a:avLst/>
+          </a:prstGeom>
+        </p:spPr>
+      </p:pic>
+      <p:grpSp>
+        <p:nvGrpSpPr>
+          <p:cNvPr id="15" name="그룹 14">
+            <a:extLst>
+              <a:ext uri="{FF2B5EF4-FFF2-40B4-BE49-F238E27FC236}">
+                <a16:creationId xmlns:a16="http://schemas.microsoft.com/office/drawing/2014/main" id="{776EA422-E55B-4810-B0AF-1A88EDE6C3A1}"/>
+              </a:ext>
+            </a:extLst>
+          </p:cNvPr>
+          <p:cNvGrpSpPr/>
+          <p:nvPr/>
+        </p:nvGrpSpPr>
+        <p:grpSpPr>
+          <a:xfrm>
+            <a:off x="323528" y="1652804"/>
+            <a:ext cx="6588224" cy="1780760"/>
+            <a:chOff x="323528" y="1652804"/>
+            <a:chExt cx="6588224" cy="1780760"/>
+          </a:xfrm>
+        </p:grpSpPr>
+        <p:pic>
+          <p:nvPicPr>
+            <p:cNvPr id="13" name="그림 12">
+              <a:extLst>
+                <a:ext uri="{FF2B5EF4-FFF2-40B4-BE49-F238E27FC236}">
+                  <a16:creationId xmlns:a16="http://schemas.microsoft.com/office/drawing/2014/main" id="{13516A41-B745-495E-9B36-B8CA68755C64}"/>
+                </a:ext>
+              </a:extLst>
+            </p:cNvPr>
+            <p:cNvPicPr>
+              <a:picLocks noChangeAspect="1"/>
+            </p:cNvPicPr>
+            <p:nvPr/>
+          </p:nvPicPr>
+          <p:blipFill>
+            <a:blip r:embed="rId4"/>
+            <a:stretch>
+              <a:fillRect/>
+            </a:stretch>
+          </p:blipFill>
+          <p:spPr>
+            <a:xfrm>
+              <a:off x="323528" y="1652804"/>
+              <a:ext cx="6588224" cy="1780760"/>
+            </a:xfrm>
+            <a:prstGeom prst="rect">
+              <a:avLst/>
+            </a:prstGeom>
+          </p:spPr>
+        </p:pic>
+        <p:sp>
+          <p:nvSpPr>
+            <p:cNvPr id="14" name="직사각형 13">
+              <a:extLst>
+                <a:ext uri="{FF2B5EF4-FFF2-40B4-BE49-F238E27FC236}">
+                  <a16:creationId xmlns:a16="http://schemas.microsoft.com/office/drawing/2014/main" id="{AEA53B4F-4C98-4754-8DF4-969C30A94394}"/>
+                </a:ext>
+              </a:extLst>
+            </p:cNvPr>
+            <p:cNvSpPr/>
+            <p:nvPr/>
+          </p:nvSpPr>
+          <p:spPr>
+            <a:xfrm>
+              <a:off x="1547664" y="2785492"/>
+              <a:ext cx="5328592" cy="288027"/>
+            </a:xfrm>
+            <a:prstGeom prst="rect">
+              <a:avLst/>
+            </a:prstGeom>
+            <a:solidFill>
+              <a:schemeClr val="bg1"/>
+            </a:solidFill>
+            <a:ln w="12700">
+              <a:noFill/>
+            </a:ln>
+          </p:spPr>
+          <p:style>
+            <a:lnRef idx="2">
+              <a:schemeClr val="accent1">
+                <a:shade val="50000"/>
+              </a:schemeClr>
+            </a:lnRef>
+            <a:fillRef idx="1">
+              <a:schemeClr val="accent1"/>
+            </a:fillRef>
+            <a:effectRef idx="0">
+              <a:schemeClr val="accent1"/>
+            </a:effectRef>
+            <a:fontRef idx="minor">
+              <a:schemeClr val="lt1"/>
+            </a:fontRef>
+          </p:style>
+          <p:txBody>
+            <a:bodyPr wrap="none" rtlCol="0" anchor="ctr"/>
+            <a:lstStyle/>
+            <a:p>
+              <a:pPr algn="ctr"/>
+              <a:endParaRPr lang="ko-KR" altLang="en-US" sz="850" dirty="0">
+                <a:solidFill>
+                  <a:srgbClr val="000000"/>
+                </a:solidFill>
+                <a:latin typeface="Segoe UI" panose="020B0502040204020203" pitchFamily="34" charset="0"/>
+                <a:cs typeface="Segoe UI" panose="020B0502040204020203" pitchFamily="34" charset="0"/>
+              </a:endParaRPr>
+            </a:p>
+          </p:txBody>
+        </p:sp>
+      </p:grpSp>
+      <p:sp>
+        <p:nvSpPr>
+          <p:cNvPr id="16" name="TextBox 15">
+            <a:extLst>
+              <a:ext uri="{FF2B5EF4-FFF2-40B4-BE49-F238E27FC236}">
+                <a16:creationId xmlns:a16="http://schemas.microsoft.com/office/drawing/2014/main" id="{43E2482D-970A-4BBA-B707-A4E3B26FCF7B}"/>
+              </a:ext>
+            </a:extLst>
+          </p:cNvPr>
+          <p:cNvSpPr txBox="1"/>
+          <p:nvPr/>
+        </p:nvSpPr>
+        <p:spPr>
+          <a:xfrm>
+            <a:off x="4716016" y="864228"/>
+            <a:ext cx="2710999" cy="461665"/>
+          </a:xfrm>
+          <a:prstGeom prst="rect">
+            <a:avLst/>
+          </a:prstGeom>
+          <a:noFill/>
+          <a:ln>
+            <a:solidFill>
+              <a:schemeClr val="bg1">
+                <a:lumMod val="75000"/>
+              </a:schemeClr>
+            </a:solidFill>
+          </a:ln>
+        </p:spPr>
+        <p:txBody>
+          <a:bodyPr wrap="none" rtlCol="0">
+            <a:spAutoFit/>
+          </a:bodyPr>
+          <a:lstStyle/>
+          <a:p>
+            <a:r>
+              <a:rPr lang="ko-KR" altLang="en-US" sz="1200" dirty="0"/>
+              <a:t>인증서와 개인 키를 암호화 시키고</a:t>
+            </a:r>
+            <a:endParaRPr lang="en-US" altLang="ko-KR" sz="1200" dirty="0"/>
+          </a:p>
+          <a:p>
+            <a:r>
+              <a:rPr lang="ko-KR" altLang="en-US" sz="1200" dirty="0"/>
+              <a:t>단말에 저장하기 위한 이진형식 파일</a:t>
+            </a:r>
+          </a:p>
+        </p:txBody>
+      </p:sp>
+      <p:pic>
+        <p:nvPicPr>
+          <p:cNvPr id="18" name="그림 17">
+            <a:extLst>
+              <a:ext uri="{FF2B5EF4-FFF2-40B4-BE49-F238E27FC236}">
+                <a16:creationId xmlns:a16="http://schemas.microsoft.com/office/drawing/2014/main" id="{EA03C8CD-0394-4295-813B-86F881AD7A0E}"/>
+              </a:ext>
+            </a:extLst>
+          </p:cNvPr>
+          <p:cNvPicPr>
+            <a:picLocks noChangeAspect="1"/>
+          </p:cNvPicPr>
+          <p:nvPr/>
+        </p:nvPicPr>
+        <p:blipFill>
+          <a:blip r:embed="rId5"/>
+          <a:stretch>
+            <a:fillRect/>
+          </a:stretch>
+        </p:blipFill>
+        <p:spPr>
+          <a:xfrm>
+            <a:off x="197957" y="3974126"/>
+            <a:ext cx="8183117" cy="295316"/>
+          </a:xfrm>
+          <a:prstGeom prst="rect">
+            <a:avLst/>
+          </a:prstGeom>
+        </p:spPr>
+      </p:pic>
+      <p:pic>
+        <p:nvPicPr>
+          <p:cNvPr id="20" name="그림 19">
+            <a:extLst>
+              <a:ext uri="{FF2B5EF4-FFF2-40B4-BE49-F238E27FC236}">
+                <a16:creationId xmlns:a16="http://schemas.microsoft.com/office/drawing/2014/main" id="{79F8E08C-2115-4EB2-8D80-BA916E583475}"/>
+              </a:ext>
+            </a:extLst>
+          </p:cNvPr>
+          <p:cNvPicPr>
+            <a:picLocks noChangeAspect="1"/>
+          </p:cNvPicPr>
+          <p:nvPr/>
+        </p:nvPicPr>
+        <p:blipFill>
+          <a:blip r:embed="rId6"/>
+          <a:stretch>
+            <a:fillRect/>
+          </a:stretch>
+        </p:blipFill>
+        <p:spPr>
+          <a:xfrm>
+            <a:off x="197957" y="4449061"/>
+            <a:ext cx="4334480" cy="495369"/>
+          </a:xfrm>
+          <a:prstGeom prst="rect">
+            <a:avLst/>
+          </a:prstGeom>
+        </p:spPr>
+      </p:pic>
+      <p:sp>
+        <p:nvSpPr>
+          <p:cNvPr id="22" name="TextBox 21">
+            <a:extLst>
+              <a:ext uri="{FF2B5EF4-FFF2-40B4-BE49-F238E27FC236}">
+                <a16:creationId xmlns:a16="http://schemas.microsoft.com/office/drawing/2014/main" id="{2AD20727-AFC3-4316-B8AA-CCCD11894267}"/>
+              </a:ext>
+            </a:extLst>
+          </p:cNvPr>
+          <p:cNvSpPr txBox="1"/>
+          <p:nvPr/>
+        </p:nvSpPr>
+        <p:spPr>
+          <a:xfrm>
+            <a:off x="0" y="5453390"/>
+            <a:ext cx="4838184" cy="246221"/>
+          </a:xfrm>
+          <a:prstGeom prst="rect">
+            <a:avLst/>
+          </a:prstGeom>
+          <a:noFill/>
+          <a:ln>
+            <a:noFill/>
+          </a:ln>
+        </p:spPr>
+        <p:txBody>
+          <a:bodyPr wrap="none" rtlCol="0">
+            <a:spAutoFit/>
+          </a:bodyPr>
+          <a:lstStyle/>
+          <a:p>
+            <a:r>
+              <a:rPr lang="en-US" altLang="ko-KR" sz="1000" b="0" i="0" dirty="0">
+                <a:solidFill>
+                  <a:srgbClr val="222222"/>
+                </a:solidFill>
+                <a:effectLst/>
+                <a:latin typeface="+mn-ea"/>
+              </a:rPr>
+              <a:t>· KeyStore : </a:t>
+            </a:r>
+            <a:r>
+              <a:rPr lang="ko-KR" altLang="en-US" sz="1000" b="0" i="0" dirty="0">
+                <a:solidFill>
+                  <a:srgbClr val="222222"/>
+                </a:solidFill>
+                <a:effectLst/>
+                <a:latin typeface="+mn-ea"/>
+              </a:rPr>
+              <a:t>비밀키</a:t>
+            </a:r>
+            <a:r>
+              <a:rPr lang="en-US" altLang="ko-KR" sz="1000" b="0" i="0" dirty="0">
+                <a:solidFill>
+                  <a:srgbClr val="222222"/>
+                </a:solidFill>
+                <a:effectLst/>
+                <a:latin typeface="+mn-ea"/>
+              </a:rPr>
+              <a:t> </a:t>
+            </a:r>
+            <a:r>
+              <a:rPr lang="ko-KR" altLang="en-US" sz="1000" b="0" i="0" dirty="0">
+                <a:solidFill>
+                  <a:srgbClr val="222222"/>
+                </a:solidFill>
+                <a:effectLst/>
+                <a:latin typeface="+mn-ea"/>
+              </a:rPr>
+              <a:t>관련된 인증서 혹은 인증서 체인을 가지고 있는 데이</a:t>
+            </a:r>
+            <a:r>
+              <a:rPr lang="ko-KR" altLang="en-US" sz="1000" dirty="0">
+                <a:solidFill>
+                  <a:srgbClr val="222222"/>
+                </a:solidFill>
+                <a:latin typeface="+mn-ea"/>
+              </a:rPr>
+              <a:t>터</a:t>
+            </a:r>
+            <a:r>
+              <a:rPr lang="ko-KR" altLang="en-US" sz="1000" b="0" i="0" dirty="0">
+                <a:solidFill>
+                  <a:srgbClr val="222222"/>
+                </a:solidFill>
+                <a:effectLst/>
+                <a:latin typeface="+mn-ea"/>
+              </a:rPr>
+              <a:t>베이스</a:t>
+            </a:r>
+            <a:endParaRPr lang="ko-KR" altLang="en-US" sz="1000" dirty="0">
+              <a:latin typeface="+mn-ea"/>
+            </a:endParaRPr>
+          </a:p>
+        </p:txBody>
+      </p:sp>
+    </p:spTree>
+    <p:extLst>
+      <p:ext uri="{BB962C8B-B14F-4D97-AF65-F5344CB8AC3E}">
+        <p14:creationId xmlns:p14="http://schemas.microsoft.com/office/powerpoint/2010/main" val="1611823438"/>
+      </p:ext>
+    </p:extLst>
+  </p:cSld>
+  <p:clrMapOvr>
+    <a:masterClrMapping/>
+  </p:clrMapOvr>
+</p:sld>
+</file>
+
+<file path=ppt/slides/slide14.xml><?xml version="1.0" encoding="utf-8"?>
+<p:sld xmlns:a="http://schemas.openxmlformats.org/drawingml/2006/main" xmlns:r="http://schemas.openxmlformats.org/officeDocument/2006/relationships" xmlns:p="http://schemas.openxmlformats.org/presentationml/2006/main">
+  <p:cSld>
+    <p:spTree>
+      <p:nvGrpSpPr>
+        <p:cNvPr id="1" name=""/>
+        <p:cNvGrpSpPr/>
+        <p:nvPr/>
+      </p:nvGrpSpPr>
+      <p:grpSpPr>
+        <a:xfrm>
+          <a:off x="0" y="0"/>
+          <a:ext cx="0" cy="0"/>
+          <a:chOff x="0" y="0"/>
+          <a:chExt cx="0" cy="0"/>
+        </a:xfrm>
+      </p:grpSpPr>
+      <p:pic>
+        <p:nvPicPr>
+          <p:cNvPr id="3" name="그림 2">
+            <a:extLst>
+              <a:ext uri="{FF2B5EF4-FFF2-40B4-BE49-F238E27FC236}">
+                <a16:creationId xmlns:a16="http://schemas.microsoft.com/office/drawing/2014/main" id="{D0B9AECA-CB21-489C-903D-4E7B8EF40E4A}"/>
+              </a:ext>
+            </a:extLst>
+          </p:cNvPr>
+          <p:cNvPicPr>
+            <a:picLocks noChangeAspect="1"/>
+          </p:cNvPicPr>
+          <p:nvPr/>
+        </p:nvPicPr>
+        <p:blipFill>
+          <a:blip r:embed="rId2"/>
+          <a:stretch>
+            <a:fillRect/>
+          </a:stretch>
+        </p:blipFill>
+        <p:spPr>
+          <a:xfrm>
+            <a:off x="1475943" y="913284"/>
+            <a:ext cx="6192114" cy="4182059"/>
+          </a:xfrm>
+          <a:prstGeom prst="rect">
+            <a:avLst/>
+          </a:prstGeom>
+        </p:spPr>
+      </p:pic>
+      <p:sp>
+        <p:nvSpPr>
+          <p:cNvPr id="6" name="직사각형 5">
+            <a:extLst>
+              <a:ext uri="{FF2B5EF4-FFF2-40B4-BE49-F238E27FC236}">
+                <a16:creationId xmlns:a16="http://schemas.microsoft.com/office/drawing/2014/main" id="{6F57EAE5-79D4-4599-A5C1-1A8127CD5696}"/>
+              </a:ext>
+            </a:extLst>
+          </p:cNvPr>
+          <p:cNvSpPr/>
+          <p:nvPr/>
+        </p:nvSpPr>
+        <p:spPr>
+          <a:xfrm>
+            <a:off x="1475656" y="2209428"/>
+            <a:ext cx="6192688" cy="1728192"/>
+          </a:xfrm>
+          <a:prstGeom prst="rect">
+            <a:avLst/>
+          </a:prstGeom>
+          <a:ln w="3175">
+            <a:noFill/>
+          </a:ln>
+        </p:spPr>
+        <p:style>
+          <a:lnRef idx="2">
+            <a:schemeClr val="dk1"/>
+          </a:lnRef>
+          <a:fillRef idx="1">
+            <a:schemeClr val="lt1"/>
+          </a:fillRef>
+          <a:effectRef idx="0">
+            <a:schemeClr val="dk1"/>
+          </a:effectRef>
+          <a:fontRef idx="minor">
+            <a:schemeClr val="dk1"/>
+          </a:fontRef>
+        </p:style>
+        <p:txBody>
+          <a:bodyPr wrap="none" rtlCol="0" anchor="ctr"/>
+          <a:lstStyle/>
+          <a:p>
+            <a:pPr algn="ctr"/>
+            <a:r>
+              <a:rPr lang="en-US" altLang="ko-KR" sz="3600" dirty="0">
+                <a:solidFill>
+                  <a:srgbClr val="000000"/>
+                </a:solidFill>
+                <a:latin typeface="Segoe UI" panose="020B0502040204020203" pitchFamily="34" charset="0"/>
+                <a:cs typeface="Segoe UI" panose="020B0502040204020203" pitchFamily="34" charset="0"/>
+              </a:rPr>
+              <a:t>·</a:t>
+            </a:r>
+          </a:p>
+          <a:p>
+            <a:pPr algn="ctr"/>
+            <a:r>
+              <a:rPr lang="en-US" altLang="ko-KR" sz="3600" dirty="0">
+                <a:solidFill>
+                  <a:srgbClr val="000000"/>
+                </a:solidFill>
+                <a:latin typeface="Segoe UI" panose="020B0502040204020203" pitchFamily="34" charset="0"/>
+                <a:cs typeface="Segoe UI" panose="020B0502040204020203" pitchFamily="34" charset="0"/>
+              </a:rPr>
+              <a:t>·</a:t>
+            </a:r>
+          </a:p>
+          <a:p>
+            <a:pPr algn="ctr"/>
+            <a:r>
+              <a:rPr lang="en-US" altLang="ko-KR" sz="3600" dirty="0">
+                <a:solidFill>
+                  <a:srgbClr val="000000"/>
+                </a:solidFill>
+                <a:latin typeface="Segoe UI" panose="020B0502040204020203" pitchFamily="34" charset="0"/>
+                <a:cs typeface="Segoe UI" panose="020B0502040204020203" pitchFamily="34" charset="0"/>
+              </a:rPr>
+              <a:t>·</a:t>
+            </a:r>
+          </a:p>
+        </p:txBody>
+      </p:sp>
+    </p:spTree>
+    <p:extLst>
+      <p:ext uri="{BB962C8B-B14F-4D97-AF65-F5344CB8AC3E}">
+        <p14:creationId xmlns:p14="http://schemas.microsoft.com/office/powerpoint/2010/main" val="2966770622"/>
+      </p:ext>
+    </p:extLst>
+  </p:cSld>
+  <p:clrMapOvr>
+    <a:masterClrMapping/>
+  </p:clrMapOvr>
+</p:sld>
+</file>
+
+<file path=ppt/slides/slide15.xml><?xml version="1.0" encoding="utf-8"?>
+<p:sld xmlns:a="http://schemas.openxmlformats.org/drawingml/2006/main" xmlns:r="http://schemas.openxmlformats.org/officeDocument/2006/relationships" xmlns:p="http://schemas.openxmlformats.org/presentationml/2006/main">
+  <p:cSld>
+    <p:spTree>
+      <p:nvGrpSpPr>
+        <p:cNvPr id="1" name=""/>
+        <p:cNvGrpSpPr/>
+        <p:nvPr/>
+      </p:nvGrpSpPr>
+      <p:grpSpPr>
+        <a:xfrm>
+          <a:off x="0" y="0"/>
+          <a:ext cx="0" cy="0"/>
+          <a:chOff x="0" y="0"/>
+          <a:chExt cx="0" cy="0"/>
+        </a:xfrm>
+      </p:grpSpPr>
+      <p:sp>
+        <p:nvSpPr>
+          <p:cNvPr id="4" name="TextBox 3">
+            <a:extLst>
+              <a:ext uri="{FF2B5EF4-FFF2-40B4-BE49-F238E27FC236}">
+                <a16:creationId xmlns:a16="http://schemas.microsoft.com/office/drawing/2014/main" id="{51BAD4BC-7F84-4E66-B419-A3BDCEB84633}"/>
+              </a:ext>
+            </a:extLst>
+          </p:cNvPr>
+          <p:cNvSpPr txBox="1"/>
+          <p:nvPr/>
+        </p:nvSpPr>
+        <p:spPr>
+          <a:xfrm>
+            <a:off x="0" y="5453390"/>
+            <a:ext cx="5198859" cy="246221"/>
+          </a:xfrm>
+          <a:prstGeom prst="rect">
+            <a:avLst/>
+          </a:prstGeom>
+          <a:noFill/>
+          <a:ln>
+            <a:noFill/>
+          </a:ln>
+        </p:spPr>
+        <p:txBody>
+          <a:bodyPr wrap="none" rtlCol="0">
+            <a:spAutoFit/>
+          </a:bodyPr>
+          <a:lstStyle/>
+          <a:p>
+            <a:r>
+              <a:rPr lang="en-US" altLang="ko-KR" sz="1000" b="0" i="0" dirty="0">
+                <a:solidFill>
+                  <a:srgbClr val="222222"/>
+                </a:solidFill>
+                <a:effectLst/>
+                <a:latin typeface="+mn-ea"/>
+              </a:rPr>
+              <a:t>· </a:t>
+            </a:r>
+            <a:r>
+              <a:rPr lang="en-US" altLang="ko-KR" sz="1000" b="0" i="0" dirty="0" err="1">
+                <a:solidFill>
+                  <a:srgbClr val="222222"/>
+                </a:solidFill>
+                <a:effectLst/>
+                <a:latin typeface="+mn-ea"/>
+              </a:rPr>
+              <a:t>TrustStore</a:t>
+            </a:r>
+            <a:r>
+              <a:rPr lang="en-US" altLang="ko-KR" sz="1000" b="0" i="0" dirty="0">
+                <a:solidFill>
+                  <a:srgbClr val="222222"/>
+                </a:solidFill>
+                <a:effectLst/>
+                <a:latin typeface="+mn-ea"/>
+              </a:rPr>
+              <a:t> : </a:t>
+            </a:r>
+            <a:r>
+              <a:rPr lang="ko-KR" altLang="en-US" sz="1000" b="0" i="0" dirty="0">
+                <a:solidFill>
+                  <a:srgbClr val="555555"/>
+                </a:solidFill>
+                <a:effectLst/>
+                <a:latin typeface="+mn-ea"/>
+              </a:rPr>
+              <a:t>클라이언트가 신뢰할 수 있는 인증서만을 가지고 있다</a:t>
+            </a:r>
+            <a:r>
+              <a:rPr lang="en-US" altLang="ko-KR" sz="1000" b="0" i="0" dirty="0">
+                <a:solidFill>
+                  <a:srgbClr val="555555"/>
+                </a:solidFill>
+                <a:effectLst/>
+                <a:latin typeface="+mn-ea"/>
+              </a:rPr>
+              <a:t>. (</a:t>
+            </a:r>
+            <a:r>
+              <a:rPr lang="ko-KR" altLang="en-US" sz="1000" b="0" i="0" dirty="0">
+                <a:solidFill>
+                  <a:srgbClr val="555555"/>
+                </a:solidFill>
+                <a:effectLst/>
+                <a:latin typeface="+mn-ea"/>
+              </a:rPr>
+              <a:t>자기 서명 인증서</a:t>
+            </a:r>
+            <a:r>
+              <a:rPr lang="en-US" altLang="ko-KR" sz="1000" b="0" i="0" dirty="0">
+                <a:solidFill>
+                  <a:srgbClr val="555555"/>
+                </a:solidFill>
+                <a:effectLst/>
+                <a:latin typeface="+mn-ea"/>
+              </a:rPr>
+              <a:t>)</a:t>
+            </a:r>
+            <a:endParaRPr lang="ko-KR" altLang="en-US" sz="1000" dirty="0">
+              <a:latin typeface="+mn-ea"/>
+            </a:endParaRPr>
+          </a:p>
+        </p:txBody>
+      </p:sp>
+      <p:pic>
+        <p:nvPicPr>
+          <p:cNvPr id="8" name="그림 7">
+            <a:extLst>
+              <a:ext uri="{FF2B5EF4-FFF2-40B4-BE49-F238E27FC236}">
+                <a16:creationId xmlns:a16="http://schemas.microsoft.com/office/drawing/2014/main" id="{88529114-5274-4BD9-9F37-136C4841A950}"/>
+              </a:ext>
+            </a:extLst>
+          </p:cNvPr>
+          <p:cNvPicPr>
+            <a:picLocks noChangeAspect="1"/>
+          </p:cNvPicPr>
+          <p:nvPr/>
+        </p:nvPicPr>
+        <p:blipFill>
+          <a:blip r:embed="rId2"/>
+          <a:stretch>
+            <a:fillRect/>
+          </a:stretch>
+        </p:blipFill>
+        <p:spPr>
+          <a:xfrm>
+            <a:off x="467544" y="625252"/>
+            <a:ext cx="7116168" cy="209579"/>
+          </a:xfrm>
+          <a:prstGeom prst="rect">
+            <a:avLst/>
+          </a:prstGeom>
+        </p:spPr>
+      </p:pic>
+      <p:cxnSp>
+        <p:nvCxnSpPr>
+          <p:cNvPr id="9" name="직선 연결선 8">
+            <a:extLst>
+              <a:ext uri="{FF2B5EF4-FFF2-40B4-BE49-F238E27FC236}">
+                <a16:creationId xmlns:a16="http://schemas.microsoft.com/office/drawing/2014/main" id="{D9CA3CF8-8B24-4BBA-ADA0-0D3AC3B5AAD7}"/>
+              </a:ext>
+            </a:extLst>
+          </p:cNvPr>
+          <p:cNvCxnSpPr/>
+          <p:nvPr/>
+        </p:nvCxnSpPr>
+        <p:spPr>
+          <a:xfrm>
+            <a:off x="0" y="985292"/>
+            <a:ext cx="9144000" cy="0"/>
+          </a:xfrm>
+          <a:prstGeom prst="line">
+            <a:avLst/>
+          </a:prstGeom>
+          <a:ln>
+            <a:solidFill>
+              <a:schemeClr val="bg1">
+                <a:lumMod val="65000"/>
+              </a:schemeClr>
+            </a:solidFill>
+          </a:ln>
+        </p:spPr>
+        <p:style>
+          <a:lnRef idx="1">
+            <a:schemeClr val="dk1"/>
+          </a:lnRef>
+          <a:fillRef idx="0">
+            <a:schemeClr val="dk1"/>
+          </a:fillRef>
+          <a:effectRef idx="0">
+            <a:schemeClr val="dk1"/>
+          </a:effectRef>
+          <a:fontRef idx="minor">
+            <a:schemeClr val="tx1"/>
+          </a:fontRef>
+        </p:style>
+      </p:cxnSp>
+      <p:pic>
+        <p:nvPicPr>
+          <p:cNvPr id="11" name="그림 10">
+            <a:extLst>
+              <a:ext uri="{FF2B5EF4-FFF2-40B4-BE49-F238E27FC236}">
+                <a16:creationId xmlns:a16="http://schemas.microsoft.com/office/drawing/2014/main" id="{E7F07F71-77D6-4E12-8609-F2ABA864C1BA}"/>
+              </a:ext>
+            </a:extLst>
+          </p:cNvPr>
+          <p:cNvPicPr>
+            <a:picLocks noChangeAspect="1"/>
+          </p:cNvPicPr>
+          <p:nvPr/>
+        </p:nvPicPr>
+        <p:blipFill>
+          <a:blip r:embed="rId3"/>
+          <a:stretch>
+            <a:fillRect/>
+          </a:stretch>
+        </p:blipFill>
+        <p:spPr>
+          <a:xfrm>
+            <a:off x="323528" y="1135754"/>
+            <a:ext cx="4467849" cy="581106"/>
+          </a:xfrm>
+          <a:prstGeom prst="rect">
+            <a:avLst/>
+          </a:prstGeom>
+        </p:spPr>
+      </p:pic>
+      <p:sp>
+        <p:nvSpPr>
+          <p:cNvPr id="13" name="TextBox 12">
+            <a:extLst>
+              <a:ext uri="{FF2B5EF4-FFF2-40B4-BE49-F238E27FC236}">
+                <a16:creationId xmlns:a16="http://schemas.microsoft.com/office/drawing/2014/main" id="{169C47D7-241C-43AE-A343-AE14B99098EE}"/>
+              </a:ext>
+            </a:extLst>
+          </p:cNvPr>
+          <p:cNvSpPr txBox="1"/>
+          <p:nvPr/>
+        </p:nvSpPr>
+        <p:spPr>
+          <a:xfrm>
+            <a:off x="5076056" y="1287807"/>
+            <a:ext cx="2040943" cy="276999"/>
+          </a:xfrm>
+          <a:prstGeom prst="rect">
+            <a:avLst/>
+          </a:prstGeom>
+          <a:noFill/>
+          <a:ln>
+            <a:solidFill>
+              <a:schemeClr val="bg1">
+                <a:lumMod val="75000"/>
+              </a:schemeClr>
+            </a:solidFill>
+          </a:ln>
+        </p:spPr>
+        <p:txBody>
+          <a:bodyPr wrap="none" rtlCol="0">
+            <a:spAutoFit/>
+          </a:bodyPr>
+          <a:lstStyle/>
+          <a:p>
+            <a:r>
+              <a:rPr lang="ko-KR" altLang="en-US" sz="1200" dirty="0"/>
+              <a:t>서버를 인증하기 위한 파일</a:t>
+            </a:r>
+          </a:p>
+        </p:txBody>
+      </p:sp>
+      <p:pic>
+        <p:nvPicPr>
+          <p:cNvPr id="15" name="그림 14">
+            <a:extLst>
+              <a:ext uri="{FF2B5EF4-FFF2-40B4-BE49-F238E27FC236}">
+                <a16:creationId xmlns:a16="http://schemas.microsoft.com/office/drawing/2014/main" id="{27D58E02-10D7-4BB0-8B32-14359ED1FD87}"/>
+              </a:ext>
+            </a:extLst>
+          </p:cNvPr>
+          <p:cNvPicPr>
+            <a:picLocks noChangeAspect="1"/>
+          </p:cNvPicPr>
+          <p:nvPr/>
+        </p:nvPicPr>
+        <p:blipFill>
+          <a:blip r:embed="rId4"/>
+          <a:stretch>
+            <a:fillRect/>
+          </a:stretch>
+        </p:blipFill>
+        <p:spPr>
+          <a:xfrm>
+            <a:off x="4025628" y="2563739"/>
+            <a:ext cx="3162741" cy="1771897"/>
+          </a:xfrm>
+          <a:prstGeom prst="rect">
+            <a:avLst/>
+          </a:prstGeom>
+        </p:spPr>
+      </p:pic>
+      <p:cxnSp>
+        <p:nvCxnSpPr>
+          <p:cNvPr id="16" name="직선 연결선 15">
+            <a:extLst>
+              <a:ext uri="{FF2B5EF4-FFF2-40B4-BE49-F238E27FC236}">
+                <a16:creationId xmlns:a16="http://schemas.microsoft.com/office/drawing/2014/main" id="{9016AB75-A90A-4084-8C52-2526F7A607BE}"/>
+              </a:ext>
+            </a:extLst>
+          </p:cNvPr>
+          <p:cNvCxnSpPr/>
+          <p:nvPr/>
+        </p:nvCxnSpPr>
+        <p:spPr>
+          <a:xfrm>
+            <a:off x="0" y="1849388"/>
+            <a:ext cx="9144000" cy="0"/>
+          </a:xfrm>
+          <a:prstGeom prst="line">
+            <a:avLst/>
+          </a:prstGeom>
+          <a:ln>
+            <a:solidFill>
+              <a:schemeClr val="bg1">
+                <a:lumMod val="65000"/>
+              </a:schemeClr>
+            </a:solidFill>
+          </a:ln>
+        </p:spPr>
+        <p:style>
+          <a:lnRef idx="1">
+            <a:schemeClr val="dk1"/>
+          </a:lnRef>
+          <a:fillRef idx="0">
+            <a:schemeClr val="dk1"/>
+          </a:fillRef>
+          <a:effectRef idx="0">
+            <a:schemeClr val="dk1"/>
+          </a:effectRef>
+          <a:fontRef idx="minor">
+            <a:schemeClr val="tx1"/>
+          </a:fontRef>
+        </p:style>
+      </p:cxnSp>
+      <p:pic>
+        <p:nvPicPr>
+          <p:cNvPr id="18" name="그림 17">
+            <a:extLst>
+              <a:ext uri="{FF2B5EF4-FFF2-40B4-BE49-F238E27FC236}">
+                <a16:creationId xmlns:a16="http://schemas.microsoft.com/office/drawing/2014/main" id="{917A1C31-90E2-46DC-AFAA-76BCDBCDCB6B}"/>
+              </a:ext>
+            </a:extLst>
+          </p:cNvPr>
+          <p:cNvPicPr>
+            <a:picLocks noChangeAspect="1"/>
+          </p:cNvPicPr>
+          <p:nvPr/>
+        </p:nvPicPr>
+        <p:blipFill>
+          <a:blip r:embed="rId5"/>
+          <a:stretch>
+            <a:fillRect/>
+          </a:stretch>
+        </p:blipFill>
+        <p:spPr>
+          <a:xfrm>
+            <a:off x="762423" y="2133971"/>
+            <a:ext cx="1981477" cy="2762636"/>
+          </a:xfrm>
+          <a:prstGeom prst="rect">
+            <a:avLst/>
+          </a:prstGeom>
+        </p:spPr>
+      </p:pic>
+    </p:spTree>
+    <p:extLst>
+      <p:ext uri="{BB962C8B-B14F-4D97-AF65-F5344CB8AC3E}">
+        <p14:creationId xmlns:p14="http://schemas.microsoft.com/office/powerpoint/2010/main" val="1038636671"/>
+      </p:ext>
+    </p:extLst>
+  </p:cSld>
+  <p:clrMapOvr>
+    <a:masterClrMapping/>
+  </p:clrMapOvr>
+</p:sld>
+</file>
+
+<file path=ppt/slides/slide16.xml><?xml version="1.0" encoding="utf-8"?>
+<p:sld xmlns:a="http://schemas.openxmlformats.org/drawingml/2006/main" xmlns:r="http://schemas.openxmlformats.org/officeDocument/2006/relationships" xmlns:p="http://schemas.openxmlformats.org/presentationml/2006/main">
+  <p:cSld>
+    <p:bg>
+      <p:bgPr>
+        <a:solidFill>
+          <a:srgbClr val="76BEC0"/>
+        </a:solidFill>
+        <a:effectLst/>
+      </p:bgPr>
+    </p:bg>
+    <p:spTree>
+      <p:nvGrpSpPr>
+        <p:cNvPr id="1" name=""/>
+        <p:cNvGrpSpPr/>
+        <p:nvPr/>
+      </p:nvGrpSpPr>
+      <p:grpSpPr>
+        <a:xfrm>
+          <a:off x="0" y="0"/>
+          <a:ext cx="0" cy="0"/>
+          <a:chOff x="0" y="0"/>
+          <a:chExt cx="0" cy="0"/>
+        </a:xfrm>
+      </p:grpSpPr>
+      <p:grpSp>
+        <p:nvGrpSpPr>
+          <p:cNvPr id="5" name="그룹 4">
+            <a:extLst>
+              <a:ext uri="{FF2B5EF4-FFF2-40B4-BE49-F238E27FC236}">
+                <a16:creationId xmlns:a16="http://schemas.microsoft.com/office/drawing/2014/main" id="{7AF7CE64-647C-44F1-8EAA-89F8EB9B3DD5}"/>
+              </a:ext>
+            </a:extLst>
+          </p:cNvPr>
+          <p:cNvGrpSpPr/>
+          <p:nvPr/>
+        </p:nvGrpSpPr>
+        <p:grpSpPr>
+          <a:xfrm>
+            <a:off x="251520" y="329038"/>
+            <a:ext cx="5184576" cy="2897204"/>
+            <a:chOff x="251520" y="329038"/>
+            <a:chExt cx="5184576" cy="2897204"/>
+          </a:xfrm>
+        </p:grpSpPr>
+        <p:sp>
+          <p:nvSpPr>
+            <p:cNvPr id="6" name="제목 3">
+              <a:extLst>
+                <a:ext uri="{FF2B5EF4-FFF2-40B4-BE49-F238E27FC236}">
+                  <a16:creationId xmlns:a16="http://schemas.microsoft.com/office/drawing/2014/main" id="{DC4D5455-348A-489E-BBA7-4F165EBC07CB}"/>
+                </a:ext>
+              </a:extLst>
+            </p:cNvPr>
+            <p:cNvSpPr txBox="1">
+              <a:spLocks/>
+            </p:cNvSpPr>
+            <p:nvPr/>
+          </p:nvSpPr>
+          <p:spPr>
+            <a:xfrm>
+              <a:off x="539552" y="1858090"/>
+              <a:ext cx="4896544" cy="1368152"/>
+            </a:xfrm>
+            <a:prstGeom prst="rect">
+              <a:avLst/>
+            </a:prstGeom>
+          </p:spPr>
+          <p:txBody>
+            <a:bodyPr vert="horz" lIns="91440" tIns="45720" rIns="91440" bIns="45720" rtlCol="0" anchor="ctr">
+              <a:noAutofit/>
+            </a:bodyPr>
+            <a:lstStyle>
+              <a:lvl1pPr algn="ctr" defTabSz="914400" rtl="0" eaLnBrk="1" latinLnBrk="1" hangingPunct="1">
+                <a:spcBef>
+                  <a:spcPct val="0"/>
+                </a:spcBef>
+                <a:buNone/>
+                <a:defRPr sz="4400" kern="1200">
+                  <a:solidFill>
+                    <a:schemeClr val="tx1"/>
+                  </a:solidFill>
+                  <a:latin typeface="+mj-lt"/>
+                  <a:ea typeface="+mj-ea"/>
+                  <a:cs typeface="+mj-cs"/>
+                </a:defRPr>
+              </a:lvl1pPr>
+            </a:lstStyle>
+            <a:p>
+              <a:pPr algn="just"/>
+              <a:r>
+                <a:rPr lang="ko-KR" altLang="en-US" sz="2800" dirty="0">
+                  <a:solidFill>
+                    <a:schemeClr val="bg1"/>
+                  </a:solidFill>
+                  <a:latin typeface="G마켓 산스 Bold" panose="02000000000000000000" pitchFamily="50" charset="-127"/>
+                  <a:ea typeface="G마켓 산스 Bold" panose="02000000000000000000" pitchFamily="50" charset="-127"/>
+                </a:rPr>
+                <a:t>쉼</a:t>
+              </a:r>
+              <a:r>
+                <a:rPr lang="en-US" altLang="ko-KR" sz="2800" dirty="0">
+                  <a:solidFill>
+                    <a:schemeClr val="bg1"/>
+                  </a:solidFill>
+                  <a:latin typeface="G마켓 산스 Bold" panose="02000000000000000000" pitchFamily="50" charset="-127"/>
+                  <a:ea typeface="G마켓 산스 Bold" panose="02000000000000000000" pitchFamily="50" charset="-127"/>
+                </a:rPr>
+                <a:t>,</a:t>
+              </a:r>
+            </a:p>
+            <a:p>
+              <a:pPr algn="just"/>
+              <a:r>
+                <a:rPr lang="ko-KR" altLang="en-US" sz="2800" dirty="0">
+                  <a:solidFill>
+                    <a:schemeClr val="bg1"/>
+                  </a:solidFill>
+                  <a:latin typeface="G마켓 산스 Bold" panose="02000000000000000000" pitchFamily="50" charset="-127"/>
+                  <a:ea typeface="G마켓 산스 Bold" panose="02000000000000000000" pitchFamily="50" charset="-127"/>
+                </a:rPr>
+                <a:t>주요 코드 </a:t>
+              </a:r>
+              <a:r>
+                <a:rPr lang="en-US" altLang="ko-KR" sz="2800" dirty="0">
+                  <a:solidFill>
+                    <a:schemeClr val="bg1"/>
+                  </a:solidFill>
+                  <a:latin typeface="G마켓 산스 Bold" panose="02000000000000000000" pitchFamily="50" charset="-127"/>
+                  <a:ea typeface="G마켓 산스 Bold" panose="02000000000000000000" pitchFamily="50" charset="-127"/>
+                </a:rPr>
+                <a:t>[</a:t>
+              </a:r>
+              <a:r>
+                <a:rPr lang="ko-KR" altLang="en-US" sz="2800" dirty="0">
+                  <a:solidFill>
+                    <a:schemeClr val="bg1"/>
+                  </a:solidFill>
+                  <a:latin typeface="G마켓 산스 Bold" panose="02000000000000000000" pitchFamily="50" charset="-127"/>
+                  <a:ea typeface="G마켓 산스 Bold" panose="02000000000000000000" pitchFamily="50" charset="-127"/>
+                </a:rPr>
+                <a:t>암호화</a:t>
+              </a:r>
+              <a:r>
+                <a:rPr lang="en-US" altLang="ko-KR" sz="2800" dirty="0">
+                  <a:solidFill>
+                    <a:schemeClr val="bg1"/>
+                  </a:solidFill>
+                  <a:latin typeface="G마켓 산스 Bold" panose="02000000000000000000" pitchFamily="50" charset="-127"/>
+                  <a:ea typeface="G마켓 산스 Bold" panose="02000000000000000000" pitchFamily="50" charset="-127"/>
+                </a:rPr>
+                <a:t>]</a:t>
+              </a:r>
+            </a:p>
+            <a:p>
+              <a:pPr algn="just"/>
+              <a:r>
+                <a:rPr lang="ko-KR" altLang="en-US" sz="2000" dirty="0">
+                  <a:solidFill>
+                    <a:schemeClr val="bg1"/>
+                  </a:solidFill>
+                  <a:latin typeface="G마켓 산스 Medium" panose="02000000000000000000" pitchFamily="50" charset="-127"/>
+                  <a:ea typeface="G마켓 산스 Medium" panose="02000000000000000000" pitchFamily="50" charset="-127"/>
+                </a:rPr>
+                <a:t>서버 </a:t>
+              </a:r>
+              <a:r>
+                <a:rPr lang="en-US" altLang="ko-KR" sz="2000" dirty="0">
+                  <a:solidFill>
+                    <a:schemeClr val="bg1"/>
+                  </a:solidFill>
+                  <a:latin typeface="Consolas" panose="020B0609020204030204" pitchFamily="49" charset="0"/>
+                  <a:ea typeface="G마켓 산스 Medium" panose="02000000000000000000" pitchFamily="50" charset="-127"/>
+                </a:rPr>
+                <a:t>→ </a:t>
+              </a:r>
+              <a:r>
+                <a:rPr lang="ko-KR" altLang="en-US" sz="2000" dirty="0">
+                  <a:solidFill>
+                    <a:schemeClr val="bg1"/>
+                  </a:solidFill>
+                  <a:latin typeface="Consolas" panose="020B0609020204030204" pitchFamily="49" charset="0"/>
+                  <a:ea typeface="G마켓 산스 Medium" panose="02000000000000000000" pitchFamily="50" charset="-127"/>
+                </a:rPr>
+                <a:t>데이터베이스</a:t>
+              </a:r>
+              <a:endParaRPr lang="en-US" altLang="ko-KR" sz="2000" dirty="0">
+                <a:solidFill>
+                  <a:schemeClr val="bg1"/>
+                </a:solidFill>
+                <a:latin typeface="G마켓 산스 Medium" panose="02000000000000000000" pitchFamily="50" charset="-127"/>
+                <a:ea typeface="G마켓 산스 Medium" panose="02000000000000000000" pitchFamily="50" charset="-127"/>
+              </a:endParaRPr>
+            </a:p>
+          </p:txBody>
+        </p:sp>
+        <p:pic>
+          <p:nvPicPr>
+            <p:cNvPr id="7" name="그림 6" descr="화살이(가) 표시된 사진&#10;&#10;자동 생성된 설명">
+              <a:extLst>
+                <a:ext uri="{FF2B5EF4-FFF2-40B4-BE49-F238E27FC236}">
+                  <a16:creationId xmlns:a16="http://schemas.microsoft.com/office/drawing/2014/main" id="{44AEAEDF-5A4E-4B13-BFFA-EFAC6B681B97}"/>
+                </a:ext>
+              </a:extLst>
+            </p:cNvPr>
+            <p:cNvPicPr>
+              <a:picLocks noChangeAspect="1"/>
+            </p:cNvPicPr>
+            <p:nvPr/>
+          </p:nvPicPr>
+          <p:blipFill>
+            <a:blip r:embed="rId2">
+              <a:extLst>
+                <a:ext uri="{28A0092B-C50C-407E-A947-70E740481C1C}">
+                  <a14:useLocalDpi xmlns:a14="http://schemas.microsoft.com/office/drawing/2010/main" val="0"/>
+                </a:ext>
+              </a:extLst>
+            </a:blip>
+            <a:stretch>
+              <a:fillRect/>
+            </a:stretch>
+          </p:blipFill>
+          <p:spPr>
+            <a:xfrm>
+              <a:off x="251520" y="329038"/>
+              <a:ext cx="1520350" cy="1520350"/>
+            </a:xfrm>
+            <a:prstGeom prst="rect">
+              <a:avLst/>
+            </a:prstGeom>
+            <a:effectLst>
+              <a:outerShdw blurRad="50800" dist="38100" dir="2700000" algn="tl" rotWithShape="0">
+                <a:prstClr val="black">
+                  <a:alpha val="40000"/>
+                </a:prstClr>
+              </a:outerShdw>
+            </a:effectLst>
+          </p:spPr>
+        </p:pic>
+      </p:grpSp>
+    </p:spTree>
+    <p:extLst>
+      <p:ext uri="{BB962C8B-B14F-4D97-AF65-F5344CB8AC3E}">
+        <p14:creationId xmlns:p14="http://schemas.microsoft.com/office/powerpoint/2010/main" val="3039472711"/>
+      </p:ext>
+    </p:extLst>
+  </p:cSld>
+  <p:clrMapOvr>
+    <a:masterClrMapping/>
+  </p:clrMapOvr>
+</p:sld>
+</file>
+
+<file path=ppt/slides/slide17.xml><?xml version="1.0" encoding="utf-8"?>
+<p:sld xmlns:a="http://schemas.openxmlformats.org/drawingml/2006/main" xmlns:r="http://schemas.openxmlformats.org/officeDocument/2006/relationships" xmlns:p="http://schemas.openxmlformats.org/presentationml/2006/main">
+  <p:cSld>
+    <p:spTree>
+      <p:nvGrpSpPr>
+        <p:cNvPr id="1" name=""/>
+        <p:cNvGrpSpPr/>
+        <p:nvPr/>
+      </p:nvGrpSpPr>
+      <p:grpSpPr>
+        <a:xfrm>
+          <a:off x="0" y="0"/>
+          <a:ext cx="0" cy="0"/>
+          <a:chOff x="0" y="0"/>
+          <a:chExt cx="0" cy="0"/>
+        </a:xfrm>
+      </p:grpSpPr>
+      <p:pic>
+        <p:nvPicPr>
+          <p:cNvPr id="3" name="그림 2">
+            <a:extLst>
+              <a:ext uri="{FF2B5EF4-FFF2-40B4-BE49-F238E27FC236}">
+                <a16:creationId xmlns:a16="http://schemas.microsoft.com/office/drawing/2014/main" id="{E3D63A03-AC03-4022-B721-AF8690B96F13}"/>
+              </a:ext>
+            </a:extLst>
+          </p:cNvPr>
+          <p:cNvPicPr>
+            <a:picLocks noChangeAspect="1"/>
+          </p:cNvPicPr>
+          <p:nvPr/>
+        </p:nvPicPr>
+        <p:blipFill>
+          <a:blip r:embed="rId2"/>
+          <a:stretch>
+            <a:fillRect/>
+          </a:stretch>
+        </p:blipFill>
+        <p:spPr>
+          <a:xfrm>
+            <a:off x="1642653" y="1276129"/>
+            <a:ext cx="5858693" cy="3162741"/>
+          </a:xfrm>
+          <a:prstGeom prst="rect">
+            <a:avLst/>
+          </a:prstGeom>
+        </p:spPr>
+      </p:pic>
+    </p:spTree>
+    <p:extLst>
+      <p:ext uri="{BB962C8B-B14F-4D97-AF65-F5344CB8AC3E}">
+        <p14:creationId xmlns:p14="http://schemas.microsoft.com/office/powerpoint/2010/main" val="3889509706"/>
+      </p:ext>
+    </p:extLst>
+  </p:cSld>
+  <p:clrMapOvr>
+    <a:masterClrMapping/>
+  </p:clrMapOvr>
+</p:sld>
+</file>
+
+<file path=ppt/slides/slide18.xml><?xml version="1.0" encoding="utf-8"?>
 <p:sld xmlns:a="http://schemas.openxmlformats.org/drawingml/2006/main" xmlns:r="http://schemas.openxmlformats.org/officeDocument/2006/relationships" xmlns:p="http://schemas.openxmlformats.org/presentationml/2006/main">
   <p:cSld>
     <p:spTree>
@@ -6508,7 +8498,7 @@
 </p:sld>
 </file>
 
-<file path=ppt/slides/slide11.xml><?xml version="1.0" encoding="utf-8"?>
+<file path=ppt/slides/slide19.xml><?xml version="1.0" encoding="utf-8"?>
 <p:sld xmlns:a="http://schemas.openxmlformats.org/drawingml/2006/main" xmlns:r="http://schemas.openxmlformats.org/officeDocument/2006/relationships" xmlns:p="http://schemas.openxmlformats.org/presentationml/2006/main">
   <p:cSld>
     <p:bg>
@@ -6705,6 +8695,13 @@
             <a:prstGeom prst="rect">
               <a:avLst/>
             </a:prstGeom>
+            <a:effectLst>
+              <a:outerShdw blurRad="50800" dist="38100" dir="2700000" algn="tl" rotWithShape="0">
+                <a:prstClr val="black">
+                  <a:alpha val="40000"/>
+                </a:prstClr>
+              </a:outerShdw>
+            </a:effectLst>
           </p:spPr>
         </p:pic>
       </p:grpSp>
@@ -6721,7 +8718,254 @@
 </p:sld>
 </file>
 
-<file path=ppt/slides/slide12.xml><?xml version="1.0" encoding="utf-8"?>
+<file path=ppt/slides/slide2.xml><?xml version="1.0" encoding="utf-8"?>
+<p:sld xmlns:a="http://schemas.openxmlformats.org/drawingml/2006/main" xmlns:r="http://schemas.openxmlformats.org/officeDocument/2006/relationships" xmlns:p="http://schemas.openxmlformats.org/presentationml/2006/main">
+  <p:cSld>
+    <p:spTree>
+      <p:nvGrpSpPr>
+        <p:cNvPr id="1" name=""/>
+        <p:cNvGrpSpPr/>
+        <p:nvPr/>
+      </p:nvGrpSpPr>
+      <p:grpSpPr>
+        <a:xfrm>
+          <a:off x="0" y="0"/>
+          <a:ext cx="0" cy="0"/>
+          <a:chOff x="0" y="0"/>
+          <a:chExt cx="0" cy="0"/>
+        </a:xfrm>
+      </p:grpSpPr>
+      <p:sp>
+        <p:nvSpPr>
+          <p:cNvPr id="6" name="직사각형 5">
+            <a:extLst>
+              <a:ext uri="{FF2B5EF4-FFF2-40B4-BE49-F238E27FC236}">
+                <a16:creationId xmlns:a16="http://schemas.microsoft.com/office/drawing/2014/main" id="{B873F4EE-93DF-4C0B-BB6C-227D188F29D8}"/>
+              </a:ext>
+            </a:extLst>
+          </p:cNvPr>
+          <p:cNvSpPr/>
+          <p:nvPr/>
+        </p:nvSpPr>
+        <p:spPr>
+          <a:xfrm>
+            <a:off x="179512" y="354198"/>
+            <a:ext cx="8784976" cy="5167598"/>
+          </a:xfrm>
+          <a:prstGeom prst="rect">
+            <a:avLst/>
+          </a:prstGeom>
+          <a:noFill/>
+          <a:ln w="19050">
+            <a:solidFill>
+              <a:srgbClr val="ACD8D9"/>
+            </a:solidFill>
+          </a:ln>
+        </p:spPr>
+        <p:style>
+          <a:lnRef idx="2">
+            <a:schemeClr val="accent1">
+              <a:shade val="50000"/>
+            </a:schemeClr>
+          </a:lnRef>
+          <a:fillRef idx="1">
+            <a:schemeClr val="accent1"/>
+          </a:fillRef>
+          <a:effectRef idx="0">
+            <a:schemeClr val="accent1"/>
+          </a:effectRef>
+          <a:fontRef idx="minor">
+            <a:schemeClr val="lt1"/>
+          </a:fontRef>
+        </p:style>
+        <p:txBody>
+          <a:bodyPr wrap="none" rtlCol="0" anchor="ctr"/>
+          <a:lstStyle/>
+          <a:p>
+            <a:pPr algn="ctr"/>
+            <a:endParaRPr lang="ko-KR" altLang="en-US" sz="850" dirty="0">
+              <a:solidFill>
+                <a:srgbClr val="000000"/>
+              </a:solidFill>
+              <a:latin typeface="Segoe UI" panose="020B0502040204020203" pitchFamily="34" charset="0"/>
+              <a:cs typeface="Segoe UI" panose="020B0502040204020203" pitchFamily="34" charset="0"/>
+            </a:endParaRPr>
+          </a:p>
+        </p:txBody>
+      </p:sp>
+      <p:pic>
+        <p:nvPicPr>
+          <p:cNvPr id="4" name="그림 3">
+            <a:extLst>
+              <a:ext uri="{FF2B5EF4-FFF2-40B4-BE49-F238E27FC236}">
+                <a16:creationId xmlns:a16="http://schemas.microsoft.com/office/drawing/2014/main" id="{46B73EC8-5245-41D4-865B-F2600F7CD0BE}"/>
+              </a:ext>
+            </a:extLst>
+          </p:cNvPr>
+          <p:cNvPicPr>
+            <a:picLocks noChangeAspect="1"/>
+          </p:cNvPicPr>
+          <p:nvPr/>
+        </p:nvPicPr>
+        <p:blipFill>
+          <a:blip r:embed="rId2" cstate="print">
+            <a:extLst>
+              <a:ext uri="{28A0092B-C50C-407E-A947-70E740481C1C}">
+                <a14:useLocalDpi xmlns:a14="http://schemas.microsoft.com/office/drawing/2010/main" val="0"/>
+              </a:ext>
+            </a:extLst>
+          </a:blip>
+          <a:stretch>
+            <a:fillRect/>
+          </a:stretch>
+        </p:blipFill>
+        <p:spPr>
+          <a:xfrm>
+            <a:off x="683568" y="985292"/>
+            <a:ext cx="4464496" cy="2288334"/>
+          </a:xfrm>
+          <a:prstGeom prst="rect">
+            <a:avLst/>
+          </a:prstGeom>
+        </p:spPr>
+      </p:pic>
+      <p:sp>
+        <p:nvSpPr>
+          <p:cNvPr id="5" name="제목 3">
+            <a:extLst>
+              <a:ext uri="{FF2B5EF4-FFF2-40B4-BE49-F238E27FC236}">
+                <a16:creationId xmlns:a16="http://schemas.microsoft.com/office/drawing/2014/main" id="{ABA1E414-544C-4D46-989D-A858306C89F7}"/>
+              </a:ext>
+            </a:extLst>
+          </p:cNvPr>
+          <p:cNvSpPr txBox="1">
+            <a:spLocks/>
+          </p:cNvSpPr>
+          <p:nvPr/>
+        </p:nvSpPr>
+        <p:spPr>
+          <a:xfrm>
+            <a:off x="3779912" y="4225652"/>
+            <a:ext cx="4824536" cy="936104"/>
+          </a:xfrm>
+          <a:prstGeom prst="rect">
+            <a:avLst/>
+          </a:prstGeom>
+        </p:spPr>
+        <p:txBody>
+          <a:bodyPr vert="horz" lIns="91440" tIns="45720" rIns="91440" bIns="45720" rtlCol="0" anchor="ctr">
+            <a:noAutofit/>
+          </a:bodyPr>
+          <a:lstStyle>
+            <a:lvl1pPr algn="ctr" defTabSz="914400" rtl="0" eaLnBrk="1" latinLnBrk="1" hangingPunct="1">
+              <a:spcBef>
+                <a:spcPct val="0"/>
+              </a:spcBef>
+              <a:buNone/>
+              <a:defRPr sz="4400" kern="1200">
+                <a:solidFill>
+                  <a:schemeClr val="tx1"/>
+                </a:solidFill>
+                <a:latin typeface="+mj-lt"/>
+                <a:ea typeface="+mj-ea"/>
+                <a:cs typeface="+mj-cs"/>
+              </a:defRPr>
+            </a:lvl1pPr>
+          </a:lstStyle>
+          <a:p>
+            <a:pPr algn="r"/>
+            <a:r>
+              <a:rPr lang="ko-KR" altLang="en-US" sz="2800" dirty="0">
+                <a:solidFill>
+                  <a:schemeClr val="tx1">
+                    <a:lumMod val="75000"/>
+                    <a:lumOff val="25000"/>
+                  </a:schemeClr>
+                </a:solidFill>
+                <a:latin typeface="G마켓 산스 Bold" panose="02000000000000000000" pitchFamily="50" charset="-127"/>
+                <a:ea typeface="G마켓 산스 Bold" panose="02000000000000000000" pitchFamily="50" charset="-127"/>
+              </a:rPr>
+              <a:t>숙소 예약 서비스</a:t>
+            </a:r>
+            <a:r>
+              <a:rPr lang="ko-KR" altLang="en-US" sz="2300" dirty="0">
+                <a:solidFill>
+                  <a:schemeClr val="tx1">
+                    <a:lumMod val="75000"/>
+                    <a:lumOff val="25000"/>
+                  </a:schemeClr>
+                </a:solidFill>
+                <a:latin typeface="G마켓 산스 Medium" panose="02000000000000000000" pitchFamily="50" charset="-127"/>
+                <a:ea typeface="G마켓 산스 Medium" panose="02000000000000000000" pitchFamily="50" charset="-127"/>
+              </a:rPr>
+              <a:t>를 통해</a:t>
+            </a:r>
+            <a:endParaRPr lang="en-US" altLang="ko-KR" sz="2300" dirty="0">
+              <a:solidFill>
+                <a:schemeClr val="tx1">
+                  <a:lumMod val="75000"/>
+                  <a:lumOff val="25000"/>
+                </a:schemeClr>
+              </a:solidFill>
+              <a:latin typeface="G마켓 산스 Medium" panose="02000000000000000000" pitchFamily="50" charset="-127"/>
+              <a:ea typeface="G마켓 산스 Medium" panose="02000000000000000000" pitchFamily="50" charset="-127"/>
+            </a:endParaRPr>
+          </a:p>
+          <a:p>
+            <a:pPr algn="r"/>
+            <a:r>
+              <a:rPr lang="ko-KR" altLang="en-US" sz="2300" dirty="0">
+                <a:solidFill>
+                  <a:schemeClr val="tx1">
+                    <a:lumMod val="75000"/>
+                    <a:lumOff val="25000"/>
+                  </a:schemeClr>
+                </a:solidFill>
+                <a:latin typeface="G마켓 산스 Medium" panose="02000000000000000000" pitchFamily="50" charset="-127"/>
+                <a:ea typeface="G마켓 산스 Medium" panose="02000000000000000000" pitchFamily="50" charset="-127"/>
+              </a:rPr>
+              <a:t>편안한 휴식을 제공합니다</a:t>
+            </a:r>
+            <a:r>
+              <a:rPr lang="en-US" altLang="ko-KR" sz="2300" dirty="0">
+                <a:solidFill>
+                  <a:schemeClr val="tx1">
+                    <a:lumMod val="75000"/>
+                    <a:lumOff val="25000"/>
+                  </a:schemeClr>
+                </a:solidFill>
+                <a:latin typeface="G마켓 산스 Medium" panose="02000000000000000000" pitchFamily="50" charset="-127"/>
+                <a:ea typeface="G마켓 산스 Medium" panose="02000000000000000000" pitchFamily="50" charset="-127"/>
+              </a:rPr>
+              <a:t>.</a:t>
+            </a:r>
+            <a:endParaRPr lang="ko-KR" altLang="en-US" sz="2300" dirty="0">
+              <a:solidFill>
+                <a:schemeClr val="tx1">
+                  <a:lumMod val="75000"/>
+                  <a:lumOff val="25000"/>
+                </a:schemeClr>
+              </a:solidFill>
+              <a:latin typeface="G마켓 산스 Medium" panose="02000000000000000000" pitchFamily="50" charset="-127"/>
+              <a:ea typeface="G마켓 산스 Medium" panose="02000000000000000000" pitchFamily="50" charset="-127"/>
+            </a:endParaRPr>
+          </a:p>
+        </p:txBody>
+      </p:sp>
+    </p:spTree>
+    <p:extLst>
+      <p:ext uri="{BB962C8B-B14F-4D97-AF65-F5344CB8AC3E}">
+        <p14:creationId xmlns:p14="http://schemas.microsoft.com/office/powerpoint/2010/main" val="3454730623"/>
+      </p:ext>
+    </p:extLst>
+  </p:cSld>
+  <p:clrMapOvr>
+    <a:masterClrMapping/>
+  </p:clrMapOvr>
+</p:sld>
+</file>
+
+<file path=ppt/slides/slide20.xml><?xml version="1.0" encoding="utf-8"?>
 <p:sld xmlns:a="http://schemas.openxmlformats.org/drawingml/2006/main" xmlns:r="http://schemas.openxmlformats.org/officeDocument/2006/relationships" xmlns:p="http://schemas.openxmlformats.org/presentationml/2006/main">
   <p:cSld>
     <p:spTree>
@@ -6769,7 +9013,7 @@
           <a:p>
             <a:fld id="{E0E73EF2-4B26-4644-88A6-85759682C052}" type="slidenum">
               <a:rPr lang="ko-KR" altLang="en-US" smtClean="0"/>
-              <a:t>12</a:t>
+              <a:t>20</a:t>
             </a:fld>
             <a:endParaRPr lang="ko-KR" altLang="en-US"/>
           </a:p>
@@ -6861,7 +9105,7 @@
 </p:sld>
 </file>
 
-<file path=ppt/slides/slide13.xml><?xml version="1.0" encoding="utf-8"?>
+<file path=ppt/slides/slide21.xml><?xml version="1.0" encoding="utf-8"?>
 <p:sld xmlns:a="http://schemas.openxmlformats.org/drawingml/2006/main" xmlns:r="http://schemas.openxmlformats.org/officeDocument/2006/relationships" xmlns:p="http://schemas.openxmlformats.org/presentationml/2006/main">
   <p:cSld>
     <p:bg>
@@ -7058,6 +9302,13 @@
             <a:prstGeom prst="rect">
               <a:avLst/>
             </a:prstGeom>
+            <a:effectLst>
+              <a:outerShdw blurRad="50800" dist="38100" dir="2700000" algn="tl" rotWithShape="0">
+                <a:prstClr val="black">
+                  <a:alpha val="40000"/>
+                </a:prstClr>
+              </a:outerShdw>
+            </a:effectLst>
           </p:spPr>
         </p:pic>
       </p:grpSp>
@@ -7074,7 +9325,7 @@
 </p:sld>
 </file>
 
-<file path=ppt/slides/slide14.xml><?xml version="1.0" encoding="utf-8"?>
+<file path=ppt/slides/slide22.xml><?xml version="1.0" encoding="utf-8"?>
 <p:sld xmlns:a="http://schemas.openxmlformats.org/drawingml/2006/main" xmlns:r="http://schemas.openxmlformats.org/officeDocument/2006/relationships" xmlns:p="http://schemas.openxmlformats.org/presentationml/2006/main">
   <p:cSld>
     <p:spTree>
@@ -7574,7 +9825,7 @@
 </p:sld>
 </file>
 
-<file path=ppt/slides/slide15.xml><?xml version="1.0" encoding="utf-8"?>
+<file path=ppt/slides/slide23.xml><?xml version="1.0" encoding="utf-8"?>
 <p:sld xmlns:a="http://schemas.openxmlformats.org/drawingml/2006/main" xmlns:r="http://schemas.openxmlformats.org/officeDocument/2006/relationships" xmlns:p="http://schemas.openxmlformats.org/presentationml/2006/main">
   <p:cSld>
     <p:bg>
@@ -7771,6 +10022,13 @@
             <a:prstGeom prst="rect">
               <a:avLst/>
             </a:prstGeom>
+            <a:effectLst>
+              <a:outerShdw blurRad="50800" dist="38100" dir="2700000" algn="tl" rotWithShape="0">
+                <a:prstClr val="black">
+                  <a:alpha val="40000"/>
+                </a:prstClr>
+              </a:outerShdw>
+            </a:effectLst>
           </p:spPr>
         </p:pic>
       </p:grpSp>
@@ -7787,7 +10045,7 @@
 </p:sld>
 </file>
 
-<file path=ppt/slides/slide16.xml><?xml version="1.0" encoding="utf-8"?>
+<file path=ppt/slides/slide24.xml><?xml version="1.0" encoding="utf-8"?>
 <p:sld xmlns:a="http://schemas.openxmlformats.org/drawingml/2006/main" xmlns:r="http://schemas.openxmlformats.org/officeDocument/2006/relationships" xmlns:p="http://schemas.openxmlformats.org/presentationml/2006/main">
   <p:cSld>
     <p:spTree>
@@ -7950,7 +10208,7 @@
 </p:sld>
 </file>
 
-<file path=ppt/slides/slide2.xml><?xml version="1.0" encoding="utf-8"?>
+<file path=ppt/slides/slide3.xml><?xml version="1.0" encoding="utf-8"?>
 <p:sld xmlns:a="http://schemas.openxmlformats.org/drawingml/2006/main" xmlns:r="http://schemas.openxmlformats.org/officeDocument/2006/relationships" xmlns:p="http://schemas.openxmlformats.org/presentationml/2006/main">
   <p:cSld>
     <p:spTree>
@@ -7969,10 +10227,10 @@
       </p:grpSpPr>
       <p:sp>
         <p:nvSpPr>
-          <p:cNvPr id="6" name="직사각형 5">
+          <p:cNvPr id="7" name="직사각형 6">
             <a:extLst>
               <a:ext uri="{FF2B5EF4-FFF2-40B4-BE49-F238E27FC236}">
-                <a16:creationId xmlns:a16="http://schemas.microsoft.com/office/drawing/2014/main" id="{B873F4EE-93DF-4C0B-BB6C-227D188F29D8}"/>
+                <a16:creationId xmlns:a16="http://schemas.microsoft.com/office/drawing/2014/main" id="{E8FC8DED-26A1-414F-83C7-D1751143969D}"/>
               </a:ext>
             </a:extLst>
           </p:cNvPr>
@@ -7990,7 +10248,7 @@
           <a:noFill/>
           <a:ln w="19050">
             <a:solidFill>
-              <a:srgbClr val="ACD8D9"/>
+              <a:srgbClr val="BED8F3"/>
             </a:solidFill>
           </a:ln>
         </p:spPr>
@@ -8025,12 +10283,2804 @@
           </a:p>
         </p:txBody>
       </p:sp>
+      <p:grpSp>
+        <p:nvGrpSpPr>
+          <p:cNvPr id="5" name="그룹 4">
+            <a:extLst>
+              <a:ext uri="{FF2B5EF4-FFF2-40B4-BE49-F238E27FC236}">
+                <a16:creationId xmlns:a16="http://schemas.microsoft.com/office/drawing/2014/main" id="{57368A2E-D8A2-4923-BDFF-A1B93B050BAD}"/>
+              </a:ext>
+            </a:extLst>
+          </p:cNvPr>
+          <p:cNvGrpSpPr/>
+          <p:nvPr/>
+        </p:nvGrpSpPr>
+        <p:grpSpPr>
+          <a:xfrm>
+            <a:off x="251520" y="329038"/>
+            <a:ext cx="2232248" cy="2211855"/>
+            <a:chOff x="251520" y="329038"/>
+            <a:chExt cx="2232248" cy="2211855"/>
+          </a:xfrm>
+        </p:grpSpPr>
+        <p:sp>
+          <p:nvSpPr>
+            <p:cNvPr id="10" name="제목 3">
+              <a:extLst>
+                <a:ext uri="{FF2B5EF4-FFF2-40B4-BE49-F238E27FC236}">
+                  <a16:creationId xmlns:a16="http://schemas.microsoft.com/office/drawing/2014/main" id="{2841AD46-FDD1-4E54-A976-41B6CC30CFA3}"/>
+                </a:ext>
+              </a:extLst>
+            </p:cNvPr>
+            <p:cNvSpPr txBox="1">
+              <a:spLocks/>
+            </p:cNvSpPr>
+            <p:nvPr/>
+          </p:nvSpPr>
+          <p:spPr>
+            <a:xfrm>
+              <a:off x="539552" y="1964829"/>
+              <a:ext cx="1944216" cy="576064"/>
+            </a:xfrm>
+            <a:prstGeom prst="rect">
+              <a:avLst/>
+            </a:prstGeom>
+          </p:spPr>
+          <p:txBody>
+            <a:bodyPr vert="horz" lIns="91440" tIns="45720" rIns="91440" bIns="45720" rtlCol="0" anchor="ctr">
+              <a:noAutofit/>
+            </a:bodyPr>
+            <a:lstStyle>
+              <a:lvl1pPr algn="ctr" defTabSz="914400" rtl="0" eaLnBrk="1" latinLnBrk="1" hangingPunct="1">
+                <a:spcBef>
+                  <a:spcPct val="0"/>
+                </a:spcBef>
+                <a:buNone/>
+                <a:defRPr sz="4400" kern="1200">
+                  <a:solidFill>
+                    <a:schemeClr val="tx1"/>
+                  </a:solidFill>
+                  <a:latin typeface="+mj-lt"/>
+                  <a:ea typeface="+mj-ea"/>
+                  <a:cs typeface="+mj-cs"/>
+                </a:defRPr>
+              </a:lvl1pPr>
+            </a:lstStyle>
+            <a:p>
+              <a:pPr algn="just"/>
+              <a:r>
+                <a:rPr lang="ko-KR" altLang="en-US" sz="2800" dirty="0">
+                  <a:solidFill>
+                    <a:schemeClr val="tx1">
+                      <a:lumMod val="50000"/>
+                      <a:lumOff val="50000"/>
+                    </a:schemeClr>
+                  </a:solidFill>
+                  <a:latin typeface="G마켓 산스 Bold" panose="02000000000000000000" pitchFamily="50" charset="-127"/>
+                  <a:ea typeface="G마켓 산스 Bold" panose="02000000000000000000" pitchFamily="50" charset="-127"/>
+                </a:rPr>
+                <a:t>역할분담</a:t>
+              </a:r>
+              <a:endParaRPr lang="en-US" altLang="ko-KR" sz="2800" dirty="0">
+                <a:solidFill>
+                  <a:schemeClr val="tx1">
+                    <a:lumMod val="50000"/>
+                    <a:lumOff val="50000"/>
+                  </a:schemeClr>
+                </a:solidFill>
+                <a:latin typeface="G마켓 산스 Bold" panose="02000000000000000000" pitchFamily="50" charset="-127"/>
+                <a:ea typeface="G마켓 산스 Bold" panose="02000000000000000000" pitchFamily="50" charset="-127"/>
+              </a:endParaRPr>
+            </a:p>
+          </p:txBody>
+        </p:sp>
+        <p:pic>
+          <p:nvPicPr>
+            <p:cNvPr id="11" name="그림 10" descr="화살이(가) 표시된 사진&#10;&#10;자동 생성된 설명">
+              <a:extLst>
+                <a:ext uri="{FF2B5EF4-FFF2-40B4-BE49-F238E27FC236}">
+                  <a16:creationId xmlns:a16="http://schemas.microsoft.com/office/drawing/2014/main" id="{4982CB01-2553-4558-A83C-5978B2C4A52A}"/>
+                </a:ext>
+              </a:extLst>
+            </p:cNvPr>
+            <p:cNvPicPr>
+              <a:picLocks noChangeAspect="1"/>
+            </p:cNvPicPr>
+            <p:nvPr/>
+          </p:nvPicPr>
+          <p:blipFill>
+            <a:blip r:embed="rId2">
+              <a:duotone>
+                <a:prstClr val="black"/>
+                <a:schemeClr val="accent1">
+                  <a:tint val="45000"/>
+                  <a:satMod val="400000"/>
+                </a:schemeClr>
+              </a:duotone>
+              <a:extLst>
+                <a:ext uri="{BEBA8EAE-BF5A-486C-A8C5-ECC9F3942E4B}">
+                  <a14:imgProps xmlns:a14="http://schemas.microsoft.com/office/drawing/2010/main">
+                    <a14:imgLayer r:embed="rId3">
+                      <a14:imgEffect>
+                        <a14:sharpenSoften amount="100000"/>
+                      </a14:imgEffect>
+                      <a14:imgEffect>
+                        <a14:colorTemperature colorTemp="11500"/>
+                      </a14:imgEffect>
+                      <a14:imgEffect>
+                        <a14:saturation sat="400000"/>
+                      </a14:imgEffect>
+                      <a14:imgEffect>
+                        <a14:brightnessContrast bright="100000"/>
+                      </a14:imgEffect>
+                    </a14:imgLayer>
+                  </a14:imgProps>
+                </a:ext>
+                <a:ext uri="{28A0092B-C50C-407E-A947-70E740481C1C}">
+                  <a14:useLocalDpi xmlns:a14="http://schemas.microsoft.com/office/drawing/2010/main" val="0"/>
+                </a:ext>
+              </a:extLst>
+            </a:blip>
+            <a:stretch>
+              <a:fillRect/>
+            </a:stretch>
+          </p:blipFill>
+          <p:spPr>
+            <a:xfrm>
+              <a:off x="251520" y="329038"/>
+              <a:ext cx="1520350" cy="1520350"/>
+            </a:xfrm>
+            <a:prstGeom prst="rect">
+              <a:avLst/>
+            </a:prstGeom>
+            <a:noFill/>
+            <a:effectLst>
+              <a:outerShdw blurRad="50800" dist="38100" dir="2700000" algn="tl" rotWithShape="0">
+                <a:prstClr val="black">
+                  <a:alpha val="40000"/>
+                </a:prstClr>
+              </a:outerShdw>
+            </a:effectLst>
+          </p:spPr>
+        </p:pic>
+      </p:grpSp>
+      <p:sp>
+        <p:nvSpPr>
+          <p:cNvPr id="22" name="사각형: 둥근 모서리 21">
+            <a:extLst>
+              <a:ext uri="{FF2B5EF4-FFF2-40B4-BE49-F238E27FC236}">
+                <a16:creationId xmlns:a16="http://schemas.microsoft.com/office/drawing/2014/main" id="{D010B753-6456-47A4-A481-A9A983081278}"/>
+              </a:ext>
+            </a:extLst>
+          </p:cNvPr>
+          <p:cNvSpPr/>
+          <p:nvPr/>
+        </p:nvSpPr>
+        <p:spPr>
+          <a:xfrm>
+            <a:off x="5789942" y="958306"/>
+            <a:ext cx="2664296" cy="1728192"/>
+          </a:xfrm>
+          <a:prstGeom prst="roundRect">
+            <a:avLst>
+              <a:gd name="adj" fmla="val 8924"/>
+            </a:avLst>
+          </a:prstGeom>
+          <a:solidFill>
+            <a:schemeClr val="bg1"/>
+          </a:solidFill>
+          <a:ln w="57150">
+            <a:solidFill>
+              <a:srgbClr val="8EBCEA"/>
+            </a:solidFill>
+          </a:ln>
+        </p:spPr>
+        <p:style>
+          <a:lnRef idx="2">
+            <a:schemeClr val="accent1">
+              <a:shade val="50000"/>
+            </a:schemeClr>
+          </a:lnRef>
+          <a:fillRef idx="1">
+            <a:schemeClr val="accent1"/>
+          </a:fillRef>
+          <a:effectRef idx="0">
+            <a:schemeClr val="accent1"/>
+          </a:effectRef>
+          <a:fontRef idx="minor">
+            <a:schemeClr val="lt1"/>
+          </a:fontRef>
+        </p:style>
+        <p:txBody>
+          <a:bodyPr wrap="none" lIns="900000" rtlCol="0" anchor="ctr"/>
+          <a:lstStyle/>
+          <a:p>
+            <a:pPr algn="l" latinLnBrk="1"/>
+            <a:r>
+              <a:rPr lang="en-US" altLang="ko-KR" sz="1050" b="0" dirty="0">
+                <a:ln>
+                  <a:noFill/>
+                </a:ln>
+                <a:solidFill>
+                  <a:schemeClr val="tx1"/>
+                </a:solidFill>
+                <a:latin typeface="G마켓 산스 Light" panose="02000000000000000000" pitchFamily="50" charset="-127"/>
+                <a:ea typeface="G마켓 산스 Light" panose="02000000000000000000" pitchFamily="50" charset="-127"/>
+              </a:rPr>
+              <a:t>DB</a:t>
+            </a:r>
+            <a:r>
+              <a:rPr lang="ko-KR" altLang="en-US" sz="1050" b="0" dirty="0">
+                <a:ln>
+                  <a:noFill/>
+                </a:ln>
+                <a:solidFill>
+                  <a:schemeClr val="tx1"/>
+                </a:solidFill>
+                <a:latin typeface="G마켓 산스 Light" panose="02000000000000000000" pitchFamily="50" charset="-127"/>
+                <a:ea typeface="G마켓 산스 Light" panose="02000000000000000000" pitchFamily="50" charset="-127"/>
+              </a:rPr>
+              <a:t> 모델링</a:t>
+            </a:r>
+            <a:endParaRPr lang="en-US" altLang="ko-KR" sz="1050" b="0" dirty="0">
+              <a:ln>
+                <a:noFill/>
+              </a:ln>
+              <a:solidFill>
+                <a:schemeClr val="tx1"/>
+              </a:solidFill>
+              <a:latin typeface="G마켓 산스 Light" panose="02000000000000000000" pitchFamily="50" charset="-127"/>
+              <a:ea typeface="G마켓 산스 Light" panose="02000000000000000000" pitchFamily="50" charset="-127"/>
+            </a:endParaRPr>
+          </a:p>
+          <a:p>
+            <a:pPr algn="l" latinLnBrk="1"/>
+            <a:r>
+              <a:rPr lang="ko-KR" altLang="en-US" sz="1050" b="0" dirty="0">
+                <a:ln>
+                  <a:noFill/>
+                </a:ln>
+                <a:solidFill>
+                  <a:schemeClr val="tx1"/>
+                </a:solidFill>
+                <a:latin typeface="G마켓 산스 Light" panose="02000000000000000000" pitchFamily="50" charset="-127"/>
+                <a:ea typeface="G마켓 산스 Light" panose="02000000000000000000" pitchFamily="50" charset="-127"/>
+              </a:rPr>
+              <a:t>기능설계서</a:t>
+            </a:r>
+            <a:endParaRPr lang="en-US" altLang="ko-KR" sz="1050" b="0" dirty="0">
+              <a:ln>
+                <a:noFill/>
+              </a:ln>
+              <a:solidFill>
+                <a:schemeClr val="tx1"/>
+              </a:solidFill>
+              <a:latin typeface="G마켓 산스 Light" panose="02000000000000000000" pitchFamily="50" charset="-127"/>
+              <a:ea typeface="G마켓 산스 Light" panose="02000000000000000000" pitchFamily="50" charset="-127"/>
+            </a:endParaRPr>
+          </a:p>
+          <a:p>
+            <a:pPr algn="l" latinLnBrk="1"/>
+            <a:r>
+              <a:rPr lang="en-US" altLang="ko-KR" sz="1050" b="0" dirty="0">
+                <a:ln>
+                  <a:noFill/>
+                </a:ln>
+                <a:solidFill>
+                  <a:schemeClr val="tx1"/>
+                </a:solidFill>
+                <a:latin typeface="G마켓 산스 Light" panose="02000000000000000000" pitchFamily="50" charset="-127"/>
+                <a:ea typeface="G마켓 산스 Light" panose="02000000000000000000" pitchFamily="50" charset="-127"/>
+              </a:rPr>
+              <a:t>CRUD </a:t>
+            </a:r>
+            <a:r>
+              <a:rPr lang="ko-KR" altLang="en-US" sz="1050" b="0" dirty="0">
+                <a:ln>
+                  <a:noFill/>
+                </a:ln>
+                <a:solidFill>
+                  <a:schemeClr val="tx1"/>
+                </a:solidFill>
+                <a:latin typeface="G마켓 산스 Light" panose="02000000000000000000" pitchFamily="50" charset="-127"/>
+                <a:ea typeface="G마켓 산스 Light" panose="02000000000000000000" pitchFamily="50" charset="-127"/>
+              </a:rPr>
+              <a:t>테이블</a:t>
+            </a:r>
+            <a:endParaRPr lang="en-US" altLang="ko-KR" sz="1050" b="0" dirty="0">
+              <a:ln>
+                <a:noFill/>
+              </a:ln>
+              <a:solidFill>
+                <a:schemeClr val="tx1"/>
+              </a:solidFill>
+              <a:latin typeface="G마켓 산스 Light" panose="02000000000000000000" pitchFamily="50" charset="-127"/>
+              <a:ea typeface="G마켓 산스 Light" panose="02000000000000000000" pitchFamily="50" charset="-127"/>
+            </a:endParaRPr>
+          </a:p>
+          <a:p>
+            <a:pPr algn="l" latinLnBrk="1"/>
+            <a:r>
+              <a:rPr lang="ko-KR" altLang="en-US" sz="1050" b="0" dirty="0">
+                <a:ln>
+                  <a:noFill/>
+                </a:ln>
+                <a:solidFill>
+                  <a:schemeClr val="tx1"/>
+                </a:solidFill>
+                <a:latin typeface="G마켓 산스 Light" panose="02000000000000000000" pitchFamily="50" charset="-127"/>
+                <a:ea typeface="G마켓 산스 Light" panose="02000000000000000000" pitchFamily="50" charset="-127"/>
+              </a:rPr>
+              <a:t>채팅</a:t>
+            </a:r>
+            <a:endParaRPr lang="en-US" altLang="ko-KR" sz="1050" b="0" dirty="0">
+              <a:ln>
+                <a:noFill/>
+              </a:ln>
+              <a:solidFill>
+                <a:schemeClr val="tx1"/>
+              </a:solidFill>
+              <a:latin typeface="G마켓 산스 Light" panose="02000000000000000000" pitchFamily="50" charset="-127"/>
+              <a:ea typeface="G마켓 산스 Light" panose="02000000000000000000" pitchFamily="50" charset="-127"/>
+            </a:endParaRPr>
+          </a:p>
+          <a:p>
+            <a:pPr algn="l" latinLnBrk="1"/>
+            <a:r>
+              <a:rPr lang="ko-KR" altLang="en-US" sz="1050" b="0" dirty="0">
+                <a:ln>
+                  <a:noFill/>
+                </a:ln>
+                <a:solidFill>
+                  <a:schemeClr val="tx1"/>
+                </a:solidFill>
+                <a:latin typeface="G마켓 산스 Light" panose="02000000000000000000" pitchFamily="50" charset="-127"/>
+                <a:ea typeface="G마켓 산스 Light" panose="02000000000000000000" pitchFamily="50" charset="-127"/>
+              </a:rPr>
+              <a:t>암호화</a:t>
+            </a:r>
+            <a:endParaRPr lang="en-US" altLang="ko-KR" sz="1050" b="0" dirty="0">
+              <a:ln>
+                <a:noFill/>
+              </a:ln>
+              <a:solidFill>
+                <a:schemeClr val="tx1"/>
+              </a:solidFill>
+              <a:latin typeface="G마켓 산스 Light" panose="02000000000000000000" pitchFamily="50" charset="-127"/>
+              <a:ea typeface="G마켓 산스 Light" panose="02000000000000000000" pitchFamily="50" charset="-127"/>
+            </a:endParaRPr>
+          </a:p>
+          <a:p>
+            <a:pPr algn="l" latinLnBrk="1"/>
+            <a:r>
+              <a:rPr lang="ko-KR" altLang="en-US" sz="1050" b="0" dirty="0">
+                <a:ln>
+                  <a:noFill/>
+                </a:ln>
+                <a:solidFill>
+                  <a:schemeClr val="tx1"/>
+                </a:solidFill>
+                <a:latin typeface="G마켓 산스 Light" panose="02000000000000000000" pitchFamily="50" charset="-127"/>
+                <a:ea typeface="G마켓 산스 Light" panose="02000000000000000000" pitchFamily="50" charset="-127"/>
+              </a:rPr>
+              <a:t>검색</a:t>
+            </a:r>
+            <a:endParaRPr lang="en-US" altLang="ko-KR" sz="1050" b="0" dirty="0">
+              <a:ln>
+                <a:noFill/>
+              </a:ln>
+              <a:solidFill>
+                <a:schemeClr val="tx1"/>
+              </a:solidFill>
+              <a:latin typeface="G마켓 산스 Light" panose="02000000000000000000" pitchFamily="50" charset="-127"/>
+              <a:ea typeface="G마켓 산스 Light" panose="02000000000000000000" pitchFamily="50" charset="-127"/>
+            </a:endParaRPr>
+          </a:p>
+          <a:p>
+            <a:pPr algn="l" latinLnBrk="1"/>
+            <a:r>
+              <a:rPr lang="ko-KR" altLang="en-US" sz="1050" b="0" dirty="0">
+                <a:ln>
+                  <a:noFill/>
+                </a:ln>
+                <a:solidFill>
+                  <a:schemeClr val="tx1"/>
+                </a:solidFill>
+                <a:latin typeface="G마켓 산스 Light" panose="02000000000000000000" pitchFamily="50" charset="-127"/>
+                <a:ea typeface="G마켓 산스 Light" panose="02000000000000000000" pitchFamily="50" charset="-127"/>
+              </a:rPr>
+              <a:t>호스트 후기</a:t>
+            </a:r>
+            <a:endParaRPr lang="en-US" altLang="ko-KR" sz="1050" b="0" dirty="0">
+              <a:ln>
+                <a:noFill/>
+              </a:ln>
+              <a:solidFill>
+                <a:schemeClr val="tx1"/>
+              </a:solidFill>
+              <a:latin typeface="G마켓 산스 Light" panose="02000000000000000000" pitchFamily="50" charset="-127"/>
+              <a:ea typeface="G마켓 산스 Light" panose="02000000000000000000" pitchFamily="50" charset="-127"/>
+            </a:endParaRPr>
+          </a:p>
+        </p:txBody>
+      </p:sp>
+      <p:sp>
+        <p:nvSpPr>
+          <p:cNvPr id="23" name="사각형: 둥근 모서리 22">
+            <a:extLst>
+              <a:ext uri="{FF2B5EF4-FFF2-40B4-BE49-F238E27FC236}">
+                <a16:creationId xmlns:a16="http://schemas.microsoft.com/office/drawing/2014/main" id="{0C4F4BEC-8B76-4CD5-A2F1-BC33245A939A}"/>
+              </a:ext>
+            </a:extLst>
+          </p:cNvPr>
+          <p:cNvSpPr/>
+          <p:nvPr/>
+        </p:nvSpPr>
+        <p:spPr>
+          <a:xfrm>
+            <a:off x="2267744" y="958306"/>
+            <a:ext cx="2664296" cy="1728192"/>
+          </a:xfrm>
+          <a:prstGeom prst="roundRect">
+            <a:avLst>
+              <a:gd name="adj" fmla="val 8924"/>
+            </a:avLst>
+          </a:prstGeom>
+          <a:solidFill>
+            <a:schemeClr val="bg1"/>
+          </a:solidFill>
+          <a:ln w="57150">
+            <a:solidFill>
+              <a:srgbClr val="8EBCEA"/>
+            </a:solidFill>
+          </a:ln>
+        </p:spPr>
+        <p:style>
+          <a:lnRef idx="2">
+            <a:schemeClr val="accent1">
+              <a:shade val="50000"/>
+            </a:schemeClr>
+          </a:lnRef>
+          <a:fillRef idx="1">
+            <a:schemeClr val="accent1"/>
+          </a:fillRef>
+          <a:effectRef idx="0">
+            <a:schemeClr val="accent1"/>
+          </a:effectRef>
+          <a:fontRef idx="minor">
+            <a:schemeClr val="lt1"/>
+          </a:fontRef>
+        </p:style>
+        <p:txBody>
+          <a:bodyPr wrap="none" lIns="360000" rtlCol="0" anchor="ctr"/>
+          <a:lstStyle/>
+          <a:p>
+            <a:pPr algn="l" latinLnBrk="1"/>
+            <a:r>
+              <a:rPr lang="ko-KR" altLang="en-US" sz="1200" b="0" dirty="0">
+                <a:ln>
+                  <a:noFill/>
+                </a:ln>
+                <a:solidFill>
+                  <a:schemeClr val="tx1"/>
+                </a:solidFill>
+                <a:latin typeface="G마켓 산스 Light" panose="02000000000000000000" pitchFamily="50" charset="-127"/>
+                <a:ea typeface="G마켓 산스 Light" panose="02000000000000000000" pitchFamily="50" charset="-127"/>
+              </a:rPr>
+              <a:t>로그인</a:t>
+            </a:r>
+            <a:endParaRPr lang="en-US" altLang="ko-KR" sz="1200" b="0" dirty="0">
+              <a:ln>
+                <a:noFill/>
+              </a:ln>
+              <a:solidFill>
+                <a:schemeClr val="tx1"/>
+              </a:solidFill>
+              <a:latin typeface="G마켓 산스 Light" panose="02000000000000000000" pitchFamily="50" charset="-127"/>
+              <a:ea typeface="G마켓 산스 Light" panose="02000000000000000000" pitchFamily="50" charset="-127"/>
+            </a:endParaRPr>
+          </a:p>
+          <a:p>
+            <a:pPr algn="l" latinLnBrk="1"/>
+            <a:r>
+              <a:rPr lang="ko-KR" altLang="en-US" sz="1200" b="0" dirty="0">
+                <a:ln>
+                  <a:noFill/>
+                </a:ln>
+                <a:solidFill>
+                  <a:schemeClr val="tx1"/>
+                </a:solidFill>
+                <a:latin typeface="G마켓 산스 Light" panose="02000000000000000000" pitchFamily="50" charset="-127"/>
+                <a:ea typeface="G마켓 산스 Light" panose="02000000000000000000" pitchFamily="50" charset="-127"/>
+              </a:rPr>
+              <a:t>카카오 로그인</a:t>
+            </a:r>
+            <a:endParaRPr lang="en-US" altLang="ko-KR" sz="1200" b="0" dirty="0">
+              <a:ln>
+                <a:noFill/>
+              </a:ln>
+              <a:solidFill>
+                <a:schemeClr val="tx1"/>
+              </a:solidFill>
+              <a:latin typeface="G마켓 산스 Light" panose="02000000000000000000" pitchFamily="50" charset="-127"/>
+              <a:ea typeface="G마켓 산스 Light" panose="02000000000000000000" pitchFamily="50" charset="-127"/>
+            </a:endParaRPr>
+          </a:p>
+        </p:txBody>
+      </p:sp>
+      <p:sp>
+        <p:nvSpPr>
+          <p:cNvPr id="24" name="사각형: 둥근 모서리 23">
+            <a:extLst>
+              <a:ext uri="{FF2B5EF4-FFF2-40B4-BE49-F238E27FC236}">
+                <a16:creationId xmlns:a16="http://schemas.microsoft.com/office/drawing/2014/main" id="{3C23ED69-E985-434A-B5E2-F6851303CCAB}"/>
+              </a:ext>
+            </a:extLst>
+          </p:cNvPr>
+          <p:cNvSpPr/>
+          <p:nvPr/>
+        </p:nvSpPr>
+        <p:spPr>
+          <a:xfrm>
+            <a:off x="2267744" y="3520430"/>
+            <a:ext cx="2664296" cy="1728192"/>
+          </a:xfrm>
+          <a:prstGeom prst="roundRect">
+            <a:avLst>
+              <a:gd name="adj" fmla="val 8924"/>
+            </a:avLst>
+          </a:prstGeom>
+          <a:solidFill>
+            <a:schemeClr val="bg1"/>
+          </a:solidFill>
+          <a:ln w="57150">
+            <a:solidFill>
+              <a:srgbClr val="8EBCEA"/>
+            </a:solidFill>
+          </a:ln>
+        </p:spPr>
+        <p:style>
+          <a:lnRef idx="2">
+            <a:schemeClr val="accent1">
+              <a:shade val="50000"/>
+            </a:schemeClr>
+          </a:lnRef>
+          <a:fillRef idx="1">
+            <a:schemeClr val="accent1"/>
+          </a:fillRef>
+          <a:effectRef idx="0">
+            <a:schemeClr val="accent1"/>
+          </a:effectRef>
+          <a:fontRef idx="minor">
+            <a:schemeClr val="lt1"/>
+          </a:fontRef>
+        </p:style>
+        <p:txBody>
+          <a:bodyPr wrap="none" lIns="360000" rtlCol="0" anchor="ctr"/>
+          <a:lstStyle/>
+          <a:p>
+            <a:pPr algn="l" latinLnBrk="1"/>
+            <a:r>
+              <a:rPr lang="ko-KR" altLang="en-US" sz="1200" b="0" dirty="0">
+                <a:ln>
+                  <a:noFill/>
+                </a:ln>
+                <a:solidFill>
+                  <a:schemeClr val="tx1"/>
+                </a:solidFill>
+                <a:latin typeface="G마켓 산스 Light" panose="02000000000000000000" pitchFamily="50" charset="-127"/>
+                <a:ea typeface="G마켓 산스 Light" panose="02000000000000000000" pitchFamily="50" charset="-127"/>
+              </a:rPr>
+              <a:t>게스트 메인</a:t>
+            </a:r>
+            <a:endParaRPr lang="en-US" altLang="ko-KR" sz="1200" b="0" dirty="0">
+              <a:ln>
+                <a:noFill/>
+              </a:ln>
+              <a:solidFill>
+                <a:schemeClr val="tx1"/>
+              </a:solidFill>
+              <a:latin typeface="G마켓 산스 Light" panose="02000000000000000000" pitchFamily="50" charset="-127"/>
+              <a:ea typeface="G마켓 산스 Light" panose="02000000000000000000" pitchFamily="50" charset="-127"/>
+            </a:endParaRPr>
+          </a:p>
+          <a:p>
+            <a:pPr algn="l" latinLnBrk="1"/>
+            <a:r>
+              <a:rPr lang="ko-KR" altLang="en-US" sz="1200" b="0" dirty="0">
+                <a:ln>
+                  <a:noFill/>
+                </a:ln>
+                <a:solidFill>
+                  <a:schemeClr val="tx1"/>
+                </a:solidFill>
+                <a:latin typeface="G마켓 산스 Light" panose="02000000000000000000" pitchFamily="50" charset="-127"/>
+                <a:ea typeface="G마켓 산스 Light" panose="02000000000000000000" pitchFamily="50" charset="-127"/>
+              </a:rPr>
+              <a:t>호스트 메인</a:t>
+            </a:r>
+            <a:endParaRPr lang="en-US" altLang="ko-KR" sz="1200" b="0" dirty="0">
+              <a:ln>
+                <a:noFill/>
+              </a:ln>
+              <a:solidFill>
+                <a:schemeClr val="tx1"/>
+              </a:solidFill>
+              <a:latin typeface="G마켓 산스 Light" panose="02000000000000000000" pitchFamily="50" charset="-127"/>
+              <a:ea typeface="G마켓 산스 Light" panose="02000000000000000000" pitchFamily="50" charset="-127"/>
+            </a:endParaRPr>
+          </a:p>
+          <a:p>
+            <a:pPr algn="l" latinLnBrk="1"/>
+            <a:r>
+              <a:rPr lang="ko-KR" altLang="en-US" sz="1200" dirty="0">
+                <a:solidFill>
+                  <a:schemeClr val="tx1"/>
+                </a:solidFill>
+                <a:latin typeface="G마켓 산스 Light" panose="02000000000000000000" pitchFamily="50" charset="-127"/>
+                <a:ea typeface="G마켓 산스 Light" panose="02000000000000000000" pitchFamily="50" charset="-127"/>
+              </a:rPr>
+              <a:t>타일즈 셋팅</a:t>
+            </a:r>
+            <a:endParaRPr lang="en-US" altLang="ko-KR" sz="1200" b="0" dirty="0">
+              <a:ln>
+                <a:noFill/>
+              </a:ln>
+              <a:solidFill>
+                <a:schemeClr val="tx1"/>
+              </a:solidFill>
+              <a:latin typeface="G마켓 산스 Light" panose="02000000000000000000" pitchFamily="50" charset="-127"/>
+              <a:ea typeface="G마켓 산스 Light" panose="02000000000000000000" pitchFamily="50" charset="-127"/>
+            </a:endParaRPr>
+          </a:p>
+          <a:p>
+            <a:pPr algn="l" latinLnBrk="1"/>
+            <a:r>
+              <a:rPr lang="ko-KR" altLang="en-US" sz="1200" b="0" dirty="0">
+                <a:ln>
+                  <a:noFill/>
+                </a:ln>
+                <a:solidFill>
+                  <a:schemeClr val="tx1"/>
+                </a:solidFill>
+                <a:latin typeface="G마켓 산스 Light" panose="02000000000000000000" pitchFamily="50" charset="-127"/>
+                <a:ea typeface="G마켓 산스 Light" panose="02000000000000000000" pitchFamily="50" charset="-127"/>
+              </a:rPr>
+              <a:t>검색</a:t>
+            </a:r>
+          </a:p>
+        </p:txBody>
+      </p:sp>
+      <p:sp>
+        <p:nvSpPr>
+          <p:cNvPr id="26" name="사각형: 둥근 모서리 25">
+            <a:extLst>
+              <a:ext uri="{FF2B5EF4-FFF2-40B4-BE49-F238E27FC236}">
+                <a16:creationId xmlns:a16="http://schemas.microsoft.com/office/drawing/2014/main" id="{2ADA81C5-D3F0-4E3C-8E18-0C3AFADEA8F1}"/>
+              </a:ext>
+            </a:extLst>
+          </p:cNvPr>
+          <p:cNvSpPr/>
+          <p:nvPr/>
+        </p:nvSpPr>
+        <p:spPr>
+          <a:xfrm>
+            <a:off x="5789942" y="3520430"/>
+            <a:ext cx="2664296" cy="1728192"/>
+          </a:xfrm>
+          <a:prstGeom prst="roundRect">
+            <a:avLst>
+              <a:gd name="adj" fmla="val 8924"/>
+            </a:avLst>
+          </a:prstGeom>
+          <a:solidFill>
+            <a:schemeClr val="bg1"/>
+          </a:solidFill>
+          <a:ln w="57150">
+            <a:solidFill>
+              <a:srgbClr val="8EBCEA"/>
+            </a:solidFill>
+          </a:ln>
+        </p:spPr>
+        <p:style>
+          <a:lnRef idx="2">
+            <a:schemeClr val="accent1">
+              <a:shade val="50000"/>
+            </a:schemeClr>
+          </a:lnRef>
+          <a:fillRef idx="1">
+            <a:schemeClr val="accent1"/>
+          </a:fillRef>
+          <a:effectRef idx="0">
+            <a:schemeClr val="accent1"/>
+          </a:effectRef>
+          <a:fontRef idx="minor">
+            <a:schemeClr val="lt1"/>
+          </a:fontRef>
+        </p:style>
+        <p:txBody>
+          <a:bodyPr wrap="none" lIns="360000" rtlCol="0" anchor="ctr"/>
+          <a:lstStyle/>
+          <a:p>
+            <a:pPr algn="l" latinLnBrk="1"/>
+            <a:r>
+              <a:rPr lang="ko-KR" altLang="en-US" sz="1200" b="0" dirty="0">
+                <a:ln>
+                  <a:noFill/>
+                </a:ln>
+                <a:solidFill>
+                  <a:schemeClr val="tx1"/>
+                </a:solidFill>
+                <a:latin typeface="G마켓 산스 Light" panose="02000000000000000000" pitchFamily="50" charset="-127"/>
+                <a:ea typeface="G마켓 산스 Light" panose="02000000000000000000" pitchFamily="50" charset="-127"/>
+              </a:rPr>
+              <a:t>마이페이지</a:t>
+            </a:r>
+            <a:endParaRPr lang="en-US" altLang="ko-KR" sz="1200" b="0" dirty="0">
+              <a:ln>
+                <a:noFill/>
+              </a:ln>
+              <a:solidFill>
+                <a:schemeClr val="tx1"/>
+              </a:solidFill>
+              <a:latin typeface="G마켓 산스 Light" panose="02000000000000000000" pitchFamily="50" charset="-127"/>
+              <a:ea typeface="G마켓 산스 Light" panose="02000000000000000000" pitchFamily="50" charset="-127"/>
+            </a:endParaRPr>
+          </a:p>
+          <a:p>
+            <a:pPr algn="l" latinLnBrk="1"/>
+            <a:r>
+              <a:rPr lang="ko-KR" altLang="en-US" sz="1200" b="0" dirty="0">
+                <a:ln>
+                  <a:noFill/>
+                </a:ln>
+                <a:solidFill>
+                  <a:schemeClr val="tx1"/>
+                </a:solidFill>
+                <a:latin typeface="G마켓 산스 Light" panose="02000000000000000000" pitchFamily="50" charset="-127"/>
+                <a:ea typeface="G마켓 산스 Light" panose="02000000000000000000" pitchFamily="50" charset="-127"/>
+              </a:rPr>
+              <a:t>프로필</a:t>
+            </a:r>
+            <a:endParaRPr lang="en-US" altLang="ko-KR" sz="1200" b="0" dirty="0">
+              <a:ln>
+                <a:noFill/>
+              </a:ln>
+              <a:solidFill>
+                <a:schemeClr val="tx1"/>
+              </a:solidFill>
+              <a:latin typeface="G마켓 산스 Light" panose="02000000000000000000" pitchFamily="50" charset="-127"/>
+              <a:ea typeface="G마켓 산스 Light" panose="02000000000000000000" pitchFamily="50" charset="-127"/>
+            </a:endParaRPr>
+          </a:p>
+        </p:txBody>
+      </p:sp>
+      <p:sp>
+        <p:nvSpPr>
+          <p:cNvPr id="21" name="사각형: 둥근 모서리 20">
+            <a:extLst>
+              <a:ext uri="{FF2B5EF4-FFF2-40B4-BE49-F238E27FC236}">
+                <a16:creationId xmlns:a16="http://schemas.microsoft.com/office/drawing/2014/main" id="{0E3CCA82-0E28-4089-83A9-DCA11A9F36D7}"/>
+              </a:ext>
+            </a:extLst>
+          </p:cNvPr>
+          <p:cNvSpPr/>
+          <p:nvPr/>
+        </p:nvSpPr>
+        <p:spPr>
+          <a:xfrm>
+            <a:off x="4028843" y="2239368"/>
+            <a:ext cx="2664296" cy="1728192"/>
+          </a:xfrm>
+          <a:prstGeom prst="roundRect">
+            <a:avLst>
+              <a:gd name="adj" fmla="val 8924"/>
+            </a:avLst>
+          </a:prstGeom>
+          <a:solidFill>
+            <a:schemeClr val="bg1"/>
+          </a:solidFill>
+          <a:ln w="57150">
+            <a:solidFill>
+              <a:srgbClr val="8EBCEA"/>
+            </a:solidFill>
+          </a:ln>
+        </p:spPr>
+        <p:style>
+          <a:lnRef idx="2">
+            <a:schemeClr val="accent1">
+              <a:shade val="50000"/>
+            </a:schemeClr>
+          </a:lnRef>
+          <a:fillRef idx="1">
+            <a:schemeClr val="accent1"/>
+          </a:fillRef>
+          <a:effectRef idx="0">
+            <a:schemeClr val="accent1"/>
+          </a:effectRef>
+          <a:fontRef idx="minor">
+            <a:schemeClr val="lt1"/>
+          </a:fontRef>
+        </p:style>
+        <p:txBody>
+          <a:bodyPr wrap="none" lIns="360000" rtlCol="0" anchor="ctr"/>
+          <a:lstStyle/>
+          <a:p>
+            <a:pPr algn="l" latinLnBrk="1"/>
+            <a:r>
+              <a:rPr lang="en-US" altLang="ko-KR" sz="1200" b="0" dirty="0">
+                <a:ln>
+                  <a:noFill/>
+                </a:ln>
+                <a:solidFill>
+                  <a:schemeClr val="tx1"/>
+                </a:solidFill>
+                <a:latin typeface="G마켓 산스 Light" panose="02000000000000000000" pitchFamily="50" charset="-127"/>
+                <a:ea typeface="G마켓 산스 Light" panose="02000000000000000000" pitchFamily="50" charset="-127"/>
+              </a:rPr>
+              <a:t>DB </a:t>
+            </a:r>
+            <a:r>
+              <a:rPr lang="ko-KR" altLang="en-US" sz="1200" b="0" dirty="0">
+                <a:ln>
+                  <a:noFill/>
+                </a:ln>
+                <a:solidFill>
+                  <a:schemeClr val="tx1"/>
+                </a:solidFill>
+                <a:latin typeface="G마켓 산스 Light" panose="02000000000000000000" pitchFamily="50" charset="-127"/>
+                <a:ea typeface="G마켓 산스 Light" panose="02000000000000000000" pitchFamily="50" charset="-127"/>
+              </a:rPr>
+              <a:t>모델링</a:t>
+            </a:r>
+            <a:endParaRPr lang="en-US" altLang="ko-KR" sz="1200" b="0" dirty="0">
+              <a:ln>
+                <a:noFill/>
+              </a:ln>
+              <a:solidFill>
+                <a:schemeClr val="tx1"/>
+              </a:solidFill>
+              <a:latin typeface="G마켓 산스 Light" panose="02000000000000000000" pitchFamily="50" charset="-127"/>
+              <a:ea typeface="G마켓 산스 Light" panose="02000000000000000000" pitchFamily="50" charset="-127"/>
+            </a:endParaRPr>
+          </a:p>
+          <a:p>
+            <a:pPr algn="l" latinLnBrk="1"/>
+            <a:r>
+              <a:rPr lang="ko-KR" altLang="en-US" sz="1200" b="0" dirty="0">
+                <a:ln>
+                  <a:noFill/>
+                </a:ln>
+                <a:solidFill>
+                  <a:schemeClr val="tx1"/>
+                </a:solidFill>
+                <a:latin typeface="G마켓 산스 Light" panose="02000000000000000000" pitchFamily="50" charset="-127"/>
+                <a:ea typeface="G마켓 산스 Light" panose="02000000000000000000" pitchFamily="50" charset="-127"/>
+              </a:rPr>
+              <a:t>테이블정의서</a:t>
+            </a:r>
+            <a:endParaRPr lang="en-US" altLang="ko-KR" sz="1200" b="0" dirty="0">
+              <a:ln>
+                <a:noFill/>
+              </a:ln>
+              <a:solidFill>
+                <a:schemeClr val="tx1"/>
+              </a:solidFill>
+              <a:latin typeface="G마켓 산스 Light" panose="02000000000000000000" pitchFamily="50" charset="-127"/>
+              <a:ea typeface="G마켓 산스 Light" panose="02000000000000000000" pitchFamily="50" charset="-127"/>
+            </a:endParaRPr>
+          </a:p>
+          <a:p>
+            <a:pPr algn="l" latinLnBrk="1"/>
+            <a:r>
+              <a:rPr lang="ko-KR" altLang="en-US" sz="1200" b="0" dirty="0">
+                <a:ln>
+                  <a:noFill/>
+                </a:ln>
+                <a:solidFill>
+                  <a:schemeClr val="tx1"/>
+                </a:solidFill>
+                <a:latin typeface="G마켓 산스 Light" panose="02000000000000000000" pitchFamily="50" charset="-127"/>
+                <a:ea typeface="G마켓 산스 Light" panose="02000000000000000000" pitchFamily="50" charset="-127"/>
+              </a:rPr>
+              <a:t>유즈케이스</a:t>
+            </a:r>
+            <a:endParaRPr lang="en-US" altLang="ko-KR" sz="1200" b="0" dirty="0">
+              <a:ln>
+                <a:noFill/>
+              </a:ln>
+              <a:solidFill>
+                <a:schemeClr val="tx1"/>
+              </a:solidFill>
+              <a:latin typeface="G마켓 산스 Light" panose="02000000000000000000" pitchFamily="50" charset="-127"/>
+              <a:ea typeface="G마켓 산스 Light" panose="02000000000000000000" pitchFamily="50" charset="-127"/>
+            </a:endParaRPr>
+          </a:p>
+          <a:p>
+            <a:pPr algn="l" latinLnBrk="1"/>
+            <a:r>
+              <a:rPr lang="ko-KR" altLang="en-US" sz="1200" b="0" dirty="0">
+                <a:ln>
+                  <a:noFill/>
+                </a:ln>
+                <a:solidFill>
+                  <a:schemeClr val="tx1"/>
+                </a:solidFill>
+                <a:latin typeface="G마켓 산스 Light" panose="02000000000000000000" pitchFamily="50" charset="-127"/>
+                <a:ea typeface="G마켓 산스 Light" panose="02000000000000000000" pitchFamily="50" charset="-127"/>
+              </a:rPr>
+              <a:t>흐름도</a:t>
+            </a:r>
+            <a:endParaRPr lang="en-US" altLang="ko-KR" sz="1200" b="0" dirty="0">
+              <a:ln>
+                <a:noFill/>
+              </a:ln>
+              <a:solidFill>
+                <a:schemeClr val="tx1"/>
+              </a:solidFill>
+              <a:latin typeface="G마켓 산스 Light" panose="02000000000000000000" pitchFamily="50" charset="-127"/>
+              <a:ea typeface="G마켓 산스 Light" panose="02000000000000000000" pitchFamily="50" charset="-127"/>
+            </a:endParaRPr>
+          </a:p>
+          <a:p>
+            <a:pPr algn="l" latinLnBrk="1"/>
+            <a:r>
+              <a:rPr lang="ko-KR" altLang="en-US" sz="1200" b="0" dirty="0">
+                <a:ln>
+                  <a:noFill/>
+                </a:ln>
+                <a:solidFill>
+                  <a:schemeClr val="tx1"/>
+                </a:solidFill>
+                <a:latin typeface="G마켓 산스 Light" panose="02000000000000000000" pitchFamily="50" charset="-127"/>
+                <a:ea typeface="G마켓 산스 Light" panose="02000000000000000000" pitchFamily="50" charset="-127"/>
+              </a:rPr>
+              <a:t>카카오 맵</a:t>
+            </a:r>
+            <a:endParaRPr lang="en-US" altLang="ko-KR" sz="1200" b="0" dirty="0">
+              <a:ln>
+                <a:noFill/>
+              </a:ln>
+              <a:solidFill>
+                <a:schemeClr val="tx1"/>
+              </a:solidFill>
+              <a:latin typeface="G마켓 산스 Light" panose="02000000000000000000" pitchFamily="50" charset="-127"/>
+              <a:ea typeface="G마켓 산스 Light" panose="02000000000000000000" pitchFamily="50" charset="-127"/>
+            </a:endParaRPr>
+          </a:p>
+          <a:p>
+            <a:pPr algn="l" latinLnBrk="1"/>
+            <a:r>
+              <a:rPr lang="ko-KR" altLang="en-US" sz="1200" b="0" dirty="0">
+                <a:ln>
+                  <a:noFill/>
+                </a:ln>
+                <a:solidFill>
+                  <a:schemeClr val="tx1"/>
+                </a:solidFill>
+                <a:latin typeface="G마켓 산스 Light" panose="02000000000000000000" pitchFamily="50" charset="-127"/>
+                <a:ea typeface="G마켓 산스 Light" panose="02000000000000000000" pitchFamily="50" charset="-127"/>
+              </a:rPr>
+              <a:t>카카오 결제</a:t>
+            </a:r>
+            <a:endParaRPr lang="en-US" altLang="ko-KR" sz="1200" b="0" dirty="0">
+              <a:ln>
+                <a:noFill/>
+              </a:ln>
+              <a:solidFill>
+                <a:schemeClr val="tx1"/>
+              </a:solidFill>
+              <a:latin typeface="G마켓 산스 Light" panose="02000000000000000000" pitchFamily="50" charset="-127"/>
+              <a:ea typeface="G마켓 산스 Light" panose="02000000000000000000" pitchFamily="50" charset="-127"/>
+            </a:endParaRPr>
+          </a:p>
+          <a:p>
+            <a:pPr algn="l" latinLnBrk="1"/>
+            <a:r>
+              <a:rPr lang="ko-KR" altLang="en-US" sz="1200" b="0" dirty="0">
+                <a:ln>
+                  <a:noFill/>
+                </a:ln>
+                <a:solidFill>
+                  <a:schemeClr val="tx1"/>
+                </a:solidFill>
+                <a:latin typeface="G마켓 산스 Light" panose="02000000000000000000" pitchFamily="50" charset="-127"/>
+                <a:ea typeface="G마켓 산스 Light" panose="02000000000000000000" pitchFamily="50" charset="-127"/>
+              </a:rPr>
+              <a:t>숙소 예약 및 결제</a:t>
+            </a:r>
+            <a:endParaRPr lang="en-US" altLang="ko-KR" sz="1200" b="0" dirty="0">
+              <a:ln>
+                <a:noFill/>
+              </a:ln>
+              <a:solidFill>
+                <a:schemeClr val="tx1"/>
+              </a:solidFill>
+              <a:latin typeface="G마켓 산스 Light" panose="02000000000000000000" pitchFamily="50" charset="-127"/>
+              <a:ea typeface="G마켓 산스 Light" panose="02000000000000000000" pitchFamily="50" charset="-127"/>
+            </a:endParaRPr>
+          </a:p>
+          <a:p>
+            <a:pPr algn="l" latinLnBrk="1"/>
+            <a:r>
+              <a:rPr lang="ko-KR" altLang="en-US" sz="1200" b="0" dirty="0">
+                <a:ln>
+                  <a:noFill/>
+                </a:ln>
+                <a:solidFill>
+                  <a:schemeClr val="tx1"/>
+                </a:solidFill>
+                <a:latin typeface="G마켓 산스 Light" panose="02000000000000000000" pitchFamily="50" charset="-127"/>
+                <a:ea typeface="G마켓 산스 Light" panose="02000000000000000000" pitchFamily="50" charset="-127"/>
+              </a:rPr>
+              <a:t>게스트</a:t>
+            </a:r>
+            <a:r>
+              <a:rPr lang="en-US" altLang="ko-KR" sz="1200" b="0" dirty="0">
+                <a:ln>
+                  <a:noFill/>
+                </a:ln>
+                <a:solidFill>
+                  <a:schemeClr val="tx1"/>
+                </a:solidFill>
+                <a:latin typeface="G마켓 산스 Light" panose="02000000000000000000" pitchFamily="50" charset="-127"/>
+                <a:ea typeface="G마켓 산스 Light" panose="02000000000000000000" pitchFamily="50" charset="-127"/>
+              </a:rPr>
+              <a:t> </a:t>
+            </a:r>
+            <a:r>
+              <a:rPr lang="ko-KR" altLang="en-US" sz="1200" b="0" dirty="0">
+                <a:ln>
+                  <a:noFill/>
+                </a:ln>
+                <a:solidFill>
+                  <a:schemeClr val="tx1"/>
+                </a:solidFill>
+                <a:latin typeface="G마켓 산스 Light" panose="02000000000000000000" pitchFamily="50" charset="-127"/>
+                <a:ea typeface="G마켓 산스 Light" panose="02000000000000000000" pitchFamily="50" charset="-127"/>
+              </a:rPr>
+              <a:t>후기</a:t>
+            </a:r>
+            <a:endParaRPr lang="en-US" altLang="ko-KR" sz="1200" b="0" dirty="0">
+              <a:ln>
+                <a:noFill/>
+              </a:ln>
+              <a:solidFill>
+                <a:schemeClr val="tx1"/>
+              </a:solidFill>
+              <a:latin typeface="G마켓 산스 Light" panose="02000000000000000000" pitchFamily="50" charset="-127"/>
+              <a:ea typeface="G마켓 산스 Light" panose="02000000000000000000" pitchFamily="50" charset="-127"/>
+            </a:endParaRPr>
+          </a:p>
+        </p:txBody>
+      </p:sp>
+      <p:grpSp>
+        <p:nvGrpSpPr>
+          <p:cNvPr id="33" name="그룹 32">
+            <a:extLst>
+              <a:ext uri="{FF2B5EF4-FFF2-40B4-BE49-F238E27FC236}">
+                <a16:creationId xmlns:a16="http://schemas.microsoft.com/office/drawing/2014/main" id="{C3F9BF51-CFEF-4A7A-90D3-195217E411FB}"/>
+              </a:ext>
+            </a:extLst>
+          </p:cNvPr>
+          <p:cNvGrpSpPr/>
+          <p:nvPr/>
+        </p:nvGrpSpPr>
+        <p:grpSpPr>
+          <a:xfrm>
+            <a:off x="2391043" y="519260"/>
+            <a:ext cx="1206082" cy="1206082"/>
+            <a:chOff x="4338028" y="597845"/>
+            <a:chExt cx="1206082" cy="1206082"/>
+          </a:xfrm>
+        </p:grpSpPr>
+        <p:pic>
+          <p:nvPicPr>
+            <p:cNvPr id="28" name="그림 27">
+              <a:extLst>
+                <a:ext uri="{FF2B5EF4-FFF2-40B4-BE49-F238E27FC236}">
+                  <a16:creationId xmlns:a16="http://schemas.microsoft.com/office/drawing/2014/main" id="{4C98014C-67D1-4350-8301-41100D9E6681}"/>
+                </a:ext>
+              </a:extLst>
+            </p:cNvPr>
+            <p:cNvPicPr>
+              <a:picLocks noChangeAspect="1"/>
+            </p:cNvPicPr>
+            <p:nvPr/>
+          </p:nvPicPr>
+          <p:blipFill>
+            <a:blip r:embed="rId4" cstate="print">
+              <a:duotone>
+                <a:prstClr val="black"/>
+                <a:schemeClr val="tx2">
+                  <a:tint val="45000"/>
+                  <a:satMod val="400000"/>
+                </a:schemeClr>
+              </a:duotone>
+              <a:extLst>
+                <a:ext uri="{28A0092B-C50C-407E-A947-70E740481C1C}">
+                  <a14:useLocalDpi xmlns:a14="http://schemas.microsoft.com/office/drawing/2010/main" val="0"/>
+                </a:ext>
+              </a:extLst>
+            </a:blip>
+            <a:stretch>
+              <a:fillRect/>
+            </a:stretch>
+          </p:blipFill>
+          <p:spPr>
+            <a:xfrm>
+              <a:off x="4338028" y="597845"/>
+              <a:ext cx="1206082" cy="1206082"/>
+            </a:xfrm>
+            <a:prstGeom prst="rect">
+              <a:avLst/>
+            </a:prstGeom>
+          </p:spPr>
+        </p:pic>
+        <p:sp>
+          <p:nvSpPr>
+            <p:cNvPr id="32" name="TextBox 31">
+              <a:extLst>
+                <a:ext uri="{FF2B5EF4-FFF2-40B4-BE49-F238E27FC236}">
+                  <a16:creationId xmlns:a16="http://schemas.microsoft.com/office/drawing/2014/main" id="{BFCB99C7-491B-4546-A397-39A0988529E6}"/>
+                </a:ext>
+              </a:extLst>
+            </p:cNvPr>
+            <p:cNvSpPr txBox="1"/>
+            <p:nvPr/>
+          </p:nvSpPr>
+          <p:spPr>
+            <a:xfrm>
+              <a:off x="4572000" y="1072168"/>
+              <a:ext cx="704039" cy="307777"/>
+            </a:xfrm>
+            <a:prstGeom prst="rect">
+              <a:avLst/>
+            </a:prstGeom>
+            <a:noFill/>
+          </p:spPr>
+          <p:txBody>
+            <a:bodyPr wrap="none" rtlCol="0">
+              <a:spAutoFit/>
+            </a:bodyPr>
+            <a:lstStyle/>
+            <a:p>
+              <a:r>
+                <a:rPr lang="ko-KR" altLang="en-US" sz="1400" dirty="0">
+                  <a:solidFill>
+                    <a:schemeClr val="bg1">
+                      <a:lumMod val="95000"/>
+                    </a:schemeClr>
+                  </a:solidFill>
+                  <a:latin typeface="G마켓 산스 Medium" panose="02000000000000000000" pitchFamily="50" charset="-127"/>
+                  <a:ea typeface="G마켓 산스 Medium" panose="02000000000000000000" pitchFamily="50" charset="-127"/>
+                </a:rPr>
+                <a:t>김보라</a:t>
+              </a:r>
+            </a:p>
+          </p:txBody>
+        </p:sp>
+      </p:grpSp>
+      <p:grpSp>
+        <p:nvGrpSpPr>
+          <p:cNvPr id="34" name="그룹 33">
+            <a:extLst>
+              <a:ext uri="{FF2B5EF4-FFF2-40B4-BE49-F238E27FC236}">
+                <a16:creationId xmlns:a16="http://schemas.microsoft.com/office/drawing/2014/main" id="{CC7AD6B4-0A58-458B-813F-D17012237E9D}"/>
+              </a:ext>
+            </a:extLst>
+          </p:cNvPr>
+          <p:cNvGrpSpPr/>
+          <p:nvPr/>
+        </p:nvGrpSpPr>
+        <p:grpSpPr>
+          <a:xfrm>
+            <a:off x="7267257" y="519260"/>
+            <a:ext cx="1206082" cy="1206082"/>
+            <a:chOff x="4338028" y="597845"/>
+            <a:chExt cx="1206082" cy="1206082"/>
+          </a:xfrm>
+        </p:grpSpPr>
+        <p:pic>
+          <p:nvPicPr>
+            <p:cNvPr id="35" name="그림 34">
+              <a:extLst>
+                <a:ext uri="{FF2B5EF4-FFF2-40B4-BE49-F238E27FC236}">
+                  <a16:creationId xmlns:a16="http://schemas.microsoft.com/office/drawing/2014/main" id="{FB53E494-5BCF-443F-AFEB-C86292C5C166}"/>
+                </a:ext>
+              </a:extLst>
+            </p:cNvPr>
+            <p:cNvPicPr>
+              <a:picLocks noChangeAspect="1"/>
+            </p:cNvPicPr>
+            <p:nvPr/>
+          </p:nvPicPr>
+          <p:blipFill>
+            <a:blip r:embed="rId4" cstate="print">
+              <a:duotone>
+                <a:prstClr val="black"/>
+                <a:schemeClr val="tx2">
+                  <a:tint val="45000"/>
+                  <a:satMod val="400000"/>
+                </a:schemeClr>
+              </a:duotone>
+              <a:extLst>
+                <a:ext uri="{28A0092B-C50C-407E-A947-70E740481C1C}">
+                  <a14:useLocalDpi xmlns:a14="http://schemas.microsoft.com/office/drawing/2010/main" val="0"/>
+                </a:ext>
+              </a:extLst>
+            </a:blip>
+            <a:stretch>
+              <a:fillRect/>
+            </a:stretch>
+          </p:blipFill>
+          <p:spPr>
+            <a:xfrm>
+              <a:off x="4338028" y="597845"/>
+              <a:ext cx="1206082" cy="1206082"/>
+            </a:xfrm>
+            <a:prstGeom prst="rect">
+              <a:avLst/>
+            </a:prstGeom>
+          </p:spPr>
+        </p:pic>
+        <p:sp>
+          <p:nvSpPr>
+            <p:cNvPr id="36" name="TextBox 35">
+              <a:extLst>
+                <a:ext uri="{FF2B5EF4-FFF2-40B4-BE49-F238E27FC236}">
+                  <a16:creationId xmlns:a16="http://schemas.microsoft.com/office/drawing/2014/main" id="{E1B83024-47B4-4C92-8102-809C7F9A4103}"/>
+                </a:ext>
+              </a:extLst>
+            </p:cNvPr>
+            <p:cNvSpPr txBox="1"/>
+            <p:nvPr/>
+          </p:nvSpPr>
+          <p:spPr>
+            <a:xfrm>
+              <a:off x="4572000" y="1072168"/>
+              <a:ext cx="704039" cy="307777"/>
+            </a:xfrm>
+            <a:prstGeom prst="rect">
+              <a:avLst/>
+            </a:prstGeom>
+            <a:noFill/>
+          </p:spPr>
+          <p:txBody>
+            <a:bodyPr wrap="none" rtlCol="0">
+              <a:spAutoFit/>
+            </a:bodyPr>
+            <a:lstStyle/>
+            <a:p>
+              <a:r>
+                <a:rPr lang="ko-KR" altLang="en-US" sz="1400" dirty="0">
+                  <a:solidFill>
+                    <a:schemeClr val="bg1">
+                      <a:lumMod val="95000"/>
+                    </a:schemeClr>
+                  </a:solidFill>
+                  <a:latin typeface="G마켓 산스 Medium" panose="02000000000000000000" pitchFamily="50" charset="-127"/>
+                  <a:ea typeface="G마켓 산스 Medium" panose="02000000000000000000" pitchFamily="50" charset="-127"/>
+                </a:rPr>
+                <a:t>김태민</a:t>
+              </a:r>
+            </a:p>
+          </p:txBody>
+        </p:sp>
+      </p:grpSp>
+      <p:grpSp>
+        <p:nvGrpSpPr>
+          <p:cNvPr id="37" name="그룹 36">
+            <a:extLst>
+              <a:ext uri="{FF2B5EF4-FFF2-40B4-BE49-F238E27FC236}">
+                <a16:creationId xmlns:a16="http://schemas.microsoft.com/office/drawing/2014/main" id="{AA4B4667-9445-4439-9C60-396E88D5B639}"/>
+              </a:ext>
+            </a:extLst>
+          </p:cNvPr>
+          <p:cNvGrpSpPr/>
+          <p:nvPr/>
+        </p:nvGrpSpPr>
+        <p:grpSpPr>
+          <a:xfrm>
+            <a:off x="2391043" y="3084520"/>
+            <a:ext cx="1206082" cy="1206082"/>
+            <a:chOff x="4338028" y="597845"/>
+            <a:chExt cx="1206082" cy="1206082"/>
+          </a:xfrm>
+        </p:grpSpPr>
+        <p:pic>
+          <p:nvPicPr>
+            <p:cNvPr id="38" name="그림 37">
+              <a:extLst>
+                <a:ext uri="{FF2B5EF4-FFF2-40B4-BE49-F238E27FC236}">
+                  <a16:creationId xmlns:a16="http://schemas.microsoft.com/office/drawing/2014/main" id="{9B843A23-F2B7-438A-9299-9793AECFF2D4}"/>
+                </a:ext>
+              </a:extLst>
+            </p:cNvPr>
+            <p:cNvPicPr>
+              <a:picLocks noChangeAspect="1"/>
+            </p:cNvPicPr>
+            <p:nvPr/>
+          </p:nvPicPr>
+          <p:blipFill>
+            <a:blip r:embed="rId4" cstate="print">
+              <a:duotone>
+                <a:prstClr val="black"/>
+                <a:schemeClr val="tx2">
+                  <a:tint val="45000"/>
+                  <a:satMod val="400000"/>
+                </a:schemeClr>
+              </a:duotone>
+              <a:extLst>
+                <a:ext uri="{28A0092B-C50C-407E-A947-70E740481C1C}">
+                  <a14:useLocalDpi xmlns:a14="http://schemas.microsoft.com/office/drawing/2010/main" val="0"/>
+                </a:ext>
+              </a:extLst>
+            </a:blip>
+            <a:stretch>
+              <a:fillRect/>
+            </a:stretch>
+          </p:blipFill>
+          <p:spPr>
+            <a:xfrm>
+              <a:off x="4338028" y="597845"/>
+              <a:ext cx="1206082" cy="1206082"/>
+            </a:xfrm>
+            <a:prstGeom prst="rect">
+              <a:avLst/>
+            </a:prstGeom>
+          </p:spPr>
+        </p:pic>
+        <p:sp>
+          <p:nvSpPr>
+            <p:cNvPr id="39" name="TextBox 38">
+              <a:extLst>
+                <a:ext uri="{FF2B5EF4-FFF2-40B4-BE49-F238E27FC236}">
+                  <a16:creationId xmlns:a16="http://schemas.microsoft.com/office/drawing/2014/main" id="{013F03F7-76C9-4C93-BC9E-A30F968A7145}"/>
+                </a:ext>
+              </a:extLst>
+            </p:cNvPr>
+            <p:cNvSpPr txBox="1"/>
+            <p:nvPr/>
+          </p:nvSpPr>
+          <p:spPr>
+            <a:xfrm>
+              <a:off x="4572000" y="1072168"/>
+              <a:ext cx="704039" cy="307777"/>
+            </a:xfrm>
+            <a:prstGeom prst="rect">
+              <a:avLst/>
+            </a:prstGeom>
+            <a:noFill/>
+          </p:spPr>
+          <p:txBody>
+            <a:bodyPr wrap="none" rtlCol="0">
+              <a:spAutoFit/>
+            </a:bodyPr>
+            <a:lstStyle/>
+            <a:p>
+              <a:r>
+                <a:rPr lang="ko-KR" altLang="en-US" sz="1400" dirty="0">
+                  <a:solidFill>
+                    <a:schemeClr val="bg1">
+                      <a:lumMod val="95000"/>
+                    </a:schemeClr>
+                  </a:solidFill>
+                  <a:latin typeface="G마켓 산스 Medium" panose="02000000000000000000" pitchFamily="50" charset="-127"/>
+                  <a:ea typeface="G마켓 산스 Medium" panose="02000000000000000000" pitchFamily="50" charset="-127"/>
+                </a:rPr>
+                <a:t>최재현</a:t>
+              </a:r>
+            </a:p>
+          </p:txBody>
+        </p:sp>
+      </p:grpSp>
+      <p:grpSp>
+        <p:nvGrpSpPr>
+          <p:cNvPr id="40" name="그룹 39">
+            <a:extLst>
+              <a:ext uri="{FF2B5EF4-FFF2-40B4-BE49-F238E27FC236}">
+                <a16:creationId xmlns:a16="http://schemas.microsoft.com/office/drawing/2014/main" id="{3AF936DD-72D4-438E-8DC1-03B4BBC3EC0B}"/>
+              </a:ext>
+            </a:extLst>
+          </p:cNvPr>
+          <p:cNvGrpSpPr/>
+          <p:nvPr/>
+        </p:nvGrpSpPr>
+        <p:grpSpPr>
+          <a:xfrm>
+            <a:off x="7267257" y="3084520"/>
+            <a:ext cx="1206082" cy="1206082"/>
+            <a:chOff x="4338028" y="597845"/>
+            <a:chExt cx="1206082" cy="1206082"/>
+          </a:xfrm>
+        </p:grpSpPr>
+        <p:pic>
+          <p:nvPicPr>
+            <p:cNvPr id="41" name="그림 40">
+              <a:extLst>
+                <a:ext uri="{FF2B5EF4-FFF2-40B4-BE49-F238E27FC236}">
+                  <a16:creationId xmlns:a16="http://schemas.microsoft.com/office/drawing/2014/main" id="{1840F277-6BFE-4AD3-B2B0-D10930F21D06}"/>
+                </a:ext>
+              </a:extLst>
+            </p:cNvPr>
+            <p:cNvPicPr>
+              <a:picLocks noChangeAspect="1"/>
+            </p:cNvPicPr>
+            <p:nvPr/>
+          </p:nvPicPr>
+          <p:blipFill>
+            <a:blip r:embed="rId4" cstate="print">
+              <a:duotone>
+                <a:prstClr val="black"/>
+                <a:schemeClr val="tx2">
+                  <a:tint val="45000"/>
+                  <a:satMod val="400000"/>
+                </a:schemeClr>
+              </a:duotone>
+              <a:extLst>
+                <a:ext uri="{28A0092B-C50C-407E-A947-70E740481C1C}">
+                  <a14:useLocalDpi xmlns:a14="http://schemas.microsoft.com/office/drawing/2010/main" val="0"/>
+                </a:ext>
+              </a:extLst>
+            </a:blip>
+            <a:stretch>
+              <a:fillRect/>
+            </a:stretch>
+          </p:blipFill>
+          <p:spPr>
+            <a:xfrm>
+              <a:off x="4338028" y="597845"/>
+              <a:ext cx="1206082" cy="1206082"/>
+            </a:xfrm>
+            <a:prstGeom prst="rect">
+              <a:avLst/>
+            </a:prstGeom>
+          </p:spPr>
+        </p:pic>
+        <p:sp>
+          <p:nvSpPr>
+            <p:cNvPr id="42" name="TextBox 41">
+              <a:extLst>
+                <a:ext uri="{FF2B5EF4-FFF2-40B4-BE49-F238E27FC236}">
+                  <a16:creationId xmlns:a16="http://schemas.microsoft.com/office/drawing/2014/main" id="{F668976B-4C5E-43DB-8734-3ACB15C687AC}"/>
+                </a:ext>
+              </a:extLst>
+            </p:cNvPr>
+            <p:cNvSpPr txBox="1"/>
+            <p:nvPr/>
+          </p:nvSpPr>
+          <p:spPr>
+            <a:xfrm>
+              <a:off x="4572000" y="1072168"/>
+              <a:ext cx="704039" cy="307777"/>
+            </a:xfrm>
+            <a:prstGeom prst="rect">
+              <a:avLst/>
+            </a:prstGeom>
+            <a:noFill/>
+          </p:spPr>
+          <p:txBody>
+            <a:bodyPr wrap="none" rtlCol="0">
+              <a:spAutoFit/>
+            </a:bodyPr>
+            <a:lstStyle/>
+            <a:p>
+              <a:r>
+                <a:rPr lang="ko-KR" altLang="en-US" sz="1400" dirty="0" err="1">
+                  <a:solidFill>
+                    <a:schemeClr val="bg1">
+                      <a:lumMod val="95000"/>
+                    </a:schemeClr>
+                  </a:solidFill>
+                  <a:latin typeface="G마켓 산스 Medium" panose="02000000000000000000" pitchFamily="50" charset="-127"/>
+                  <a:ea typeface="G마켓 산스 Medium" panose="02000000000000000000" pitchFamily="50" charset="-127"/>
+                </a:rPr>
+                <a:t>박여은</a:t>
+              </a:r>
+              <a:endParaRPr lang="ko-KR" altLang="en-US" sz="1400" dirty="0">
+                <a:solidFill>
+                  <a:schemeClr val="bg1">
+                    <a:lumMod val="95000"/>
+                  </a:schemeClr>
+                </a:solidFill>
+                <a:latin typeface="G마켓 산스 Medium" panose="02000000000000000000" pitchFamily="50" charset="-127"/>
+                <a:ea typeface="G마켓 산스 Medium" panose="02000000000000000000" pitchFamily="50" charset="-127"/>
+              </a:endParaRPr>
+            </a:p>
+          </p:txBody>
+        </p:sp>
+      </p:grpSp>
+      <p:grpSp>
+        <p:nvGrpSpPr>
+          <p:cNvPr id="43" name="그룹 42">
+            <a:extLst>
+              <a:ext uri="{FF2B5EF4-FFF2-40B4-BE49-F238E27FC236}">
+                <a16:creationId xmlns:a16="http://schemas.microsoft.com/office/drawing/2014/main" id="{11C21751-889B-4016-9FD0-EE11AA6EE301}"/>
+              </a:ext>
+            </a:extLst>
+          </p:cNvPr>
+          <p:cNvGrpSpPr/>
+          <p:nvPr/>
+        </p:nvGrpSpPr>
+        <p:grpSpPr>
+          <a:xfrm>
+            <a:off x="5506158" y="1802513"/>
+            <a:ext cx="1206082" cy="1206082"/>
+            <a:chOff x="4338028" y="597845"/>
+            <a:chExt cx="1206082" cy="1206082"/>
+          </a:xfrm>
+        </p:grpSpPr>
+        <p:pic>
+          <p:nvPicPr>
+            <p:cNvPr id="44" name="그림 43">
+              <a:extLst>
+                <a:ext uri="{FF2B5EF4-FFF2-40B4-BE49-F238E27FC236}">
+                  <a16:creationId xmlns:a16="http://schemas.microsoft.com/office/drawing/2014/main" id="{DCF274E3-8F54-441C-86EB-9B6E268645C3}"/>
+                </a:ext>
+              </a:extLst>
+            </p:cNvPr>
+            <p:cNvPicPr>
+              <a:picLocks noChangeAspect="1"/>
+            </p:cNvPicPr>
+            <p:nvPr/>
+          </p:nvPicPr>
+          <p:blipFill>
+            <a:blip r:embed="rId4" cstate="print">
+              <a:duotone>
+                <a:prstClr val="black"/>
+                <a:schemeClr val="tx2">
+                  <a:tint val="45000"/>
+                  <a:satMod val="400000"/>
+                </a:schemeClr>
+              </a:duotone>
+              <a:extLst>
+                <a:ext uri="{28A0092B-C50C-407E-A947-70E740481C1C}">
+                  <a14:useLocalDpi xmlns:a14="http://schemas.microsoft.com/office/drawing/2010/main" val="0"/>
+                </a:ext>
+              </a:extLst>
+            </a:blip>
+            <a:stretch>
+              <a:fillRect/>
+            </a:stretch>
+          </p:blipFill>
+          <p:spPr>
+            <a:xfrm>
+              <a:off x="4338028" y="597845"/>
+              <a:ext cx="1206082" cy="1206082"/>
+            </a:xfrm>
+            <a:prstGeom prst="rect">
+              <a:avLst/>
+            </a:prstGeom>
+          </p:spPr>
+        </p:pic>
+        <p:sp>
+          <p:nvSpPr>
+            <p:cNvPr id="45" name="TextBox 44">
+              <a:extLst>
+                <a:ext uri="{FF2B5EF4-FFF2-40B4-BE49-F238E27FC236}">
+                  <a16:creationId xmlns:a16="http://schemas.microsoft.com/office/drawing/2014/main" id="{150620C6-E640-4FC4-92DC-F5AE426DBCA0}"/>
+                </a:ext>
+              </a:extLst>
+            </p:cNvPr>
+            <p:cNvSpPr txBox="1"/>
+            <p:nvPr/>
+          </p:nvSpPr>
+          <p:spPr>
+            <a:xfrm>
+              <a:off x="4572000" y="1072168"/>
+              <a:ext cx="704039" cy="307777"/>
+            </a:xfrm>
+            <a:prstGeom prst="rect">
+              <a:avLst/>
+            </a:prstGeom>
+            <a:noFill/>
+          </p:spPr>
+          <p:txBody>
+            <a:bodyPr wrap="none" rtlCol="0">
+              <a:spAutoFit/>
+            </a:bodyPr>
+            <a:lstStyle/>
+            <a:p>
+              <a:r>
+                <a:rPr lang="ko-KR" altLang="en-US" sz="1400" dirty="0">
+                  <a:solidFill>
+                    <a:schemeClr val="bg1">
+                      <a:lumMod val="95000"/>
+                    </a:schemeClr>
+                  </a:solidFill>
+                  <a:latin typeface="G마켓 산스 Medium" panose="02000000000000000000" pitchFamily="50" charset="-127"/>
+                  <a:ea typeface="G마켓 산스 Medium" panose="02000000000000000000" pitchFamily="50" charset="-127"/>
+                </a:rPr>
+                <a:t>안수현</a:t>
+              </a:r>
+            </a:p>
+          </p:txBody>
+        </p:sp>
+      </p:grpSp>
+    </p:spTree>
+    <p:extLst>
+      <p:ext uri="{BB962C8B-B14F-4D97-AF65-F5344CB8AC3E}">
+        <p14:creationId xmlns:p14="http://schemas.microsoft.com/office/powerpoint/2010/main" val="3035121695"/>
+      </p:ext>
+    </p:extLst>
+  </p:cSld>
+  <p:clrMapOvr>
+    <a:masterClrMapping/>
+  </p:clrMapOvr>
+</p:sld>
+</file>
+
+<file path=ppt/slides/slide4.xml><?xml version="1.0" encoding="utf-8"?>
+<p:sld xmlns:a="http://schemas.openxmlformats.org/drawingml/2006/main" xmlns:r="http://schemas.openxmlformats.org/officeDocument/2006/relationships" xmlns:p="http://schemas.openxmlformats.org/presentationml/2006/main">
+  <p:cSld>
+    <p:spTree>
+      <p:nvGrpSpPr>
+        <p:cNvPr id="1" name=""/>
+        <p:cNvGrpSpPr/>
+        <p:nvPr/>
+      </p:nvGrpSpPr>
+      <p:grpSpPr>
+        <a:xfrm>
+          <a:off x="0" y="0"/>
+          <a:ext cx="0" cy="0"/>
+          <a:chOff x="0" y="0"/>
+          <a:chExt cx="0" cy="0"/>
+        </a:xfrm>
+      </p:grpSpPr>
+      <p:sp>
+        <p:nvSpPr>
+          <p:cNvPr id="7" name="직사각형 6">
+            <a:extLst>
+              <a:ext uri="{FF2B5EF4-FFF2-40B4-BE49-F238E27FC236}">
+                <a16:creationId xmlns:a16="http://schemas.microsoft.com/office/drawing/2014/main" id="{E8FC8DED-26A1-414F-83C7-D1751143969D}"/>
+              </a:ext>
+            </a:extLst>
+          </p:cNvPr>
+          <p:cNvSpPr/>
+          <p:nvPr/>
+        </p:nvSpPr>
+        <p:spPr>
+          <a:xfrm>
+            <a:off x="179512" y="354198"/>
+            <a:ext cx="8784976" cy="5167598"/>
+          </a:xfrm>
+          <a:prstGeom prst="rect">
+            <a:avLst/>
+          </a:prstGeom>
+          <a:noFill/>
+          <a:ln w="19050">
+            <a:solidFill>
+              <a:srgbClr val="BED8F3"/>
+            </a:solidFill>
+          </a:ln>
+        </p:spPr>
+        <p:style>
+          <a:lnRef idx="2">
+            <a:schemeClr val="accent1">
+              <a:shade val="50000"/>
+            </a:schemeClr>
+          </a:lnRef>
+          <a:fillRef idx="1">
+            <a:schemeClr val="accent1"/>
+          </a:fillRef>
+          <a:effectRef idx="0">
+            <a:schemeClr val="accent1"/>
+          </a:effectRef>
+          <a:fontRef idx="minor">
+            <a:schemeClr val="lt1"/>
+          </a:fontRef>
+        </p:style>
+        <p:txBody>
+          <a:bodyPr wrap="none" rtlCol="0" anchor="ctr"/>
+          <a:lstStyle/>
+          <a:p>
+            <a:pPr algn="ctr"/>
+            <a:endParaRPr lang="ko-KR" altLang="en-US" sz="850" dirty="0">
+              <a:solidFill>
+                <a:srgbClr val="000000"/>
+              </a:solidFill>
+              <a:latin typeface="Segoe UI" panose="020B0502040204020203" pitchFamily="34" charset="0"/>
+              <a:cs typeface="Segoe UI" panose="020B0502040204020203" pitchFamily="34" charset="0"/>
+            </a:endParaRPr>
+          </a:p>
+        </p:txBody>
+      </p:sp>
+      <p:grpSp>
+        <p:nvGrpSpPr>
+          <p:cNvPr id="5" name="그룹 4">
+            <a:extLst>
+              <a:ext uri="{FF2B5EF4-FFF2-40B4-BE49-F238E27FC236}">
+                <a16:creationId xmlns:a16="http://schemas.microsoft.com/office/drawing/2014/main" id="{57368A2E-D8A2-4923-BDFF-A1B93B050BAD}"/>
+              </a:ext>
+            </a:extLst>
+          </p:cNvPr>
+          <p:cNvGrpSpPr/>
+          <p:nvPr/>
+        </p:nvGrpSpPr>
+        <p:grpSpPr>
+          <a:xfrm>
+            <a:off x="251520" y="329038"/>
+            <a:ext cx="2232248" cy="2211855"/>
+            <a:chOff x="251520" y="329038"/>
+            <a:chExt cx="2232248" cy="2211855"/>
+          </a:xfrm>
+        </p:grpSpPr>
+        <p:sp>
+          <p:nvSpPr>
+            <p:cNvPr id="10" name="제목 3">
+              <a:extLst>
+                <a:ext uri="{FF2B5EF4-FFF2-40B4-BE49-F238E27FC236}">
+                  <a16:creationId xmlns:a16="http://schemas.microsoft.com/office/drawing/2014/main" id="{2841AD46-FDD1-4E54-A976-41B6CC30CFA3}"/>
+                </a:ext>
+              </a:extLst>
+            </p:cNvPr>
+            <p:cNvSpPr txBox="1">
+              <a:spLocks/>
+            </p:cNvSpPr>
+            <p:nvPr/>
+          </p:nvSpPr>
+          <p:spPr>
+            <a:xfrm>
+              <a:off x="539552" y="1964829"/>
+              <a:ext cx="1944216" cy="576064"/>
+            </a:xfrm>
+            <a:prstGeom prst="rect">
+              <a:avLst/>
+            </a:prstGeom>
+          </p:spPr>
+          <p:txBody>
+            <a:bodyPr vert="horz" lIns="91440" tIns="45720" rIns="91440" bIns="45720" rtlCol="0" anchor="ctr">
+              <a:noAutofit/>
+            </a:bodyPr>
+            <a:lstStyle>
+              <a:lvl1pPr algn="ctr" defTabSz="914400" rtl="0" eaLnBrk="1" latinLnBrk="1" hangingPunct="1">
+                <a:spcBef>
+                  <a:spcPct val="0"/>
+                </a:spcBef>
+                <a:buNone/>
+                <a:defRPr sz="4400" kern="1200">
+                  <a:solidFill>
+                    <a:schemeClr val="tx1"/>
+                  </a:solidFill>
+                  <a:latin typeface="+mj-lt"/>
+                  <a:ea typeface="+mj-ea"/>
+                  <a:cs typeface="+mj-cs"/>
+                </a:defRPr>
+              </a:lvl1pPr>
+            </a:lstStyle>
+            <a:p>
+              <a:pPr algn="just"/>
+              <a:r>
+                <a:rPr lang="ko-KR" altLang="en-US" sz="2800" dirty="0">
+                  <a:solidFill>
+                    <a:schemeClr val="tx1">
+                      <a:lumMod val="50000"/>
+                      <a:lumOff val="50000"/>
+                    </a:schemeClr>
+                  </a:solidFill>
+                  <a:latin typeface="G마켓 산스 Bold" panose="02000000000000000000" pitchFamily="50" charset="-127"/>
+                  <a:ea typeface="G마켓 산스 Bold" panose="02000000000000000000" pitchFamily="50" charset="-127"/>
+                </a:rPr>
+                <a:t>개발환경</a:t>
+              </a:r>
+              <a:endParaRPr lang="en-US" altLang="ko-KR" sz="2800" dirty="0">
+                <a:solidFill>
+                  <a:schemeClr val="tx1">
+                    <a:lumMod val="50000"/>
+                    <a:lumOff val="50000"/>
+                  </a:schemeClr>
+                </a:solidFill>
+                <a:latin typeface="G마켓 산스 Bold" panose="02000000000000000000" pitchFamily="50" charset="-127"/>
+                <a:ea typeface="G마켓 산스 Bold" panose="02000000000000000000" pitchFamily="50" charset="-127"/>
+              </a:endParaRPr>
+            </a:p>
+          </p:txBody>
+        </p:sp>
+        <p:pic>
+          <p:nvPicPr>
+            <p:cNvPr id="11" name="그림 10" descr="화살이(가) 표시된 사진&#10;&#10;자동 생성된 설명">
+              <a:extLst>
+                <a:ext uri="{FF2B5EF4-FFF2-40B4-BE49-F238E27FC236}">
+                  <a16:creationId xmlns:a16="http://schemas.microsoft.com/office/drawing/2014/main" id="{4982CB01-2553-4558-A83C-5978B2C4A52A}"/>
+                </a:ext>
+              </a:extLst>
+            </p:cNvPr>
+            <p:cNvPicPr>
+              <a:picLocks noChangeAspect="1"/>
+            </p:cNvPicPr>
+            <p:nvPr/>
+          </p:nvPicPr>
+          <p:blipFill>
+            <a:blip r:embed="rId2">
+              <a:duotone>
+                <a:prstClr val="black"/>
+                <a:schemeClr val="accent1">
+                  <a:tint val="45000"/>
+                  <a:satMod val="400000"/>
+                </a:schemeClr>
+              </a:duotone>
+              <a:extLst>
+                <a:ext uri="{BEBA8EAE-BF5A-486C-A8C5-ECC9F3942E4B}">
+                  <a14:imgProps xmlns:a14="http://schemas.microsoft.com/office/drawing/2010/main">
+                    <a14:imgLayer r:embed="rId3">
+                      <a14:imgEffect>
+                        <a14:sharpenSoften amount="100000"/>
+                      </a14:imgEffect>
+                      <a14:imgEffect>
+                        <a14:colorTemperature colorTemp="11500"/>
+                      </a14:imgEffect>
+                      <a14:imgEffect>
+                        <a14:saturation sat="400000"/>
+                      </a14:imgEffect>
+                      <a14:imgEffect>
+                        <a14:brightnessContrast bright="100000"/>
+                      </a14:imgEffect>
+                    </a14:imgLayer>
+                  </a14:imgProps>
+                </a:ext>
+                <a:ext uri="{28A0092B-C50C-407E-A947-70E740481C1C}">
+                  <a14:useLocalDpi xmlns:a14="http://schemas.microsoft.com/office/drawing/2010/main" val="0"/>
+                </a:ext>
+              </a:extLst>
+            </a:blip>
+            <a:stretch>
+              <a:fillRect/>
+            </a:stretch>
+          </p:blipFill>
+          <p:spPr>
+            <a:xfrm>
+              <a:off x="251520" y="329038"/>
+              <a:ext cx="1520350" cy="1520350"/>
+            </a:xfrm>
+            <a:prstGeom prst="rect">
+              <a:avLst/>
+            </a:prstGeom>
+            <a:noFill/>
+            <a:effectLst>
+              <a:outerShdw blurRad="50800" dist="38100" dir="2700000" algn="tl" rotWithShape="0">
+                <a:prstClr val="black">
+                  <a:alpha val="40000"/>
+                </a:prstClr>
+              </a:outerShdw>
+            </a:effectLst>
+          </p:spPr>
+        </p:pic>
+      </p:grpSp>
+      <p:grpSp>
+        <p:nvGrpSpPr>
+          <p:cNvPr id="3" name="그룹 2">
+            <a:extLst>
+              <a:ext uri="{FF2B5EF4-FFF2-40B4-BE49-F238E27FC236}">
+                <a16:creationId xmlns:a16="http://schemas.microsoft.com/office/drawing/2014/main" id="{5B749DC9-AF8C-4C62-9BDD-2F46B92BBC8B}"/>
+              </a:ext>
+            </a:extLst>
+          </p:cNvPr>
+          <p:cNvGrpSpPr/>
+          <p:nvPr/>
+        </p:nvGrpSpPr>
+        <p:grpSpPr>
+          <a:xfrm>
+            <a:off x="2123116" y="872553"/>
+            <a:ext cx="6582960" cy="3969893"/>
+            <a:chOff x="2123116" y="872553"/>
+            <a:chExt cx="6582960" cy="3969893"/>
+          </a:xfrm>
+        </p:grpSpPr>
+        <p:pic>
+          <p:nvPicPr>
+            <p:cNvPr id="27" name="Picture 2">
+              <a:extLst>
+                <a:ext uri="{FF2B5EF4-FFF2-40B4-BE49-F238E27FC236}">
+                  <a16:creationId xmlns:a16="http://schemas.microsoft.com/office/drawing/2014/main" id="{6ECC61C5-4D20-4B3B-9405-8DA115B8BDB8}"/>
+                </a:ext>
+              </a:extLst>
+            </p:cNvPr>
+            <p:cNvPicPr>
+              <a:picLocks noChangeAspect="1" noChangeArrowheads="1"/>
+            </p:cNvPicPr>
+            <p:nvPr/>
+          </p:nvPicPr>
+          <p:blipFill>
+            <a:blip r:embed="rId4">
+              <a:extLst>
+                <a:ext uri="{28A0092B-C50C-407E-A947-70E740481C1C}">
+                  <a14:useLocalDpi xmlns:a14="http://schemas.microsoft.com/office/drawing/2010/main" val="0"/>
+                </a:ext>
+              </a:extLst>
+            </a:blip>
+            <a:srcRect/>
+            <a:stretch>
+              <a:fillRect/>
+            </a:stretch>
+          </p:blipFill>
+          <p:spPr bwMode="auto">
+            <a:xfrm>
+              <a:off x="6294691" y="4106416"/>
+              <a:ext cx="2411385" cy="606291"/>
+            </a:xfrm>
+            <a:prstGeom prst="rect">
+              <a:avLst/>
+            </a:prstGeom>
+            <a:noFill/>
+            <a:extLst>
+              <a:ext uri="{909E8E84-426E-40DD-AFC4-6F175D3DCCD1}">
+                <a14:hiddenFill xmlns:a14="http://schemas.microsoft.com/office/drawing/2010/main">
+                  <a:solidFill>
+                    <a:srgbClr val="FFFFFF"/>
+                  </a:solidFill>
+                </a14:hiddenFill>
+              </a:ext>
+            </a:extLst>
+          </p:spPr>
+        </p:pic>
+        <p:pic>
+          <p:nvPicPr>
+            <p:cNvPr id="29" name="Picture 4">
+              <a:extLst>
+                <a:ext uri="{FF2B5EF4-FFF2-40B4-BE49-F238E27FC236}">
+                  <a16:creationId xmlns:a16="http://schemas.microsoft.com/office/drawing/2014/main" id="{07E1B2D6-DF04-4606-9086-00F746FED458}"/>
+                </a:ext>
+              </a:extLst>
+            </p:cNvPr>
+            <p:cNvPicPr>
+              <a:picLocks noChangeAspect="1" noChangeArrowheads="1"/>
+            </p:cNvPicPr>
+            <p:nvPr/>
+          </p:nvPicPr>
+          <p:blipFill>
+            <a:blip r:embed="rId5">
+              <a:extLst>
+                <a:ext uri="{28A0092B-C50C-407E-A947-70E740481C1C}">
+                  <a14:useLocalDpi xmlns:a14="http://schemas.microsoft.com/office/drawing/2010/main" val="0"/>
+                </a:ext>
+              </a:extLst>
+            </a:blip>
+            <a:srcRect/>
+            <a:stretch>
+              <a:fillRect/>
+            </a:stretch>
+          </p:blipFill>
+          <p:spPr bwMode="auto">
+            <a:xfrm>
+              <a:off x="2143446" y="4158501"/>
+              <a:ext cx="963303" cy="683945"/>
+            </a:xfrm>
+            <a:prstGeom prst="rect">
+              <a:avLst/>
+            </a:prstGeom>
+            <a:noFill/>
+            <a:extLst>
+              <a:ext uri="{909E8E84-426E-40DD-AFC4-6F175D3DCCD1}">
+                <a14:hiddenFill xmlns:a14="http://schemas.microsoft.com/office/drawing/2010/main">
+                  <a:solidFill>
+                    <a:srgbClr val="FFFFFF"/>
+                  </a:solidFill>
+                </a14:hiddenFill>
+              </a:ext>
+            </a:extLst>
+          </p:spPr>
+        </p:pic>
+        <p:pic>
+          <p:nvPicPr>
+            <p:cNvPr id="31" name="그림 30">
+              <a:extLst>
+                <a:ext uri="{FF2B5EF4-FFF2-40B4-BE49-F238E27FC236}">
+                  <a16:creationId xmlns:a16="http://schemas.microsoft.com/office/drawing/2014/main" id="{A109BD34-FD09-4FDB-B93E-A896D1F09574}"/>
+                </a:ext>
+              </a:extLst>
+            </p:cNvPr>
+            <p:cNvPicPr>
+              <a:picLocks noChangeAspect="1"/>
+            </p:cNvPicPr>
+            <p:nvPr/>
+          </p:nvPicPr>
+          <p:blipFill>
+            <a:blip r:embed="rId6"/>
+            <a:stretch>
+              <a:fillRect/>
+            </a:stretch>
+          </p:blipFill>
+          <p:spPr>
+            <a:xfrm>
+              <a:off x="2166165" y="1941695"/>
+              <a:ext cx="960253" cy="1064562"/>
+            </a:xfrm>
+            <a:prstGeom prst="rect">
+              <a:avLst/>
+            </a:prstGeom>
+          </p:spPr>
+        </p:pic>
+        <p:pic>
+          <p:nvPicPr>
+            <p:cNvPr id="46" name="Picture 18">
+              <a:extLst>
+                <a:ext uri="{FF2B5EF4-FFF2-40B4-BE49-F238E27FC236}">
+                  <a16:creationId xmlns:a16="http://schemas.microsoft.com/office/drawing/2014/main" id="{E921DCFD-2216-4688-AB47-D76AC6956468}"/>
+                </a:ext>
+              </a:extLst>
+            </p:cNvPr>
+            <p:cNvPicPr>
+              <a:picLocks noChangeAspect="1" noChangeArrowheads="1"/>
+            </p:cNvPicPr>
+            <p:nvPr/>
+          </p:nvPicPr>
+          <p:blipFill>
+            <a:blip r:embed="rId7" cstate="print">
+              <a:extLst>
+                <a:ext uri="{28A0092B-C50C-407E-A947-70E740481C1C}">
+                  <a14:useLocalDpi xmlns:a14="http://schemas.microsoft.com/office/drawing/2010/main" val="0"/>
+                </a:ext>
+              </a:extLst>
+            </a:blip>
+            <a:srcRect/>
+            <a:stretch>
+              <a:fillRect/>
+            </a:stretch>
+          </p:blipFill>
+          <p:spPr bwMode="auto">
+            <a:xfrm>
+              <a:off x="4023069" y="2248445"/>
+              <a:ext cx="1397768" cy="873605"/>
+            </a:xfrm>
+            <a:prstGeom prst="rect">
+              <a:avLst/>
+            </a:prstGeom>
+            <a:noFill/>
+            <a:extLst>
+              <a:ext uri="{909E8E84-426E-40DD-AFC4-6F175D3DCCD1}">
+                <a14:hiddenFill xmlns:a14="http://schemas.microsoft.com/office/drawing/2010/main">
+                  <a:solidFill>
+                    <a:srgbClr val="FFFFFF"/>
+                  </a:solidFill>
+                </a14:hiddenFill>
+              </a:ext>
+            </a:extLst>
+          </p:spPr>
+        </p:pic>
+        <p:pic>
+          <p:nvPicPr>
+            <p:cNvPr id="47" name="Picture 20" descr="mysql logo">
+              <a:extLst>
+                <a:ext uri="{FF2B5EF4-FFF2-40B4-BE49-F238E27FC236}">
+                  <a16:creationId xmlns:a16="http://schemas.microsoft.com/office/drawing/2014/main" id="{7D36F699-5BB5-4B42-9033-78D2458BE745}"/>
+                </a:ext>
+              </a:extLst>
+            </p:cNvPr>
+            <p:cNvPicPr>
+              <a:picLocks noChangeAspect="1" noChangeArrowheads="1"/>
+            </p:cNvPicPr>
+            <p:nvPr/>
+          </p:nvPicPr>
+          <p:blipFill>
+            <a:blip r:embed="rId8" cstate="print">
+              <a:extLst>
+                <a:ext uri="{28A0092B-C50C-407E-A947-70E740481C1C}">
+                  <a14:useLocalDpi xmlns:a14="http://schemas.microsoft.com/office/drawing/2010/main" val="0"/>
+                </a:ext>
+              </a:extLst>
+            </a:blip>
+            <a:srcRect/>
+            <a:stretch>
+              <a:fillRect/>
+            </a:stretch>
+          </p:blipFill>
+          <p:spPr bwMode="auto">
+            <a:xfrm>
+              <a:off x="4239950" y="1149486"/>
+              <a:ext cx="1346463" cy="949709"/>
+            </a:xfrm>
+            <a:prstGeom prst="trapezoid">
+              <a:avLst/>
+            </a:prstGeom>
+            <a:noFill/>
+            <a:extLst>
+              <a:ext uri="{909E8E84-426E-40DD-AFC4-6F175D3DCCD1}">
+                <a14:hiddenFill xmlns:a14="http://schemas.microsoft.com/office/drawing/2010/main">
+                  <a:solidFill>
+                    <a:srgbClr val="FFFFFF"/>
+                  </a:solidFill>
+                </a14:hiddenFill>
+              </a:ext>
+            </a:extLst>
+          </p:spPr>
+        </p:pic>
+        <p:pic>
+          <p:nvPicPr>
+            <p:cNvPr id="48" name="Picture 22" descr="default">
+              <a:extLst>
+                <a:ext uri="{FF2B5EF4-FFF2-40B4-BE49-F238E27FC236}">
+                  <a16:creationId xmlns:a16="http://schemas.microsoft.com/office/drawing/2014/main" id="{3643BB60-9A84-4369-87B3-37B17692D342}"/>
+                </a:ext>
+              </a:extLst>
+            </p:cNvPr>
+            <p:cNvPicPr>
+              <a:picLocks noChangeAspect="1" noChangeArrowheads="1"/>
+            </p:cNvPicPr>
+            <p:nvPr/>
+          </p:nvPicPr>
+          <p:blipFill>
+            <a:blip r:embed="rId9" cstate="print">
+              <a:extLst>
+                <a:ext uri="{28A0092B-C50C-407E-A947-70E740481C1C}">
+                  <a14:useLocalDpi xmlns:a14="http://schemas.microsoft.com/office/drawing/2010/main" val="0"/>
+                </a:ext>
+              </a:extLst>
+            </a:blip>
+            <a:srcRect/>
+            <a:stretch>
+              <a:fillRect/>
+            </a:stretch>
+          </p:blipFill>
+          <p:spPr bwMode="auto">
+            <a:xfrm>
+              <a:off x="5947795" y="1814667"/>
+              <a:ext cx="2485520" cy="1378256"/>
+            </a:xfrm>
+            <a:prstGeom prst="rect">
+              <a:avLst/>
+            </a:prstGeom>
+            <a:noFill/>
+            <a:extLst>
+              <a:ext uri="{909E8E84-426E-40DD-AFC4-6F175D3DCCD1}">
+                <a14:hiddenFill xmlns:a14="http://schemas.microsoft.com/office/drawing/2010/main">
+                  <a:solidFill>
+                    <a:srgbClr val="FFFFFF"/>
+                  </a:solidFill>
+                </a14:hiddenFill>
+              </a:ext>
+            </a:extLst>
+          </p:spPr>
+        </p:pic>
+        <p:pic>
+          <p:nvPicPr>
+            <p:cNvPr id="49" name="Picture 24" descr="jquery logo">
+              <a:extLst>
+                <a:ext uri="{FF2B5EF4-FFF2-40B4-BE49-F238E27FC236}">
+                  <a16:creationId xmlns:a16="http://schemas.microsoft.com/office/drawing/2014/main" id="{C79164A7-EDD1-47D8-8F93-104689F422E6}"/>
+                </a:ext>
+              </a:extLst>
+            </p:cNvPr>
+            <p:cNvPicPr>
+              <a:picLocks noChangeAspect="1" noChangeArrowheads="1"/>
+            </p:cNvPicPr>
+            <p:nvPr/>
+          </p:nvPicPr>
+          <p:blipFill>
+            <a:blip r:embed="rId10" cstate="print">
+              <a:extLst>
+                <a:ext uri="{28A0092B-C50C-407E-A947-70E740481C1C}">
+                  <a14:useLocalDpi xmlns:a14="http://schemas.microsoft.com/office/drawing/2010/main" val="0"/>
+                </a:ext>
+              </a:extLst>
+            </a:blip>
+            <a:srcRect/>
+            <a:stretch>
+              <a:fillRect/>
+            </a:stretch>
+          </p:blipFill>
+          <p:spPr bwMode="auto">
+            <a:xfrm>
+              <a:off x="7108943" y="965895"/>
+              <a:ext cx="1362831" cy="743405"/>
+            </a:xfrm>
+            <a:prstGeom prst="rect">
+              <a:avLst/>
+            </a:prstGeom>
+            <a:noFill/>
+            <a:extLst>
+              <a:ext uri="{909E8E84-426E-40DD-AFC4-6F175D3DCCD1}">
+                <a14:hiddenFill xmlns:a14="http://schemas.microsoft.com/office/drawing/2010/main">
+                  <a:solidFill>
+                    <a:srgbClr val="FFFFFF"/>
+                  </a:solidFill>
+                </a14:hiddenFill>
+              </a:ext>
+            </a:extLst>
+          </p:spPr>
+        </p:pic>
+        <p:pic>
+          <p:nvPicPr>
+            <p:cNvPr id="50" name="Picture 26" descr="post-thumbnail">
+              <a:extLst>
+                <a:ext uri="{FF2B5EF4-FFF2-40B4-BE49-F238E27FC236}">
+                  <a16:creationId xmlns:a16="http://schemas.microsoft.com/office/drawing/2014/main" id="{8FA5F36D-5ABB-4072-9818-460511BF6551}"/>
+                </a:ext>
+              </a:extLst>
+            </p:cNvPr>
+            <p:cNvPicPr>
+              <a:picLocks noChangeAspect="1" noChangeArrowheads="1"/>
+            </p:cNvPicPr>
+            <p:nvPr/>
+          </p:nvPicPr>
+          <p:blipFill rotWithShape="1">
+            <a:blip r:embed="rId11" cstate="print">
+              <a:extLst>
+                <a:ext uri="{BEBA8EAE-BF5A-486C-A8C5-ECC9F3942E4B}">
+                  <a14:imgProps xmlns:a14="http://schemas.microsoft.com/office/drawing/2010/main">
+                    <a14:imgLayer r:embed="rId12">
+                      <a14:imgEffect>
+                        <a14:backgroundRemoval t="6804" b="89953" l="9968" r="89992">
+                          <a14:foregroundMark x1="51543" y1="6804" x2="51543" y2="6804"/>
+                          <a14:foregroundMark x1="55775" y1="82358" x2="55775" y2="82358"/>
+                          <a14:foregroundMark x1="44106" y1="79747" x2="44106" y2="79747"/>
+                          <a14:foregroundMark x1="60364" y1="87263" x2="60364" y2="87263"/>
+                          <a14:foregroundMark x1="71044" y1="80222" x2="71044" y2="80222"/>
+                          <a14:foregroundMark x1="38133" y1="81171" x2="38133" y2="81171"/>
+                          <a14:foregroundMark x1="38805" y1="73180" x2="38805" y2="73180"/>
+                          <a14:foregroundMark x1="32714" y1="71519" x2="32714" y2="71519"/>
+                        </a14:backgroundRemoval>
+                      </a14:imgEffect>
+                    </a14:imgLayer>
+                  </a14:imgProps>
+                </a:ext>
+                <a:ext uri="{28A0092B-C50C-407E-A947-70E740481C1C}">
+                  <a14:useLocalDpi xmlns:a14="http://schemas.microsoft.com/office/drawing/2010/main" val="0"/>
+                </a:ext>
+              </a:extLst>
+            </a:blip>
+            <a:srcRect l="21421" r="19287"/>
+            <a:stretch/>
+          </p:blipFill>
+          <p:spPr bwMode="auto">
+            <a:xfrm>
+              <a:off x="3061369" y="2792728"/>
+              <a:ext cx="1208461" cy="1019082"/>
+            </a:xfrm>
+            <a:prstGeom prst="rect">
+              <a:avLst/>
+            </a:prstGeom>
+            <a:noFill/>
+            <a:extLst>
+              <a:ext uri="{909E8E84-426E-40DD-AFC4-6F175D3DCCD1}">
+                <a14:hiddenFill xmlns:a14="http://schemas.microsoft.com/office/drawing/2010/main">
+                  <a:solidFill>
+                    <a:srgbClr val="FFFFFF"/>
+                  </a:solidFill>
+                </a14:hiddenFill>
+              </a:ext>
+            </a:extLst>
+          </p:spPr>
+        </p:pic>
+        <p:pic>
+          <p:nvPicPr>
+            <p:cNvPr id="51" name="Picture 28" descr="윈도우10 단축키">
+              <a:extLst>
+                <a:ext uri="{FF2B5EF4-FFF2-40B4-BE49-F238E27FC236}">
+                  <a16:creationId xmlns:a16="http://schemas.microsoft.com/office/drawing/2014/main" id="{F72567ED-08E7-47A4-A1DB-75AE9BB77A55}"/>
+                </a:ext>
+              </a:extLst>
+            </p:cNvPr>
+            <p:cNvPicPr>
+              <a:picLocks noChangeAspect="1" noChangeArrowheads="1"/>
+            </p:cNvPicPr>
+            <p:nvPr/>
+          </p:nvPicPr>
+          <p:blipFill rotWithShape="1">
+            <a:blip r:embed="rId13" cstate="print">
+              <a:extLst>
+                <a:ext uri="{28A0092B-C50C-407E-A947-70E740481C1C}">
+                  <a14:useLocalDpi xmlns:a14="http://schemas.microsoft.com/office/drawing/2010/main" val="0"/>
+                </a:ext>
+              </a:extLst>
+            </a:blip>
+            <a:srcRect l="24533" r="21094"/>
+            <a:stretch/>
+          </p:blipFill>
+          <p:spPr bwMode="auto">
+            <a:xfrm>
+              <a:off x="5030758" y="3112343"/>
+              <a:ext cx="923483" cy="938244"/>
+            </a:xfrm>
+            <a:prstGeom prst="rect">
+              <a:avLst/>
+            </a:prstGeom>
+            <a:noFill/>
+            <a:extLst>
+              <a:ext uri="{909E8E84-426E-40DD-AFC4-6F175D3DCCD1}">
+                <a14:hiddenFill xmlns:a14="http://schemas.microsoft.com/office/drawing/2010/main">
+                  <a:solidFill>
+                    <a:srgbClr val="FFFFFF"/>
+                  </a:solidFill>
+                </a14:hiddenFill>
+              </a:ext>
+            </a:extLst>
+          </p:spPr>
+        </p:pic>
+        <p:pic>
+          <p:nvPicPr>
+            <p:cNvPr id="52" name="Picture 30">
+              <a:extLst>
+                <a:ext uri="{FF2B5EF4-FFF2-40B4-BE49-F238E27FC236}">
+                  <a16:creationId xmlns:a16="http://schemas.microsoft.com/office/drawing/2014/main" id="{258D7325-168F-4FD5-A0C5-8FD3C138AAE0}"/>
+                </a:ext>
+              </a:extLst>
+            </p:cNvPr>
+            <p:cNvPicPr>
+              <a:picLocks noChangeAspect="1" noChangeArrowheads="1"/>
+            </p:cNvPicPr>
+            <p:nvPr/>
+          </p:nvPicPr>
+          <p:blipFill rotWithShape="1">
+            <a:blip r:embed="rId14" cstate="print">
+              <a:extLst>
+                <a:ext uri="{BEBA8EAE-BF5A-486C-A8C5-ECC9F3942E4B}">
+                  <a14:imgProps xmlns:a14="http://schemas.microsoft.com/office/drawing/2010/main">
+                    <a14:imgLayer r:embed="rId15">
+                      <a14:imgEffect>
+                        <a14:backgroundRemoval t="10000" b="90000" l="10000" r="90000">
+                          <a14:foregroundMark x1="42767" y1="46078" x2="42767" y2="46078"/>
+                          <a14:foregroundMark x1="50000" y1="49510" x2="50000" y2="49510"/>
+                          <a14:foregroundMark x1="53302" y1="51961" x2="53302" y2="51961"/>
+                          <a14:foregroundMark x1="52673" y1="52451" x2="52673" y2="52451"/>
+                          <a14:foregroundMark x1="50314" y1="57353" x2="50314" y2="57353"/>
+                          <a14:foregroundMark x1="51415" y1="60784" x2="51415" y2="60784"/>
+                          <a14:foregroundMark x1="53459" y1="49020" x2="54717" y2="44608"/>
+                          <a14:foregroundMark x1="51572" y1="60784" x2="50314" y2="65196"/>
+                          <a14:foregroundMark x1="50786" y1="58824" x2="51572" y2="65686"/>
+                          <a14:foregroundMark x1="51415" y1="59804" x2="50472" y2="67647"/>
+                          <a14:foregroundMark x1="56604" y1="52941" x2="56604" y2="52941"/>
+                          <a14:foregroundMark x1="64937" y1="52451" x2="64937" y2="52451"/>
+                          <a14:foregroundMark x1="50943" y1="60784" x2="50472" y2="61765"/>
+                          <a14:foregroundMark x1="72799" y1="42647" x2="71069" y2="42647"/>
+                          <a14:foregroundMark x1="70755" y1="44118" x2="70126" y2="42647"/>
+                          <a14:foregroundMark x1="72327" y1="46078" x2="69969" y2="44608"/>
+                          <a14:foregroundMark x1="71541" y1="44608" x2="71541" y2="44608"/>
+                          <a14:foregroundMark x1="69811" y1="43137" x2="69811" y2="43137"/>
+                          <a14:foregroundMark x1="70283" y1="43137" x2="70283" y2="43137"/>
+                        </a14:backgroundRemoval>
+                      </a14:imgEffect>
+                    </a14:imgLayer>
+                  </a14:imgProps>
+                </a:ext>
+                <a:ext uri="{28A0092B-C50C-407E-A947-70E740481C1C}">
+                  <a14:useLocalDpi xmlns:a14="http://schemas.microsoft.com/office/drawing/2010/main" val="0"/>
+                </a:ext>
+              </a:extLst>
+            </a:blip>
+            <a:srcRect l="24960" t="31152" r="25120" b="29940"/>
+            <a:stretch/>
+          </p:blipFill>
+          <p:spPr bwMode="auto">
+            <a:xfrm>
+              <a:off x="2123116" y="3856386"/>
+              <a:ext cx="1208460" cy="302115"/>
+            </a:xfrm>
+            <a:prstGeom prst="rect">
+              <a:avLst/>
+            </a:prstGeom>
+            <a:noFill/>
+            <a:extLst>
+              <a:ext uri="{909E8E84-426E-40DD-AFC4-6F175D3DCCD1}">
+                <a14:hiddenFill xmlns:a14="http://schemas.microsoft.com/office/drawing/2010/main">
+                  <a:solidFill>
+                    <a:srgbClr val="FFFFFF"/>
+                  </a:solidFill>
+                </a14:hiddenFill>
+              </a:ext>
+            </a:extLst>
+          </p:spPr>
+        </p:pic>
+        <p:pic>
+          <p:nvPicPr>
+            <p:cNvPr id="53" name="그림 52">
+              <a:extLst>
+                <a:ext uri="{FF2B5EF4-FFF2-40B4-BE49-F238E27FC236}">
+                  <a16:creationId xmlns:a16="http://schemas.microsoft.com/office/drawing/2014/main" id="{41648569-1CBF-4EFE-BBE4-4646E6C3221C}"/>
+                </a:ext>
+              </a:extLst>
+            </p:cNvPr>
+            <p:cNvPicPr>
+              <a:picLocks noChangeAspect="1"/>
+            </p:cNvPicPr>
+            <p:nvPr/>
+          </p:nvPicPr>
+          <p:blipFill>
+            <a:blip r:embed="rId16"/>
+            <a:stretch>
+              <a:fillRect/>
+            </a:stretch>
+          </p:blipFill>
+          <p:spPr>
+            <a:xfrm>
+              <a:off x="5683291" y="1041491"/>
+              <a:ext cx="714127" cy="824647"/>
+            </a:xfrm>
+            <a:prstGeom prst="rect">
+              <a:avLst/>
+            </a:prstGeom>
+          </p:spPr>
+        </p:pic>
+        <p:pic>
+          <p:nvPicPr>
+            <p:cNvPr id="54" name="Picture 32">
+              <a:extLst>
+                <a:ext uri="{FF2B5EF4-FFF2-40B4-BE49-F238E27FC236}">
+                  <a16:creationId xmlns:a16="http://schemas.microsoft.com/office/drawing/2014/main" id="{57C80BD8-1A1E-4557-8355-2B39208D76AF}"/>
+                </a:ext>
+              </a:extLst>
+            </p:cNvPr>
+            <p:cNvPicPr>
+              <a:picLocks noChangeAspect="1" noChangeArrowheads="1"/>
+            </p:cNvPicPr>
+            <p:nvPr/>
+          </p:nvPicPr>
+          <p:blipFill>
+            <a:blip r:embed="rId17">
+              <a:extLst>
+                <a:ext uri="{28A0092B-C50C-407E-A947-70E740481C1C}">
+                  <a14:useLocalDpi xmlns:a14="http://schemas.microsoft.com/office/drawing/2010/main" val="0"/>
+                </a:ext>
+              </a:extLst>
+            </a:blip>
+            <a:srcRect/>
+            <a:stretch>
+              <a:fillRect/>
+            </a:stretch>
+          </p:blipFill>
+          <p:spPr bwMode="auto">
+            <a:xfrm>
+              <a:off x="6715169" y="3088194"/>
+              <a:ext cx="957218" cy="962393"/>
+            </a:xfrm>
+            <a:prstGeom prst="rect">
+              <a:avLst/>
+            </a:prstGeom>
+            <a:noFill/>
+            <a:extLst>
+              <a:ext uri="{909E8E84-426E-40DD-AFC4-6F175D3DCCD1}">
+                <a14:hiddenFill xmlns:a14="http://schemas.microsoft.com/office/drawing/2010/main">
+                  <a:solidFill>
+                    <a:srgbClr val="FFFFFF"/>
+                  </a:solidFill>
+                </a14:hiddenFill>
+              </a:ext>
+            </a:extLst>
+          </p:spPr>
+        </p:pic>
+        <p:pic>
+          <p:nvPicPr>
+            <p:cNvPr id="55" name="Picture 34" descr="post-thumbnail">
+              <a:extLst>
+                <a:ext uri="{FF2B5EF4-FFF2-40B4-BE49-F238E27FC236}">
+                  <a16:creationId xmlns:a16="http://schemas.microsoft.com/office/drawing/2014/main" id="{F8F377D7-13B5-4AE7-9CE4-F492EE9C5C11}"/>
+                </a:ext>
+              </a:extLst>
+            </p:cNvPr>
+            <p:cNvPicPr>
+              <a:picLocks noChangeAspect="1" noChangeArrowheads="1"/>
+            </p:cNvPicPr>
+            <p:nvPr/>
+          </p:nvPicPr>
+          <p:blipFill rotWithShape="1">
+            <a:blip r:embed="rId18" cstate="print">
+              <a:extLst>
+                <a:ext uri="{BEBA8EAE-BF5A-486C-A8C5-ECC9F3942E4B}">
+                  <a14:imgProps xmlns:a14="http://schemas.microsoft.com/office/drawing/2010/main">
+                    <a14:imgLayer r:embed="rId19">
+                      <a14:imgEffect>
+                        <a14:backgroundRemoval t="10000" b="90000" l="10000" r="90000">
+                          <a14:foregroundMark x1="40078" y1="47500" x2="40078" y2="47500"/>
+                          <a14:foregroundMark x1="32422" y1="40417" x2="32422" y2="40417"/>
+                          <a14:foregroundMark x1="46719" y1="47917" x2="46719" y2="47917"/>
+                          <a14:foregroundMark x1="55937" y1="47778" x2="55937" y2="47778"/>
+                          <a14:foregroundMark x1="61172" y1="46528" x2="61172" y2="46528"/>
+                          <a14:foregroundMark x1="61172" y1="41111" x2="61172" y2="41111"/>
+                          <a14:foregroundMark x1="64453" y1="47917" x2="64453" y2="47917"/>
+                          <a14:foregroundMark x1="72109" y1="47917" x2="72109" y2="47917"/>
+                          <a14:foregroundMark x1="50547" y1="71389" x2="50547" y2="71389"/>
+                          <a14:foregroundMark x1="52734" y1="71389" x2="52734" y2="71389"/>
+                          <a14:foregroundMark x1="57188" y1="70972" x2="57188" y2="70972"/>
+                          <a14:foregroundMark x1="61406" y1="70556" x2="61406" y2="70556"/>
+                          <a14:foregroundMark x1="65469" y1="70972" x2="65469" y2="70972"/>
+                          <a14:foregroundMark x1="73438" y1="70556" x2="73438" y2="70556"/>
+                        </a14:backgroundRemoval>
+                      </a14:imgEffect>
+                    </a14:imgLayer>
+                  </a14:imgProps>
+                </a:ext>
+                <a:ext uri="{28A0092B-C50C-407E-A947-70E740481C1C}">
+                  <a14:useLocalDpi xmlns:a14="http://schemas.microsoft.com/office/drawing/2010/main" val="0"/>
+                </a:ext>
+              </a:extLst>
+            </a:blip>
+            <a:srcRect l="16007" t="36293" r="18956" b="23886"/>
+            <a:stretch/>
+          </p:blipFill>
+          <p:spPr bwMode="auto">
+            <a:xfrm>
+              <a:off x="3780674" y="4137317"/>
+              <a:ext cx="1764515" cy="607724"/>
+            </a:xfrm>
+            <a:prstGeom prst="rect">
+              <a:avLst/>
+            </a:prstGeom>
+            <a:noFill/>
+            <a:extLst>
+              <a:ext uri="{909E8E84-426E-40DD-AFC4-6F175D3DCCD1}">
+                <a14:hiddenFill xmlns:a14="http://schemas.microsoft.com/office/drawing/2010/main">
+                  <a:solidFill>
+                    <a:srgbClr val="FFFFFF"/>
+                  </a:solidFill>
+                </a14:hiddenFill>
+              </a:ext>
+            </a:extLst>
+          </p:spPr>
+        </p:pic>
+        <p:pic>
+          <p:nvPicPr>
+            <p:cNvPr id="30" name="Picture 12" descr="Spring Boot Logo">
+              <a:extLst>
+                <a:ext uri="{FF2B5EF4-FFF2-40B4-BE49-F238E27FC236}">
+                  <a16:creationId xmlns:a16="http://schemas.microsoft.com/office/drawing/2014/main" id="{FCD4AD30-8DB0-4599-8B7F-238EE30BF9B0}"/>
+                </a:ext>
+              </a:extLst>
+            </p:cNvPr>
+            <p:cNvPicPr>
+              <a:picLocks noChangeAspect="1" noChangeArrowheads="1"/>
+            </p:cNvPicPr>
+            <p:nvPr/>
+          </p:nvPicPr>
+          <p:blipFill>
+            <a:blip r:embed="rId20">
+              <a:extLst>
+                <a:ext uri="{28A0092B-C50C-407E-A947-70E740481C1C}">
+                  <a14:useLocalDpi xmlns:a14="http://schemas.microsoft.com/office/drawing/2010/main" val="0"/>
+                </a:ext>
+              </a:extLst>
+            </a:blip>
+            <a:srcRect/>
+            <a:stretch>
+              <a:fillRect/>
+            </a:stretch>
+          </p:blipFill>
+          <p:spPr bwMode="auto">
+            <a:xfrm>
+              <a:off x="2166165" y="872553"/>
+              <a:ext cx="2135798" cy="1123017"/>
+            </a:xfrm>
+            <a:prstGeom prst="rect">
+              <a:avLst/>
+            </a:prstGeom>
+            <a:noFill/>
+            <a:extLst>
+              <a:ext uri="{909E8E84-426E-40DD-AFC4-6F175D3DCCD1}">
+                <a14:hiddenFill xmlns:a14="http://schemas.microsoft.com/office/drawing/2010/main">
+                  <a:solidFill>
+                    <a:srgbClr val="FFFFFF"/>
+                  </a:solidFill>
+                </a14:hiddenFill>
+              </a:ext>
+            </a:extLst>
+          </p:spPr>
+        </p:pic>
+      </p:grpSp>
+    </p:spTree>
+    <p:extLst>
+      <p:ext uri="{BB962C8B-B14F-4D97-AF65-F5344CB8AC3E}">
+        <p14:creationId xmlns:p14="http://schemas.microsoft.com/office/powerpoint/2010/main" val="355763433"/>
+      </p:ext>
+    </p:extLst>
+  </p:cSld>
+  <p:clrMapOvr>
+    <a:masterClrMapping/>
+  </p:clrMapOvr>
+</p:sld>
+</file>
+
+<file path=ppt/slides/slide5.xml><?xml version="1.0" encoding="utf-8"?>
+<p:sld xmlns:a="http://schemas.openxmlformats.org/drawingml/2006/main" xmlns:r="http://schemas.openxmlformats.org/officeDocument/2006/relationships" xmlns:p="http://schemas.openxmlformats.org/presentationml/2006/main">
+  <p:cSld>
+    <p:bg>
+      <p:bgPr>
+        <a:solidFill>
+          <a:srgbClr val="76BEC0"/>
+        </a:solidFill>
+        <a:effectLst/>
+      </p:bgPr>
+    </p:bg>
+    <p:spTree>
+      <p:nvGrpSpPr>
+        <p:cNvPr id="1" name=""/>
+        <p:cNvGrpSpPr/>
+        <p:nvPr/>
+      </p:nvGrpSpPr>
+      <p:grpSpPr>
+        <a:xfrm>
+          <a:off x="0" y="0"/>
+          <a:ext cx="0" cy="0"/>
+          <a:chOff x="0" y="0"/>
+          <a:chExt cx="0" cy="0"/>
+        </a:xfrm>
+      </p:grpSpPr>
+      <p:grpSp>
+        <p:nvGrpSpPr>
+          <p:cNvPr id="11" name="그룹 10">
+            <a:extLst>
+              <a:ext uri="{FF2B5EF4-FFF2-40B4-BE49-F238E27FC236}">
+                <a16:creationId xmlns:a16="http://schemas.microsoft.com/office/drawing/2014/main" id="{954346B6-2AED-46E5-B675-3CBBFD012D1F}"/>
+              </a:ext>
+            </a:extLst>
+          </p:cNvPr>
+          <p:cNvGrpSpPr/>
+          <p:nvPr/>
+        </p:nvGrpSpPr>
+        <p:grpSpPr>
+          <a:xfrm>
+            <a:off x="251520" y="329038"/>
+            <a:ext cx="5112568" cy="2528462"/>
+            <a:chOff x="251520" y="329038"/>
+            <a:chExt cx="5112568" cy="2528462"/>
+          </a:xfrm>
+        </p:grpSpPr>
+        <p:sp>
+          <p:nvSpPr>
+            <p:cNvPr id="3" name="제목 3">
+              <a:extLst>
+                <a:ext uri="{FF2B5EF4-FFF2-40B4-BE49-F238E27FC236}">
+                  <a16:creationId xmlns:a16="http://schemas.microsoft.com/office/drawing/2014/main" id="{1D70C578-A6AB-41DB-AAC9-32A83EFDE519}"/>
+                </a:ext>
+              </a:extLst>
+            </p:cNvPr>
+            <p:cNvSpPr txBox="1">
+              <a:spLocks/>
+            </p:cNvSpPr>
+            <p:nvPr/>
+          </p:nvSpPr>
+          <p:spPr>
+            <a:xfrm>
+              <a:off x="539552" y="1921396"/>
+              <a:ext cx="4824536" cy="936104"/>
+            </a:xfrm>
+            <a:prstGeom prst="rect">
+              <a:avLst/>
+            </a:prstGeom>
+          </p:spPr>
+          <p:txBody>
+            <a:bodyPr vert="horz" lIns="91440" tIns="45720" rIns="91440" bIns="45720" rtlCol="0" anchor="ctr">
+              <a:noAutofit/>
+            </a:bodyPr>
+            <a:lstStyle>
+              <a:lvl1pPr algn="ctr" defTabSz="914400" rtl="0" eaLnBrk="1" latinLnBrk="1" hangingPunct="1">
+                <a:spcBef>
+                  <a:spcPct val="0"/>
+                </a:spcBef>
+                <a:buNone/>
+                <a:defRPr sz="4400" kern="1200">
+                  <a:solidFill>
+                    <a:schemeClr val="tx1"/>
+                  </a:solidFill>
+                  <a:latin typeface="+mj-lt"/>
+                  <a:ea typeface="+mj-ea"/>
+                  <a:cs typeface="+mj-cs"/>
+                </a:defRPr>
+              </a:lvl1pPr>
+            </a:lstStyle>
+            <a:p>
+              <a:pPr algn="just"/>
+              <a:r>
+                <a:rPr lang="ko-KR" altLang="en-US" sz="2800" dirty="0">
+                  <a:solidFill>
+                    <a:schemeClr val="bg1"/>
+                  </a:solidFill>
+                  <a:latin typeface="G마켓 산스 Bold" panose="02000000000000000000" pitchFamily="50" charset="-127"/>
+                  <a:ea typeface="G마켓 산스 Bold" panose="02000000000000000000" pitchFamily="50" charset="-127"/>
+                </a:rPr>
+                <a:t>쉼</a:t>
+              </a:r>
+              <a:r>
+                <a:rPr lang="en-US" altLang="ko-KR" sz="2800" dirty="0">
+                  <a:solidFill>
+                    <a:schemeClr val="bg1"/>
+                  </a:solidFill>
+                  <a:latin typeface="G마켓 산스 Bold" panose="02000000000000000000" pitchFamily="50" charset="-127"/>
+                  <a:ea typeface="G마켓 산스 Bold" panose="02000000000000000000" pitchFamily="50" charset="-127"/>
+                </a:rPr>
+                <a:t>,</a:t>
+              </a:r>
+            </a:p>
+            <a:p>
+              <a:pPr algn="just"/>
+              <a:r>
+                <a:rPr lang="en-US" altLang="ko-KR" sz="2800" dirty="0">
+                  <a:solidFill>
+                    <a:schemeClr val="bg1"/>
+                  </a:solidFill>
+                  <a:latin typeface="G마켓 산스 Bold" panose="02000000000000000000" pitchFamily="50" charset="-127"/>
+                  <a:ea typeface="G마켓 산스 Bold" panose="02000000000000000000" pitchFamily="50" charset="-127"/>
+                </a:rPr>
+                <a:t>ERD</a:t>
+              </a:r>
+              <a:endParaRPr lang="ko-KR" altLang="en-US" sz="2800" dirty="0">
+                <a:solidFill>
+                  <a:schemeClr val="bg1"/>
+                </a:solidFill>
+                <a:latin typeface="G마켓 산스 Bold" panose="02000000000000000000" pitchFamily="50" charset="-127"/>
+                <a:ea typeface="G마켓 산스 Bold" panose="02000000000000000000" pitchFamily="50" charset="-127"/>
+              </a:endParaRPr>
+            </a:p>
+          </p:txBody>
+        </p:sp>
+        <p:pic>
+          <p:nvPicPr>
+            <p:cNvPr id="10" name="그림 9" descr="화살이(가) 표시된 사진&#10;&#10;자동 생성된 설명">
+              <a:extLst>
+                <a:ext uri="{FF2B5EF4-FFF2-40B4-BE49-F238E27FC236}">
+                  <a16:creationId xmlns:a16="http://schemas.microsoft.com/office/drawing/2014/main" id="{0941B7B4-799D-4DFB-B168-9FD434D3FB82}"/>
+                </a:ext>
+              </a:extLst>
+            </p:cNvPr>
+            <p:cNvPicPr>
+              <a:picLocks noChangeAspect="1"/>
+            </p:cNvPicPr>
+            <p:nvPr/>
+          </p:nvPicPr>
+          <p:blipFill>
+            <a:blip r:embed="rId2">
+              <a:extLst>
+                <a:ext uri="{28A0092B-C50C-407E-A947-70E740481C1C}">
+                  <a14:useLocalDpi xmlns:a14="http://schemas.microsoft.com/office/drawing/2010/main" val="0"/>
+                </a:ext>
+              </a:extLst>
+            </a:blip>
+            <a:stretch>
+              <a:fillRect/>
+            </a:stretch>
+          </p:blipFill>
+          <p:spPr>
+            <a:xfrm>
+              <a:off x="251520" y="329038"/>
+              <a:ext cx="1520350" cy="1520350"/>
+            </a:xfrm>
+            <a:prstGeom prst="rect">
+              <a:avLst/>
+            </a:prstGeom>
+            <a:effectLst>
+              <a:outerShdw blurRad="50800" dist="38100" dir="2700000" algn="tl" rotWithShape="0">
+                <a:prstClr val="black">
+                  <a:alpha val="40000"/>
+                </a:prstClr>
+              </a:outerShdw>
+            </a:effectLst>
+          </p:spPr>
+        </p:pic>
+      </p:grpSp>
+    </p:spTree>
+    <p:extLst>
+      <p:ext uri="{BB962C8B-B14F-4D97-AF65-F5344CB8AC3E}">
+        <p14:creationId xmlns:p14="http://schemas.microsoft.com/office/powerpoint/2010/main" val="1766719689"/>
+      </p:ext>
+    </p:extLst>
+  </p:cSld>
+  <p:clrMapOvr>
+    <a:masterClrMapping/>
+  </p:clrMapOvr>
+</p:sld>
+</file>
+
+<file path=ppt/slides/slide6.xml><?xml version="1.0" encoding="utf-8"?>
+<p:sld xmlns:a="http://schemas.openxmlformats.org/drawingml/2006/main" xmlns:r="http://schemas.openxmlformats.org/officeDocument/2006/relationships" xmlns:p="http://schemas.openxmlformats.org/presentationml/2006/main">
+  <p:cSld>
+    <p:spTree>
+      <p:nvGrpSpPr>
+        <p:cNvPr id="1" name=""/>
+        <p:cNvGrpSpPr/>
+        <p:nvPr/>
+      </p:nvGrpSpPr>
+      <p:grpSpPr>
+        <a:xfrm>
+          <a:off x="0" y="0"/>
+          <a:ext cx="0" cy="0"/>
+          <a:chOff x="0" y="0"/>
+          <a:chExt cx="0" cy="0"/>
+        </a:xfrm>
+      </p:grpSpPr>
       <p:pic>
         <p:nvPicPr>
           <p:cNvPr id="4" name="그림 3">
             <a:extLst>
               <a:ext uri="{FF2B5EF4-FFF2-40B4-BE49-F238E27FC236}">
-                <a16:creationId xmlns:a16="http://schemas.microsoft.com/office/drawing/2014/main" id="{46B73EC8-5245-41D4-865B-F2600F7CD0BE}"/>
+                <a16:creationId xmlns:a16="http://schemas.microsoft.com/office/drawing/2014/main" id="{77213B26-35C8-4997-9880-106ABD2349E2}"/>
               </a:ext>
             </a:extLst>
           </p:cNvPr>
@@ -8053,141 +13103,18 @@
         </p:blipFill>
         <p:spPr>
           <a:xfrm>
-            <a:off x="683568" y="985292"/>
-            <a:ext cx="4464496" cy="2288334"/>
+            <a:off x="915024" y="194121"/>
+            <a:ext cx="7313951" cy="5520879"/>
           </a:xfrm>
           <a:prstGeom prst="rect">
             <a:avLst/>
           </a:prstGeom>
         </p:spPr>
       </p:pic>
-      <p:sp>
-        <p:nvSpPr>
-          <p:cNvPr id="5" name="제목 3">
-            <a:extLst>
-              <a:ext uri="{FF2B5EF4-FFF2-40B4-BE49-F238E27FC236}">
-                <a16:creationId xmlns:a16="http://schemas.microsoft.com/office/drawing/2014/main" id="{ABA1E414-544C-4D46-989D-A858306C89F7}"/>
-              </a:ext>
-            </a:extLst>
-          </p:cNvPr>
-          <p:cNvSpPr txBox="1">
-            <a:spLocks/>
-          </p:cNvSpPr>
-          <p:nvPr/>
-        </p:nvSpPr>
-        <p:spPr>
-          <a:xfrm>
-            <a:off x="3779912" y="4225652"/>
-            <a:ext cx="4824536" cy="936104"/>
-          </a:xfrm>
-          <a:prstGeom prst="rect">
-            <a:avLst/>
-          </a:prstGeom>
-        </p:spPr>
-        <p:txBody>
-          <a:bodyPr vert="horz" lIns="91440" tIns="45720" rIns="91440" bIns="45720" rtlCol="0" anchor="ctr">
-            <a:noAutofit/>
-          </a:bodyPr>
-          <a:lstStyle>
-            <a:lvl1pPr algn="ctr" defTabSz="914400" rtl="0" eaLnBrk="1" latinLnBrk="1" hangingPunct="1">
-              <a:spcBef>
-                <a:spcPct val="0"/>
-              </a:spcBef>
-              <a:buNone/>
-              <a:defRPr sz="4400" kern="1200">
-                <a:solidFill>
-                  <a:schemeClr val="tx1"/>
-                </a:solidFill>
-                <a:latin typeface="+mj-lt"/>
-                <a:ea typeface="+mj-ea"/>
-                <a:cs typeface="+mj-cs"/>
-              </a:defRPr>
-            </a:lvl1pPr>
-          </a:lstStyle>
-          <a:p>
-            <a:pPr algn="r"/>
-            <a:r>
-              <a:rPr lang="ko-KR" altLang="en-US" sz="2800" dirty="0">
-                <a:solidFill>
-                  <a:schemeClr val="tx1">
-                    <a:lumMod val="75000"/>
-                    <a:lumOff val="25000"/>
-                  </a:schemeClr>
-                </a:solidFill>
-                <a:latin typeface="G마켓 산스 Bold" panose="02000000000000000000" pitchFamily="50" charset="-127"/>
-                <a:ea typeface="G마켓 산스 Bold" panose="02000000000000000000" pitchFamily="50" charset="-127"/>
-              </a:rPr>
-              <a:t>숙소 예약 서비스</a:t>
-            </a:r>
-            <a:r>
-              <a:rPr lang="ko-KR" altLang="en-US" sz="2300" dirty="0">
-                <a:solidFill>
-                  <a:schemeClr val="tx1">
-                    <a:lumMod val="75000"/>
-                    <a:lumOff val="25000"/>
-                  </a:schemeClr>
-                </a:solidFill>
-                <a:latin typeface="G마켓 산스 Medium" panose="02000000000000000000" pitchFamily="50" charset="-127"/>
-                <a:ea typeface="G마켓 산스 Medium" panose="02000000000000000000" pitchFamily="50" charset="-127"/>
-              </a:rPr>
-              <a:t>를 통해</a:t>
-            </a:r>
-            <a:endParaRPr lang="en-US" altLang="ko-KR" sz="2300" dirty="0">
-              <a:solidFill>
-                <a:schemeClr val="tx1">
-                  <a:lumMod val="75000"/>
-                  <a:lumOff val="25000"/>
-                </a:schemeClr>
-              </a:solidFill>
-              <a:latin typeface="G마켓 산스 Medium" panose="02000000000000000000" pitchFamily="50" charset="-127"/>
-              <a:ea typeface="G마켓 산스 Medium" panose="02000000000000000000" pitchFamily="50" charset="-127"/>
-            </a:endParaRPr>
-          </a:p>
-          <a:p>
-            <a:pPr algn="r"/>
-            <a:r>
-              <a:rPr lang="ko-KR" altLang="en-US" sz="2300" dirty="0">
-                <a:solidFill>
-                  <a:schemeClr val="tx1">
-                    <a:lumMod val="75000"/>
-                    <a:lumOff val="25000"/>
-                  </a:schemeClr>
-                </a:solidFill>
-                <a:latin typeface="G마켓 산스 Medium" panose="02000000000000000000" pitchFamily="50" charset="-127"/>
-                <a:ea typeface="G마켓 산스 Medium" panose="02000000000000000000" pitchFamily="50" charset="-127"/>
-              </a:rPr>
-              <a:t>편안한 휴식을 제공합니다</a:t>
-            </a:r>
-            <a:r>
-              <a:rPr lang="en-US" altLang="ko-KR" sz="2300" dirty="0">
-                <a:solidFill>
-                  <a:schemeClr val="tx1">
-                    <a:lumMod val="75000"/>
-                    <a:lumOff val="25000"/>
-                  </a:schemeClr>
-                </a:solidFill>
-                <a:latin typeface="G마켓 산스 Medium" panose="02000000000000000000" pitchFamily="50" charset="-127"/>
-                <a:ea typeface="G마켓 산스 Medium" panose="02000000000000000000" pitchFamily="50" charset="-127"/>
-              </a:rPr>
-              <a:t>.</a:t>
-            </a:r>
-            <a:endParaRPr lang="ko-KR" altLang="en-US" sz="2300" dirty="0">
-              <a:solidFill>
-                <a:schemeClr val="tx1">
-                  <a:lumMod val="75000"/>
-                  <a:lumOff val="25000"/>
-                </a:schemeClr>
-              </a:solidFill>
-              <a:latin typeface="G마켓 산스 Medium" panose="02000000000000000000" pitchFamily="50" charset="-127"/>
-              <a:ea typeface="G마켓 산스 Medium" panose="02000000000000000000" pitchFamily="50" charset="-127"/>
-            </a:endParaRPr>
-          </a:p>
-        </p:txBody>
-      </p:sp>
     </p:spTree>
     <p:extLst>
       <p:ext uri="{BB962C8B-B14F-4D97-AF65-F5344CB8AC3E}">
-        <p14:creationId xmlns:p14="http://schemas.microsoft.com/office/powerpoint/2010/main" val="3454730623"/>
+        <p14:creationId xmlns:p14="http://schemas.microsoft.com/office/powerpoint/2010/main" val="2654311067"/>
       </p:ext>
     </p:extLst>
   </p:cSld>
@@ -8197,7 +13124,7 @@
 </p:sld>
 </file>
 
-<file path=ppt/slides/slide3.xml><?xml version="1.0" encoding="utf-8"?>
+<file path=ppt/slides/slide7.xml><?xml version="1.0" encoding="utf-8"?>
 <p:sld xmlns:a="http://schemas.openxmlformats.org/drawingml/2006/main" xmlns:r="http://schemas.openxmlformats.org/officeDocument/2006/relationships" xmlns:p="http://schemas.openxmlformats.org/presentationml/2006/main">
   <p:cSld>
     <p:bg>
@@ -8357,13 +13284,20 @@
             <a:prstGeom prst="rect">
               <a:avLst/>
             </a:prstGeom>
+            <a:effectLst>
+              <a:outerShdw blurRad="50800" dist="38100" dir="2700000" algn="tl" rotWithShape="0">
+                <a:prstClr val="black">
+                  <a:alpha val="40000"/>
+                </a:prstClr>
+              </a:outerShdw>
+            </a:effectLst>
           </p:spPr>
         </p:pic>
       </p:grpSp>
     </p:spTree>
     <p:extLst>
       <p:ext uri="{BB962C8B-B14F-4D97-AF65-F5344CB8AC3E}">
-        <p14:creationId xmlns:p14="http://schemas.microsoft.com/office/powerpoint/2010/main" val="995534250"/>
+        <p14:creationId xmlns:p14="http://schemas.microsoft.com/office/powerpoint/2010/main" val="3206239137"/>
       </p:ext>
     </p:extLst>
   </p:cSld>
@@ -8373,7 +13307,7 @@
 </p:sld>
 </file>
 
-<file path=ppt/slides/slide4.xml><?xml version="1.0" encoding="utf-8"?>
+<file path=ppt/slides/slide8.xml><?xml version="1.0" encoding="utf-8"?>
 <p:sld xmlns:a="http://schemas.openxmlformats.org/drawingml/2006/main" xmlns:r="http://schemas.openxmlformats.org/officeDocument/2006/relationships" xmlns:p="http://schemas.openxmlformats.org/presentationml/2006/main">
   <p:cSld>
     <p:bg>
@@ -8570,6 +13504,13 @@
             <a:prstGeom prst="rect">
               <a:avLst/>
             </a:prstGeom>
+            <a:effectLst>
+              <a:outerShdw blurRad="50800" dist="38100" dir="2700000" algn="tl" rotWithShape="0">
+                <a:prstClr val="black">
+                  <a:alpha val="40000"/>
+                </a:prstClr>
+              </a:outerShdw>
+            </a:effectLst>
           </p:spPr>
         </p:pic>
       </p:grpSp>
@@ -8586,7 +13527,7 @@
 </p:sld>
 </file>
 
-<file path=ppt/slides/slide5.xml><?xml version="1.0" encoding="utf-8"?>
+<file path=ppt/slides/slide9.xml><?xml version="1.0" encoding="utf-8"?>
 <p:sld xmlns:a="http://schemas.openxmlformats.org/drawingml/2006/main" xmlns:r="http://schemas.openxmlformats.org/officeDocument/2006/relationships" xmlns:p="http://schemas.openxmlformats.org/presentationml/2006/main">
   <p:cSld>
     <p:spTree>
@@ -8693,697 +13634,6 @@
     <p:extLst>
       <p:ext uri="{BB962C8B-B14F-4D97-AF65-F5344CB8AC3E}">
         <p14:creationId xmlns:p14="http://schemas.microsoft.com/office/powerpoint/2010/main" val="589514962"/>
-      </p:ext>
-    </p:extLst>
-  </p:cSld>
-  <p:clrMapOvr>
-    <a:masterClrMapping/>
-  </p:clrMapOvr>
-</p:sld>
-</file>
-
-<file path=ppt/slides/slide6.xml><?xml version="1.0" encoding="utf-8"?>
-<p:sld xmlns:a="http://schemas.openxmlformats.org/drawingml/2006/main" xmlns:r="http://schemas.openxmlformats.org/officeDocument/2006/relationships" xmlns:p="http://schemas.openxmlformats.org/presentationml/2006/main">
-  <p:cSld>
-    <p:spTree>
-      <p:nvGrpSpPr>
-        <p:cNvPr id="1" name=""/>
-        <p:cNvGrpSpPr/>
-        <p:nvPr/>
-      </p:nvGrpSpPr>
-      <p:grpSpPr>
-        <a:xfrm>
-          <a:off x="0" y="0"/>
-          <a:ext cx="0" cy="0"/>
-          <a:chOff x="0" y="0"/>
-          <a:chExt cx="0" cy="0"/>
-        </a:xfrm>
-      </p:grpSpPr>
-      <p:pic>
-        <p:nvPicPr>
-          <p:cNvPr id="2" name="그림 1">
-            <a:extLst>
-              <a:ext uri="{FF2B5EF4-FFF2-40B4-BE49-F238E27FC236}">
-                <a16:creationId xmlns:a16="http://schemas.microsoft.com/office/drawing/2014/main" id="{92143A98-8E08-42DE-9471-515473C7775B}"/>
-              </a:ext>
-            </a:extLst>
-          </p:cNvPr>
-          <p:cNvPicPr>
-            <a:picLocks noChangeAspect="1"/>
-          </p:cNvPicPr>
-          <p:nvPr/>
-        </p:nvPicPr>
-        <p:blipFill>
-          <a:blip r:embed="rId2"/>
-          <a:stretch>
-            <a:fillRect/>
-          </a:stretch>
-        </p:blipFill>
-        <p:spPr>
-          <a:xfrm>
-            <a:off x="765450" y="451708"/>
-            <a:ext cx="7613099" cy="1431161"/>
-          </a:xfrm>
-          <a:prstGeom prst="rect">
-            <a:avLst/>
-          </a:prstGeom>
-        </p:spPr>
-      </p:pic>
-      <p:grpSp>
-        <p:nvGrpSpPr>
-          <p:cNvPr id="8" name="그룹 7">
-            <a:extLst>
-              <a:ext uri="{FF2B5EF4-FFF2-40B4-BE49-F238E27FC236}">
-                <a16:creationId xmlns:a16="http://schemas.microsoft.com/office/drawing/2014/main" id="{937CC81E-4156-453B-BDDE-35AB7C6D5F42}"/>
-              </a:ext>
-            </a:extLst>
-          </p:cNvPr>
-          <p:cNvGrpSpPr/>
-          <p:nvPr/>
-        </p:nvGrpSpPr>
-        <p:grpSpPr>
-          <a:xfrm>
-            <a:off x="757485" y="2569468"/>
-            <a:ext cx="7621064" cy="2160240"/>
-            <a:chOff x="772847" y="2209428"/>
-            <a:chExt cx="7621064" cy="2160240"/>
-          </a:xfrm>
-        </p:grpSpPr>
-        <p:pic>
-          <p:nvPicPr>
-            <p:cNvPr id="3" name="그림 2">
-              <a:extLst>
-                <a:ext uri="{FF2B5EF4-FFF2-40B4-BE49-F238E27FC236}">
-                  <a16:creationId xmlns:a16="http://schemas.microsoft.com/office/drawing/2014/main" id="{5C3B3DBE-2610-4D90-B28D-6006A55F00F0}"/>
-                </a:ext>
-              </a:extLst>
-            </p:cNvPr>
-            <p:cNvPicPr>
-              <a:picLocks noChangeAspect="1"/>
-            </p:cNvPicPr>
-            <p:nvPr/>
-          </p:nvPicPr>
-          <p:blipFill>
-            <a:blip r:embed="rId3"/>
-            <a:stretch>
-              <a:fillRect/>
-            </a:stretch>
-          </p:blipFill>
-          <p:spPr>
-            <a:xfrm>
-              <a:off x="772847" y="2502507"/>
-              <a:ext cx="7621064" cy="1867161"/>
-            </a:xfrm>
-            <a:prstGeom prst="rect">
-              <a:avLst/>
-            </a:prstGeom>
-          </p:spPr>
-        </p:pic>
-        <p:pic>
-          <p:nvPicPr>
-            <p:cNvPr id="7" name="그림 6">
-              <a:extLst>
-                <a:ext uri="{FF2B5EF4-FFF2-40B4-BE49-F238E27FC236}">
-                  <a16:creationId xmlns:a16="http://schemas.microsoft.com/office/drawing/2014/main" id="{CF8DACA1-A8C2-4F5F-BE72-855FB55619CA}"/>
-                </a:ext>
-              </a:extLst>
-            </p:cNvPr>
-            <p:cNvPicPr>
-              <a:picLocks noChangeAspect="1"/>
-            </p:cNvPicPr>
-            <p:nvPr/>
-          </p:nvPicPr>
-          <p:blipFill>
-            <a:blip r:embed="rId4"/>
-            <a:stretch>
-              <a:fillRect/>
-            </a:stretch>
-          </p:blipFill>
-          <p:spPr>
-            <a:xfrm>
-              <a:off x="772847" y="2209428"/>
-              <a:ext cx="2048161" cy="304843"/>
-            </a:xfrm>
-            <a:prstGeom prst="rect">
-              <a:avLst/>
-            </a:prstGeom>
-          </p:spPr>
-        </p:pic>
-      </p:grpSp>
-      <p:cxnSp>
-        <p:nvCxnSpPr>
-          <p:cNvPr id="12" name="직선 연결선 11">
-            <a:extLst>
-              <a:ext uri="{FF2B5EF4-FFF2-40B4-BE49-F238E27FC236}">
-                <a16:creationId xmlns:a16="http://schemas.microsoft.com/office/drawing/2014/main" id="{FD7A744C-017A-4477-8487-0D1902BE90E0}"/>
-              </a:ext>
-            </a:extLst>
-          </p:cNvPr>
-          <p:cNvCxnSpPr/>
-          <p:nvPr/>
-        </p:nvCxnSpPr>
-        <p:spPr>
-          <a:xfrm>
-            <a:off x="0" y="2209428"/>
-            <a:ext cx="9144000" cy="0"/>
-          </a:xfrm>
-          <a:prstGeom prst="line">
-            <a:avLst/>
-          </a:prstGeom>
-          <a:ln>
-            <a:solidFill>
-              <a:schemeClr val="bg1">
-                <a:lumMod val="65000"/>
-              </a:schemeClr>
-            </a:solidFill>
-          </a:ln>
-        </p:spPr>
-        <p:style>
-          <a:lnRef idx="1">
-            <a:schemeClr val="dk1"/>
-          </a:lnRef>
-          <a:fillRef idx="0">
-            <a:schemeClr val="dk1"/>
-          </a:fillRef>
-          <a:effectRef idx="0">
-            <a:schemeClr val="dk1"/>
-          </a:effectRef>
-          <a:fontRef idx="minor">
-            <a:schemeClr val="tx1"/>
-          </a:fontRef>
-        </p:style>
-      </p:cxnSp>
-    </p:spTree>
-    <p:extLst>
-      <p:ext uri="{BB962C8B-B14F-4D97-AF65-F5344CB8AC3E}">
-        <p14:creationId xmlns:p14="http://schemas.microsoft.com/office/powerpoint/2010/main" val="1697908512"/>
-      </p:ext>
-    </p:extLst>
-  </p:cSld>
-  <p:clrMapOvr>
-    <a:masterClrMapping/>
-  </p:clrMapOvr>
-</p:sld>
-</file>
-
-<file path=ppt/slides/slide7.xml><?xml version="1.0" encoding="utf-8"?>
-<p:sld xmlns:a="http://schemas.openxmlformats.org/drawingml/2006/main" xmlns:r="http://schemas.openxmlformats.org/officeDocument/2006/relationships" xmlns:p="http://schemas.openxmlformats.org/presentationml/2006/main">
-  <p:cSld>
-    <p:spTree>
-      <p:nvGrpSpPr>
-        <p:cNvPr id="1" name=""/>
-        <p:cNvGrpSpPr/>
-        <p:nvPr/>
-      </p:nvGrpSpPr>
-      <p:grpSpPr>
-        <a:xfrm>
-          <a:off x="0" y="0"/>
-          <a:ext cx="0" cy="0"/>
-          <a:chOff x="0" y="0"/>
-          <a:chExt cx="0" cy="0"/>
-        </a:xfrm>
-      </p:grpSpPr>
-      <p:grpSp>
-        <p:nvGrpSpPr>
-          <p:cNvPr id="13" name="그룹 12">
-            <a:extLst>
-              <a:ext uri="{FF2B5EF4-FFF2-40B4-BE49-F238E27FC236}">
-                <a16:creationId xmlns:a16="http://schemas.microsoft.com/office/drawing/2014/main" id="{1B4DA116-6693-49C4-B4C5-9E0631F05258}"/>
-              </a:ext>
-            </a:extLst>
-          </p:cNvPr>
-          <p:cNvGrpSpPr/>
-          <p:nvPr/>
-        </p:nvGrpSpPr>
-        <p:grpSpPr>
-          <a:xfrm>
-            <a:off x="1452262" y="1605129"/>
-            <a:ext cx="5658640" cy="3783852"/>
-            <a:chOff x="1452262" y="1605129"/>
-            <a:chExt cx="5658640" cy="3783852"/>
-          </a:xfrm>
-        </p:grpSpPr>
-        <p:pic>
-          <p:nvPicPr>
-            <p:cNvPr id="3" name="그림 2">
-              <a:extLst>
-                <a:ext uri="{FF2B5EF4-FFF2-40B4-BE49-F238E27FC236}">
-                  <a16:creationId xmlns:a16="http://schemas.microsoft.com/office/drawing/2014/main" id="{D06CFC4A-7D5F-40F1-BCC1-825B024F74B6}"/>
-                </a:ext>
-              </a:extLst>
-            </p:cNvPr>
-            <p:cNvPicPr>
-              <a:picLocks noChangeAspect="1"/>
-            </p:cNvPicPr>
-            <p:nvPr/>
-          </p:nvPicPr>
-          <p:blipFill>
-            <a:blip r:embed="rId2"/>
-            <a:stretch>
-              <a:fillRect/>
-            </a:stretch>
-          </p:blipFill>
-          <p:spPr>
-            <a:xfrm>
-              <a:off x="1452262" y="1727588"/>
-              <a:ext cx="5658640" cy="3661393"/>
-            </a:xfrm>
-            <a:prstGeom prst="rect">
-              <a:avLst/>
-            </a:prstGeom>
-          </p:spPr>
-        </p:pic>
-        <p:pic>
-          <p:nvPicPr>
-            <p:cNvPr id="7" name="그림 6">
-              <a:extLst>
-                <a:ext uri="{FF2B5EF4-FFF2-40B4-BE49-F238E27FC236}">
-                  <a16:creationId xmlns:a16="http://schemas.microsoft.com/office/drawing/2014/main" id="{A595BE47-9573-448B-A875-F348F991C352}"/>
-                </a:ext>
-              </a:extLst>
-            </p:cNvPr>
-            <p:cNvPicPr>
-              <a:picLocks noChangeAspect="1"/>
-            </p:cNvPicPr>
-            <p:nvPr/>
-          </p:nvPicPr>
-          <p:blipFill>
-            <a:blip r:embed="rId3"/>
-            <a:stretch>
-              <a:fillRect/>
-            </a:stretch>
-          </p:blipFill>
-          <p:spPr>
-            <a:xfrm>
-              <a:off x="1504131" y="1605129"/>
-              <a:ext cx="3035089" cy="162009"/>
-            </a:xfrm>
-            <a:prstGeom prst="rect">
-              <a:avLst/>
-            </a:prstGeom>
-          </p:spPr>
-        </p:pic>
-      </p:grpSp>
-      <p:grpSp>
-        <p:nvGrpSpPr>
-          <p:cNvPr id="12" name="그룹 11">
-            <a:extLst>
-              <a:ext uri="{FF2B5EF4-FFF2-40B4-BE49-F238E27FC236}">
-                <a16:creationId xmlns:a16="http://schemas.microsoft.com/office/drawing/2014/main" id="{6AD2CDD8-4D8D-4F2C-80A7-0BE60AB9E180}"/>
-              </a:ext>
-            </a:extLst>
-          </p:cNvPr>
-          <p:cNvGrpSpPr/>
-          <p:nvPr/>
-        </p:nvGrpSpPr>
-        <p:grpSpPr>
-          <a:xfrm>
-            <a:off x="1452262" y="328223"/>
-            <a:ext cx="5658640" cy="1017109"/>
-            <a:chOff x="1452262" y="230436"/>
-            <a:chExt cx="5658640" cy="1017109"/>
-          </a:xfrm>
-        </p:grpSpPr>
-        <p:pic>
-          <p:nvPicPr>
-            <p:cNvPr id="4" name="그림 3">
-              <a:extLst>
-                <a:ext uri="{FF2B5EF4-FFF2-40B4-BE49-F238E27FC236}">
-                  <a16:creationId xmlns:a16="http://schemas.microsoft.com/office/drawing/2014/main" id="{D04A08DF-6E15-4A21-AD4A-8E90535C268E}"/>
-                </a:ext>
-              </a:extLst>
-            </p:cNvPr>
-            <p:cNvPicPr>
-              <a:picLocks noChangeAspect="1"/>
-            </p:cNvPicPr>
-            <p:nvPr/>
-          </p:nvPicPr>
-          <p:blipFill rotWithShape="1">
-            <a:blip r:embed="rId4"/>
-            <a:srcRect l="17486" t="10294" b="12782"/>
-            <a:stretch/>
-          </p:blipFill>
-          <p:spPr>
-            <a:xfrm>
-              <a:off x="1470053" y="230436"/>
-              <a:ext cx="4898550" cy="178792"/>
-            </a:xfrm>
-            <a:prstGeom prst="rect">
-              <a:avLst/>
-            </a:prstGeom>
-          </p:spPr>
-        </p:pic>
-        <p:pic>
-          <p:nvPicPr>
-            <p:cNvPr id="10" name="그림 9">
-              <a:extLst>
-                <a:ext uri="{FF2B5EF4-FFF2-40B4-BE49-F238E27FC236}">
-                  <a16:creationId xmlns:a16="http://schemas.microsoft.com/office/drawing/2014/main" id="{8DF33A3A-B946-4DEB-A005-7BF16CF5AC05}"/>
-                </a:ext>
-              </a:extLst>
-            </p:cNvPr>
-            <p:cNvPicPr>
-              <a:picLocks noChangeAspect="1"/>
-            </p:cNvPicPr>
-            <p:nvPr/>
-          </p:nvPicPr>
-          <p:blipFill>
-            <a:blip r:embed="rId5"/>
-            <a:stretch>
-              <a:fillRect/>
-            </a:stretch>
-          </p:blipFill>
-          <p:spPr>
-            <a:xfrm>
-              <a:off x="1452262" y="409228"/>
-              <a:ext cx="5658640" cy="838317"/>
-            </a:xfrm>
-            <a:prstGeom prst="rect">
-              <a:avLst/>
-            </a:prstGeom>
-          </p:spPr>
-        </p:pic>
-      </p:grpSp>
-      <p:cxnSp>
-        <p:nvCxnSpPr>
-          <p:cNvPr id="11" name="직선 연결선 10">
-            <a:extLst>
-              <a:ext uri="{FF2B5EF4-FFF2-40B4-BE49-F238E27FC236}">
-                <a16:creationId xmlns:a16="http://schemas.microsoft.com/office/drawing/2014/main" id="{08E7AD7F-23C3-4AF1-B4D5-8F44B62F371B}"/>
-              </a:ext>
-            </a:extLst>
-          </p:cNvPr>
-          <p:cNvCxnSpPr/>
-          <p:nvPr/>
-        </p:nvCxnSpPr>
-        <p:spPr>
-          <a:xfrm>
-            <a:off x="0" y="1417340"/>
-            <a:ext cx="9144000" cy="0"/>
-          </a:xfrm>
-          <a:prstGeom prst="line">
-            <a:avLst/>
-          </a:prstGeom>
-          <a:ln>
-            <a:solidFill>
-              <a:schemeClr val="bg1">
-                <a:lumMod val="65000"/>
-              </a:schemeClr>
-            </a:solidFill>
-          </a:ln>
-        </p:spPr>
-        <p:style>
-          <a:lnRef idx="1">
-            <a:schemeClr val="dk1"/>
-          </a:lnRef>
-          <a:fillRef idx="0">
-            <a:schemeClr val="dk1"/>
-          </a:fillRef>
-          <a:effectRef idx="0">
-            <a:schemeClr val="dk1"/>
-          </a:effectRef>
-          <a:fontRef idx="minor">
-            <a:schemeClr val="tx1"/>
-          </a:fontRef>
-        </p:style>
-      </p:cxnSp>
-    </p:spTree>
-    <p:extLst>
-      <p:ext uri="{BB962C8B-B14F-4D97-AF65-F5344CB8AC3E}">
-        <p14:creationId xmlns:p14="http://schemas.microsoft.com/office/powerpoint/2010/main" val="2859739928"/>
-      </p:ext>
-    </p:extLst>
-  </p:cSld>
-  <p:clrMapOvr>
-    <a:masterClrMapping/>
-  </p:clrMapOvr>
-</p:sld>
-</file>
-
-<file path=ppt/slides/slide8.xml><?xml version="1.0" encoding="utf-8"?>
-<p:sld xmlns:a="http://schemas.openxmlformats.org/drawingml/2006/main" xmlns:r="http://schemas.openxmlformats.org/officeDocument/2006/relationships" xmlns:p="http://schemas.openxmlformats.org/presentationml/2006/main">
-  <p:cSld>
-    <p:bg>
-      <p:bgPr>
-        <a:solidFill>
-          <a:srgbClr val="76BEC0"/>
-        </a:solidFill>
-        <a:effectLst/>
-      </p:bgPr>
-    </p:bg>
-    <p:spTree>
-      <p:nvGrpSpPr>
-        <p:cNvPr id="1" name=""/>
-        <p:cNvGrpSpPr/>
-        <p:nvPr/>
-      </p:nvGrpSpPr>
-      <p:grpSpPr>
-        <a:xfrm>
-          <a:off x="0" y="0"/>
-          <a:ext cx="0" cy="0"/>
-          <a:chOff x="0" y="0"/>
-          <a:chExt cx="0" cy="0"/>
-        </a:xfrm>
-      </p:grpSpPr>
-      <p:grpSp>
-        <p:nvGrpSpPr>
-          <p:cNvPr id="11" name="그룹 10">
-            <a:extLst>
-              <a:ext uri="{FF2B5EF4-FFF2-40B4-BE49-F238E27FC236}">
-                <a16:creationId xmlns:a16="http://schemas.microsoft.com/office/drawing/2014/main" id="{954346B6-2AED-46E5-B675-3CBBFD012D1F}"/>
-              </a:ext>
-            </a:extLst>
-          </p:cNvPr>
-          <p:cNvGrpSpPr/>
-          <p:nvPr/>
-        </p:nvGrpSpPr>
-        <p:grpSpPr>
-          <a:xfrm>
-            <a:off x="251520" y="329038"/>
-            <a:ext cx="5112568" cy="2528462"/>
-            <a:chOff x="251520" y="329038"/>
-            <a:chExt cx="5112568" cy="2528462"/>
-          </a:xfrm>
-        </p:grpSpPr>
-        <p:sp>
-          <p:nvSpPr>
-            <p:cNvPr id="3" name="제목 3">
-              <a:extLst>
-                <a:ext uri="{FF2B5EF4-FFF2-40B4-BE49-F238E27FC236}">
-                  <a16:creationId xmlns:a16="http://schemas.microsoft.com/office/drawing/2014/main" id="{1D70C578-A6AB-41DB-AAC9-32A83EFDE519}"/>
-                </a:ext>
-              </a:extLst>
-            </p:cNvPr>
-            <p:cNvSpPr txBox="1">
-              <a:spLocks/>
-            </p:cNvSpPr>
-            <p:nvPr/>
-          </p:nvSpPr>
-          <p:spPr>
-            <a:xfrm>
-              <a:off x="539552" y="1921396"/>
-              <a:ext cx="4824536" cy="936104"/>
-            </a:xfrm>
-            <a:prstGeom prst="rect">
-              <a:avLst/>
-            </a:prstGeom>
-          </p:spPr>
-          <p:txBody>
-            <a:bodyPr vert="horz" lIns="91440" tIns="45720" rIns="91440" bIns="45720" rtlCol="0" anchor="ctr">
-              <a:noAutofit/>
-            </a:bodyPr>
-            <a:lstStyle>
-              <a:lvl1pPr algn="ctr" defTabSz="914400" rtl="0" eaLnBrk="1" latinLnBrk="1" hangingPunct="1">
-                <a:spcBef>
-                  <a:spcPct val="0"/>
-                </a:spcBef>
-                <a:buNone/>
-                <a:defRPr sz="4400" kern="1200">
-                  <a:solidFill>
-                    <a:schemeClr val="tx1"/>
-                  </a:solidFill>
-                  <a:latin typeface="+mj-lt"/>
-                  <a:ea typeface="+mj-ea"/>
-                  <a:cs typeface="+mj-cs"/>
-                </a:defRPr>
-              </a:lvl1pPr>
-            </a:lstStyle>
-            <a:p>
-              <a:pPr algn="just"/>
-              <a:r>
-                <a:rPr lang="ko-KR" altLang="en-US" sz="2800" dirty="0">
-                  <a:solidFill>
-                    <a:schemeClr val="bg1"/>
-                  </a:solidFill>
-                  <a:latin typeface="G마켓 산스 Bold" panose="02000000000000000000" pitchFamily="50" charset="-127"/>
-                  <a:ea typeface="G마켓 산스 Bold" panose="02000000000000000000" pitchFamily="50" charset="-127"/>
-                </a:rPr>
-                <a:t>쉼</a:t>
-              </a:r>
-              <a:r>
-                <a:rPr lang="en-US" altLang="ko-KR" sz="2800" dirty="0">
-                  <a:solidFill>
-                    <a:schemeClr val="bg1"/>
-                  </a:solidFill>
-                  <a:latin typeface="G마켓 산스 Bold" panose="02000000000000000000" pitchFamily="50" charset="-127"/>
-                  <a:ea typeface="G마켓 산스 Bold" panose="02000000000000000000" pitchFamily="50" charset="-127"/>
-                </a:rPr>
-                <a:t>,</a:t>
-              </a:r>
-            </a:p>
-            <a:p>
-              <a:pPr algn="just"/>
-              <a:r>
-                <a:rPr lang="ko-KR" altLang="en-US" sz="2800" dirty="0">
-                  <a:solidFill>
-                    <a:schemeClr val="bg1"/>
-                  </a:solidFill>
-                  <a:latin typeface="G마켓 산스 Bold" panose="02000000000000000000" pitchFamily="50" charset="-127"/>
-                  <a:ea typeface="G마켓 산스 Bold" panose="02000000000000000000" pitchFamily="50" charset="-127"/>
-                </a:rPr>
-                <a:t>주요 코드 </a:t>
-              </a:r>
-              <a:r>
-                <a:rPr lang="en-US" altLang="ko-KR" sz="2800" dirty="0">
-                  <a:solidFill>
-                    <a:schemeClr val="bg1"/>
-                  </a:solidFill>
-                  <a:latin typeface="G마켓 산스 Bold" panose="02000000000000000000" pitchFamily="50" charset="-127"/>
-                  <a:ea typeface="G마켓 산스 Bold" panose="02000000000000000000" pitchFamily="50" charset="-127"/>
-                </a:rPr>
-                <a:t>[</a:t>
-              </a:r>
-              <a:r>
-                <a:rPr lang="ko-KR" altLang="en-US" sz="2800" dirty="0">
-                  <a:solidFill>
-                    <a:schemeClr val="bg1"/>
-                  </a:solidFill>
-                  <a:latin typeface="G마켓 산스 Bold" panose="02000000000000000000" pitchFamily="50" charset="-127"/>
-                  <a:ea typeface="G마켓 산스 Bold" panose="02000000000000000000" pitchFamily="50" charset="-127"/>
-                </a:rPr>
-                <a:t>암호화</a:t>
-              </a:r>
-              <a:r>
-                <a:rPr lang="en-US" altLang="ko-KR" sz="2800" dirty="0">
-                  <a:solidFill>
-                    <a:schemeClr val="bg1"/>
-                  </a:solidFill>
-                  <a:latin typeface="G마켓 산스 Bold" panose="02000000000000000000" pitchFamily="50" charset="-127"/>
-                  <a:ea typeface="G마켓 산스 Bold" panose="02000000000000000000" pitchFamily="50" charset="-127"/>
-                </a:rPr>
-                <a:t>]</a:t>
-              </a:r>
-              <a:endParaRPr lang="ko-KR" altLang="en-US" sz="2800" dirty="0">
-                <a:solidFill>
-                  <a:schemeClr val="bg1"/>
-                </a:solidFill>
-                <a:latin typeface="G마켓 산스 Bold" panose="02000000000000000000" pitchFamily="50" charset="-127"/>
-                <a:ea typeface="G마켓 산스 Bold" panose="02000000000000000000" pitchFamily="50" charset="-127"/>
-              </a:endParaRPr>
-            </a:p>
-          </p:txBody>
-        </p:sp>
-        <p:pic>
-          <p:nvPicPr>
-            <p:cNvPr id="10" name="그림 9" descr="화살이(가) 표시된 사진&#10;&#10;자동 생성된 설명">
-              <a:extLst>
-                <a:ext uri="{FF2B5EF4-FFF2-40B4-BE49-F238E27FC236}">
-                  <a16:creationId xmlns:a16="http://schemas.microsoft.com/office/drawing/2014/main" id="{0941B7B4-799D-4DFB-B168-9FD434D3FB82}"/>
-                </a:ext>
-              </a:extLst>
-            </p:cNvPr>
-            <p:cNvPicPr>
-              <a:picLocks noChangeAspect="1"/>
-            </p:cNvPicPr>
-            <p:nvPr/>
-          </p:nvPicPr>
-          <p:blipFill>
-            <a:blip r:embed="rId2">
-              <a:extLst>
-                <a:ext uri="{28A0092B-C50C-407E-A947-70E740481C1C}">
-                  <a14:useLocalDpi xmlns:a14="http://schemas.microsoft.com/office/drawing/2010/main" val="0"/>
-                </a:ext>
-              </a:extLst>
-            </a:blip>
-            <a:stretch>
-              <a:fillRect/>
-            </a:stretch>
-          </p:blipFill>
-          <p:spPr>
-            <a:xfrm>
-              <a:off x="251520" y="329038"/>
-              <a:ext cx="1520350" cy="1520350"/>
-            </a:xfrm>
-            <a:prstGeom prst="rect">
-              <a:avLst/>
-            </a:prstGeom>
-          </p:spPr>
-        </p:pic>
-      </p:grpSp>
-    </p:spTree>
-    <p:extLst>
-      <p:ext uri="{BB962C8B-B14F-4D97-AF65-F5344CB8AC3E}">
-        <p14:creationId xmlns:p14="http://schemas.microsoft.com/office/powerpoint/2010/main" val="3184463785"/>
-      </p:ext>
-    </p:extLst>
-  </p:cSld>
-  <p:clrMapOvr>
-    <a:masterClrMapping/>
-  </p:clrMapOvr>
-</p:sld>
-</file>
-
-<file path=ppt/slides/slide9.xml><?xml version="1.0" encoding="utf-8"?>
-<p:sld xmlns:a="http://schemas.openxmlformats.org/drawingml/2006/main" xmlns:r="http://schemas.openxmlformats.org/officeDocument/2006/relationships" xmlns:p="http://schemas.openxmlformats.org/presentationml/2006/main">
-  <p:cSld>
-    <p:spTree>
-      <p:nvGrpSpPr>
-        <p:cNvPr id="1" name=""/>
-        <p:cNvGrpSpPr/>
-        <p:nvPr/>
-      </p:nvGrpSpPr>
-      <p:grpSpPr>
-        <a:xfrm>
-          <a:off x="0" y="0"/>
-          <a:ext cx="0" cy="0"/>
-          <a:chOff x="0" y="0"/>
-          <a:chExt cx="0" cy="0"/>
-        </a:xfrm>
-      </p:grpSpPr>
-      <p:pic>
-        <p:nvPicPr>
-          <p:cNvPr id="3" name="그림 2">
-            <a:extLst>
-              <a:ext uri="{FF2B5EF4-FFF2-40B4-BE49-F238E27FC236}">
-                <a16:creationId xmlns:a16="http://schemas.microsoft.com/office/drawing/2014/main" id="{E3D63A03-AC03-4022-B721-AF8690B96F13}"/>
-              </a:ext>
-            </a:extLst>
-          </p:cNvPr>
-          <p:cNvPicPr>
-            <a:picLocks noChangeAspect="1"/>
-          </p:cNvPicPr>
-          <p:nvPr/>
-        </p:nvPicPr>
-        <p:blipFill>
-          <a:blip r:embed="rId2"/>
-          <a:stretch>
-            <a:fillRect/>
-          </a:stretch>
-        </p:blipFill>
-        <p:spPr>
-          <a:xfrm>
-            <a:off x="1642653" y="1276129"/>
-            <a:ext cx="5858693" cy="3162741"/>
-          </a:xfrm>
-          <a:prstGeom prst="rect">
-            <a:avLst/>
-          </a:prstGeom>
-        </p:spPr>
-      </p:pic>
-    </p:spTree>
-    <p:extLst>
-      <p:ext uri="{BB962C8B-B14F-4D97-AF65-F5344CB8AC3E}">
-        <p14:creationId xmlns:p14="http://schemas.microsoft.com/office/powerpoint/2010/main" val="3889509706"/>
       </p:ext>
     </p:extLst>
   </p:cSld>

--- a/문서/최종보고서/쉼,_최종보고서.pptx
+++ b/문서/최종보고서/쉼,_최종보고서.pptx
@@ -6,10 +6,10 @@
     <p:sldMasterId id="2147483673" r:id="rId2"/>
   </p:sldMasterIdLst>
   <p:notesMasterIdLst>
-    <p:notesMasterId r:id="rId27"/>
+    <p:notesMasterId r:id="rId29"/>
   </p:notesMasterIdLst>
   <p:handoutMasterIdLst>
-    <p:handoutMasterId r:id="rId28"/>
+    <p:handoutMasterId r:id="rId30"/>
   </p:handoutMasterIdLst>
   <p:sldIdLst>
     <p:sldId id="511" r:id="rId3"/>
@@ -19,23 +19,25 @@
     <p:sldId id="513" r:id="rId7"/>
     <p:sldId id="517" r:id="rId8"/>
     <p:sldId id="516" r:id="rId9"/>
-    <p:sldId id="493" r:id="rId10"/>
-    <p:sldId id="492" r:id="rId11"/>
-    <p:sldId id="494" r:id="rId12"/>
-    <p:sldId id="495" r:id="rId13"/>
-    <p:sldId id="496" r:id="rId14"/>
-    <p:sldId id="506" r:id="rId15"/>
-    <p:sldId id="507" r:id="rId16"/>
-    <p:sldId id="508" r:id="rId17"/>
-    <p:sldId id="505" r:id="rId18"/>
-    <p:sldId id="497" r:id="rId19"/>
-    <p:sldId id="498" r:id="rId20"/>
-    <p:sldId id="499" r:id="rId21"/>
-    <p:sldId id="500" r:id="rId22"/>
-    <p:sldId id="501" r:id="rId23"/>
-    <p:sldId id="502" r:id="rId24"/>
-    <p:sldId id="504" r:id="rId25"/>
-    <p:sldId id="503" r:id="rId26"/>
+    <p:sldId id="519" r:id="rId10"/>
+    <p:sldId id="520" r:id="rId11"/>
+    <p:sldId id="493" r:id="rId12"/>
+    <p:sldId id="492" r:id="rId13"/>
+    <p:sldId id="494" r:id="rId14"/>
+    <p:sldId id="495" r:id="rId15"/>
+    <p:sldId id="496" r:id="rId16"/>
+    <p:sldId id="506" r:id="rId17"/>
+    <p:sldId id="507" r:id="rId18"/>
+    <p:sldId id="508" r:id="rId19"/>
+    <p:sldId id="505" r:id="rId20"/>
+    <p:sldId id="497" r:id="rId21"/>
+    <p:sldId id="498" r:id="rId22"/>
+    <p:sldId id="499" r:id="rId23"/>
+    <p:sldId id="500" r:id="rId24"/>
+    <p:sldId id="501" r:id="rId25"/>
+    <p:sldId id="502" r:id="rId26"/>
+    <p:sldId id="504" r:id="rId27"/>
+    <p:sldId id="503" r:id="rId28"/>
   </p:sldIdLst>
   <p:sldSz cx="9144000" cy="5715000" type="screen16x10"/>
   <p:notesSz cx="6735763" cy="9866313"/>
@@ -6221,6 +6223,342 @@
 <file path=ppt/slides/slide10.xml><?xml version="1.0" encoding="utf-8"?>
 <p:sld xmlns:a="http://schemas.openxmlformats.org/drawingml/2006/main" xmlns:r="http://schemas.openxmlformats.org/officeDocument/2006/relationships" xmlns:p="http://schemas.openxmlformats.org/presentationml/2006/main">
   <p:cSld>
+    <p:bg>
+      <p:bgPr>
+        <a:solidFill>
+          <a:srgbClr val="76BEC0"/>
+        </a:solidFill>
+        <a:effectLst/>
+      </p:bgPr>
+    </p:bg>
+    <p:spTree>
+      <p:nvGrpSpPr>
+        <p:cNvPr id="1" name=""/>
+        <p:cNvGrpSpPr/>
+        <p:nvPr/>
+      </p:nvGrpSpPr>
+      <p:grpSpPr>
+        <a:xfrm>
+          <a:off x="0" y="0"/>
+          <a:ext cx="0" cy="0"/>
+          <a:chOff x="0" y="0"/>
+          <a:chExt cx="0" cy="0"/>
+        </a:xfrm>
+      </p:grpSpPr>
+      <p:grpSp>
+        <p:nvGrpSpPr>
+          <p:cNvPr id="11" name="그룹 10">
+            <a:extLst>
+              <a:ext uri="{FF2B5EF4-FFF2-40B4-BE49-F238E27FC236}">
+                <a16:creationId xmlns:a16="http://schemas.microsoft.com/office/drawing/2014/main" id="{954346B6-2AED-46E5-B675-3CBBFD012D1F}"/>
+              </a:ext>
+            </a:extLst>
+          </p:cNvPr>
+          <p:cNvGrpSpPr/>
+          <p:nvPr/>
+        </p:nvGrpSpPr>
+        <p:grpSpPr>
+          <a:xfrm>
+            <a:off x="251520" y="329038"/>
+            <a:ext cx="5112568" cy="2528462"/>
+            <a:chOff x="251520" y="329038"/>
+            <a:chExt cx="5112568" cy="2528462"/>
+          </a:xfrm>
+        </p:grpSpPr>
+        <p:sp>
+          <p:nvSpPr>
+            <p:cNvPr id="3" name="제목 3">
+              <a:extLst>
+                <a:ext uri="{FF2B5EF4-FFF2-40B4-BE49-F238E27FC236}">
+                  <a16:creationId xmlns:a16="http://schemas.microsoft.com/office/drawing/2014/main" id="{1D70C578-A6AB-41DB-AAC9-32A83EFDE519}"/>
+                </a:ext>
+              </a:extLst>
+            </p:cNvPr>
+            <p:cNvSpPr txBox="1">
+              <a:spLocks/>
+            </p:cNvSpPr>
+            <p:nvPr/>
+          </p:nvSpPr>
+          <p:spPr>
+            <a:xfrm>
+              <a:off x="539552" y="1921396"/>
+              <a:ext cx="4824536" cy="936104"/>
+            </a:xfrm>
+            <a:prstGeom prst="rect">
+              <a:avLst/>
+            </a:prstGeom>
+          </p:spPr>
+          <p:txBody>
+            <a:bodyPr vert="horz" lIns="91440" tIns="45720" rIns="91440" bIns="45720" rtlCol="0" anchor="ctr">
+              <a:noAutofit/>
+            </a:bodyPr>
+            <a:lstStyle>
+              <a:lvl1pPr algn="ctr" defTabSz="914400" rtl="0" eaLnBrk="1" latinLnBrk="1" hangingPunct="1">
+                <a:spcBef>
+                  <a:spcPct val="0"/>
+                </a:spcBef>
+                <a:buNone/>
+                <a:defRPr sz="4400" kern="1200">
+                  <a:solidFill>
+                    <a:schemeClr val="tx1"/>
+                  </a:solidFill>
+                  <a:latin typeface="+mj-lt"/>
+                  <a:ea typeface="+mj-ea"/>
+                  <a:cs typeface="+mj-cs"/>
+                </a:defRPr>
+              </a:lvl1pPr>
+            </a:lstStyle>
+            <a:p>
+              <a:pPr algn="just"/>
+              <a:r>
+                <a:rPr lang="ko-KR" altLang="en-US" sz="2800" dirty="0">
+                  <a:solidFill>
+                    <a:schemeClr val="bg1"/>
+                  </a:solidFill>
+                  <a:latin typeface="G마켓 산스 Bold" panose="02000000000000000000" pitchFamily="50" charset="-127"/>
+                  <a:ea typeface="G마켓 산스 Bold" panose="02000000000000000000" pitchFamily="50" charset="-127"/>
+                </a:rPr>
+                <a:t>쉼</a:t>
+              </a:r>
+              <a:r>
+                <a:rPr lang="en-US" altLang="ko-KR" sz="2800" dirty="0">
+                  <a:solidFill>
+                    <a:schemeClr val="bg1"/>
+                  </a:solidFill>
+                  <a:latin typeface="G마켓 산스 Bold" panose="02000000000000000000" pitchFamily="50" charset="-127"/>
+                  <a:ea typeface="G마켓 산스 Bold" panose="02000000000000000000" pitchFamily="50" charset="-127"/>
+                </a:rPr>
+                <a:t>,</a:t>
+              </a:r>
+            </a:p>
+            <a:p>
+              <a:pPr algn="just"/>
+              <a:r>
+                <a:rPr lang="ko-KR" altLang="en-US" sz="2800" dirty="0">
+                  <a:solidFill>
+                    <a:schemeClr val="bg1"/>
+                  </a:solidFill>
+                  <a:latin typeface="G마켓 산스 Bold" panose="02000000000000000000" pitchFamily="50" charset="-127"/>
+                  <a:ea typeface="G마켓 산스 Bold" panose="02000000000000000000" pitchFamily="50" charset="-127"/>
+                </a:rPr>
+                <a:t>주요 코드 </a:t>
+              </a:r>
+              <a:r>
+                <a:rPr lang="en-US" altLang="ko-KR" sz="2800" dirty="0">
+                  <a:solidFill>
+                    <a:schemeClr val="bg1"/>
+                  </a:solidFill>
+                  <a:latin typeface="G마켓 산스 Bold" panose="02000000000000000000" pitchFamily="50" charset="-127"/>
+                  <a:ea typeface="G마켓 산스 Bold" panose="02000000000000000000" pitchFamily="50" charset="-127"/>
+                </a:rPr>
+                <a:t>[</a:t>
+              </a:r>
+              <a:r>
+                <a:rPr lang="ko-KR" altLang="en-US" sz="2800" dirty="0">
+                  <a:solidFill>
+                    <a:schemeClr val="bg1"/>
+                  </a:solidFill>
+                  <a:latin typeface="G마켓 산스 Bold" panose="02000000000000000000" pitchFamily="50" charset="-127"/>
+                  <a:ea typeface="G마켓 산스 Bold" panose="02000000000000000000" pitchFamily="50" charset="-127"/>
+                </a:rPr>
+                <a:t>채팅</a:t>
+              </a:r>
+              <a:r>
+                <a:rPr lang="en-US" altLang="ko-KR" sz="2800" dirty="0">
+                  <a:solidFill>
+                    <a:schemeClr val="bg1"/>
+                  </a:solidFill>
+                  <a:latin typeface="G마켓 산스 Bold" panose="02000000000000000000" pitchFamily="50" charset="-127"/>
+                  <a:ea typeface="G마켓 산스 Bold" panose="02000000000000000000" pitchFamily="50" charset="-127"/>
+                </a:rPr>
+                <a:t>]</a:t>
+              </a:r>
+              <a:endParaRPr lang="ko-KR" altLang="en-US" sz="2800" dirty="0">
+                <a:solidFill>
+                  <a:schemeClr val="bg1"/>
+                </a:solidFill>
+                <a:latin typeface="G마켓 산스 Bold" panose="02000000000000000000" pitchFamily="50" charset="-127"/>
+                <a:ea typeface="G마켓 산스 Bold" panose="02000000000000000000" pitchFamily="50" charset="-127"/>
+              </a:endParaRPr>
+            </a:p>
+          </p:txBody>
+        </p:sp>
+        <p:pic>
+          <p:nvPicPr>
+            <p:cNvPr id="10" name="그림 9" descr="화살이(가) 표시된 사진&#10;&#10;자동 생성된 설명">
+              <a:extLst>
+                <a:ext uri="{FF2B5EF4-FFF2-40B4-BE49-F238E27FC236}">
+                  <a16:creationId xmlns:a16="http://schemas.microsoft.com/office/drawing/2014/main" id="{0941B7B4-799D-4DFB-B168-9FD434D3FB82}"/>
+                </a:ext>
+              </a:extLst>
+            </p:cNvPr>
+            <p:cNvPicPr>
+              <a:picLocks noChangeAspect="1"/>
+            </p:cNvPicPr>
+            <p:nvPr/>
+          </p:nvPicPr>
+          <p:blipFill>
+            <a:blip r:embed="rId2">
+              <a:extLst>
+                <a:ext uri="{28A0092B-C50C-407E-A947-70E740481C1C}">
+                  <a14:useLocalDpi xmlns:a14="http://schemas.microsoft.com/office/drawing/2010/main" val="0"/>
+                </a:ext>
+              </a:extLst>
+            </a:blip>
+            <a:stretch>
+              <a:fillRect/>
+            </a:stretch>
+          </p:blipFill>
+          <p:spPr>
+            <a:xfrm>
+              <a:off x="251520" y="329038"/>
+              <a:ext cx="1520350" cy="1520350"/>
+            </a:xfrm>
+            <a:prstGeom prst="rect">
+              <a:avLst/>
+            </a:prstGeom>
+            <a:effectLst>
+              <a:outerShdw blurRad="50800" dist="38100" dir="2700000" algn="tl" rotWithShape="0">
+                <a:prstClr val="black">
+                  <a:alpha val="40000"/>
+                </a:prstClr>
+              </a:outerShdw>
+            </a:effectLst>
+          </p:spPr>
+        </p:pic>
+      </p:grpSp>
+    </p:spTree>
+    <p:extLst>
+      <p:ext uri="{BB962C8B-B14F-4D97-AF65-F5344CB8AC3E}">
+        <p14:creationId xmlns:p14="http://schemas.microsoft.com/office/powerpoint/2010/main" val="885145549"/>
+      </p:ext>
+    </p:extLst>
+  </p:cSld>
+  <p:clrMapOvr>
+    <a:masterClrMapping/>
+  </p:clrMapOvr>
+</p:sld>
+</file>
+
+<file path=ppt/slides/slide11.xml><?xml version="1.0" encoding="utf-8"?>
+<p:sld xmlns:a="http://schemas.openxmlformats.org/drawingml/2006/main" xmlns:r="http://schemas.openxmlformats.org/officeDocument/2006/relationships" xmlns:p="http://schemas.openxmlformats.org/presentationml/2006/main">
+  <p:cSld>
+    <p:spTree>
+      <p:nvGrpSpPr>
+        <p:cNvPr id="1" name=""/>
+        <p:cNvGrpSpPr/>
+        <p:nvPr/>
+      </p:nvGrpSpPr>
+      <p:grpSpPr>
+        <a:xfrm>
+          <a:off x="0" y="0"/>
+          <a:ext cx="0" cy="0"/>
+          <a:chOff x="0" y="0"/>
+          <a:chExt cx="0" cy="0"/>
+        </a:xfrm>
+      </p:grpSpPr>
+      <p:pic>
+        <p:nvPicPr>
+          <p:cNvPr id="1026" name="Picture 2">
+            <a:extLst>
+              <a:ext uri="{FF2B5EF4-FFF2-40B4-BE49-F238E27FC236}">
+                <a16:creationId xmlns:a16="http://schemas.microsoft.com/office/drawing/2014/main" id="{C228A1A3-07FC-4C9B-BEC3-E1C85078F33D}"/>
+              </a:ext>
+            </a:extLst>
+          </p:cNvPr>
+          <p:cNvPicPr>
+            <a:picLocks noChangeAspect="1" noChangeArrowheads="1"/>
+          </p:cNvPicPr>
+          <p:nvPr/>
+        </p:nvPicPr>
+        <p:blipFill>
+          <a:blip r:embed="rId2">
+            <a:extLst>
+              <a:ext uri="{28A0092B-C50C-407E-A947-70E740481C1C}">
+                <a14:useLocalDpi xmlns:a14="http://schemas.microsoft.com/office/drawing/2010/main" val="0"/>
+              </a:ext>
+            </a:extLst>
+          </a:blip>
+          <a:srcRect/>
+          <a:stretch>
+            <a:fillRect/>
+          </a:stretch>
+        </p:blipFill>
+        <p:spPr bwMode="auto">
+          <a:xfrm>
+            <a:off x="1714500" y="1345332"/>
+            <a:ext cx="5715000" cy="3648075"/>
+          </a:xfrm>
+          <a:prstGeom prst="rect">
+            <a:avLst/>
+          </a:prstGeom>
+          <a:noFill/>
+          <a:extLst>
+            <a:ext uri="{909E8E84-426E-40DD-AFC4-6F175D3DCCD1}">
+              <a14:hiddenFill xmlns:a14="http://schemas.microsoft.com/office/drawing/2010/main">
+                <a:solidFill>
+                  <a:srgbClr val="FFFFFF"/>
+                </a:solidFill>
+              </a14:hiddenFill>
+            </a:ext>
+          </a:extLst>
+        </p:spPr>
+      </p:pic>
+      <p:sp>
+        <p:nvSpPr>
+          <p:cNvPr id="12" name="TextBox 11">
+            <a:extLst>
+              <a:ext uri="{FF2B5EF4-FFF2-40B4-BE49-F238E27FC236}">
+                <a16:creationId xmlns:a16="http://schemas.microsoft.com/office/drawing/2014/main" id="{7AE5A25D-63EF-4E4C-A2C4-417F899BC3AF}"/>
+              </a:ext>
+            </a:extLst>
+          </p:cNvPr>
+          <p:cNvSpPr txBox="1"/>
+          <p:nvPr/>
+        </p:nvSpPr>
+        <p:spPr>
+          <a:xfrm>
+            <a:off x="4023612" y="769268"/>
+            <a:ext cx="1096775" cy="369332"/>
+          </a:xfrm>
+          <a:prstGeom prst="rect">
+            <a:avLst/>
+          </a:prstGeom>
+          <a:noFill/>
+        </p:spPr>
+        <p:txBody>
+          <a:bodyPr wrap="none" rtlCol="0">
+            <a:spAutoFit/>
+          </a:bodyPr>
+          <a:lstStyle/>
+          <a:p>
+            <a:r>
+              <a:rPr lang="en-US" altLang="ko-KR" dirty="0"/>
+              <a:t>SSE </a:t>
+            </a:r>
+            <a:r>
+              <a:rPr lang="ko-KR" altLang="en-US" dirty="0"/>
+              <a:t>통신</a:t>
+            </a:r>
+          </a:p>
+        </p:txBody>
+      </p:sp>
+    </p:spTree>
+    <p:extLst>
+      <p:ext uri="{BB962C8B-B14F-4D97-AF65-F5344CB8AC3E}">
+        <p14:creationId xmlns:p14="http://schemas.microsoft.com/office/powerpoint/2010/main" val="589514962"/>
+      </p:ext>
+    </p:extLst>
+  </p:cSld>
+  <p:clrMapOvr>
+    <a:masterClrMapping/>
+  </p:clrMapOvr>
+</p:sld>
+</file>
+
+<file path=ppt/slides/slide12.xml><?xml version="1.0" encoding="utf-8"?>
+<p:sld xmlns:a="http://schemas.openxmlformats.org/drawingml/2006/main" xmlns:r="http://schemas.openxmlformats.org/officeDocument/2006/relationships" xmlns:p="http://schemas.openxmlformats.org/presentationml/2006/main">
+  <p:cSld>
     <p:spTree>
       <p:nvGrpSpPr>
         <p:cNvPr id="1" name=""/>
@@ -6402,7 +6740,7 @@
 </p:sld>
 </file>
 
-<file path=ppt/slides/slide11.xml><?xml version="1.0" encoding="utf-8"?>
+<file path=ppt/slides/slide13.xml><?xml version="1.0" encoding="utf-8"?>
 <p:sld xmlns:a="http://schemas.openxmlformats.org/drawingml/2006/main" xmlns:r="http://schemas.openxmlformats.org/officeDocument/2006/relationships" xmlns:p="http://schemas.openxmlformats.org/presentationml/2006/main">
   <p:cSld>
     <p:spTree>
@@ -6636,7 +6974,7 @@
 </p:sld>
 </file>
 
-<file path=ppt/slides/slide12.xml><?xml version="1.0" encoding="utf-8"?>
+<file path=ppt/slides/slide14.xml><?xml version="1.0" encoding="utf-8"?>
 <p:sld xmlns:a="http://schemas.openxmlformats.org/drawingml/2006/main" xmlns:r="http://schemas.openxmlformats.org/officeDocument/2006/relationships" xmlns:p="http://schemas.openxmlformats.org/presentationml/2006/main">
   <p:cSld>
     <p:bg>
@@ -6889,7 +7227,7 @@
 </p:sld>
 </file>
 
-<file path=ppt/slides/slide13.xml><?xml version="1.0" encoding="utf-8"?>
+<file path=ppt/slides/slide15.xml><?xml version="1.0" encoding="utf-8"?>
 <p:sld xmlns:a="http://schemas.openxmlformats.org/drawingml/2006/main" xmlns:r="http://schemas.openxmlformats.org/officeDocument/2006/relationships" xmlns:p="http://schemas.openxmlformats.org/presentationml/2006/main">
   <p:cSld>
     <p:spTree>
@@ -7379,7 +7717,7 @@
 </p:sld>
 </file>
 
-<file path=ppt/slides/slide14.xml><?xml version="1.0" encoding="utf-8"?>
+<file path=ppt/slides/slide16.xml><?xml version="1.0" encoding="utf-8"?>
 <p:sld xmlns:a="http://schemas.openxmlformats.org/drawingml/2006/main" xmlns:r="http://schemas.openxmlformats.org/officeDocument/2006/relationships" xmlns:p="http://schemas.openxmlformats.org/presentationml/2006/main">
   <p:cSld>
     <p:spTree>
@@ -7521,7 +7859,7 @@
 </p:sld>
 </file>
 
-<file path=ppt/slides/slide15.xml><?xml version="1.0" encoding="utf-8"?>
+<file path=ppt/slides/slide17.xml><?xml version="1.0" encoding="utf-8"?>
 <p:sld xmlns:a="http://schemas.openxmlformats.org/drawingml/2006/main" xmlns:r="http://schemas.openxmlformats.org/officeDocument/2006/relationships" xmlns:p="http://schemas.openxmlformats.org/presentationml/2006/main">
   <p:cSld>
     <p:spTree>
@@ -7906,7 +8244,7 @@
 </p:sld>
 </file>
 
-<file path=ppt/slides/slide16.xml><?xml version="1.0" encoding="utf-8"?>
+<file path=ppt/slides/slide18.xml><?xml version="1.0" encoding="utf-8"?>
 <p:sld xmlns:a="http://schemas.openxmlformats.org/drawingml/2006/main" xmlns:r="http://schemas.openxmlformats.org/officeDocument/2006/relationships" xmlns:p="http://schemas.openxmlformats.org/presentationml/2006/main">
   <p:cSld>
     <p:bg>
@@ -8159,7 +8497,7 @@
 </p:sld>
 </file>
 
-<file path=ppt/slides/slide17.xml><?xml version="1.0" encoding="utf-8"?>
+<file path=ppt/slides/slide19.xml><?xml version="1.0" encoding="utf-8"?>
 <p:sld xmlns:a="http://schemas.openxmlformats.org/drawingml/2006/main" xmlns:r="http://schemas.openxmlformats.org/officeDocument/2006/relationships" xmlns:p="http://schemas.openxmlformats.org/presentationml/2006/main">
   <p:cSld>
     <p:spTree>
@@ -8219,7 +8557,254 @@
 </p:sld>
 </file>
 
-<file path=ppt/slides/slide18.xml><?xml version="1.0" encoding="utf-8"?>
+<file path=ppt/slides/slide2.xml><?xml version="1.0" encoding="utf-8"?>
+<p:sld xmlns:a="http://schemas.openxmlformats.org/drawingml/2006/main" xmlns:r="http://schemas.openxmlformats.org/officeDocument/2006/relationships" xmlns:p="http://schemas.openxmlformats.org/presentationml/2006/main">
+  <p:cSld>
+    <p:spTree>
+      <p:nvGrpSpPr>
+        <p:cNvPr id="1" name=""/>
+        <p:cNvGrpSpPr/>
+        <p:nvPr/>
+      </p:nvGrpSpPr>
+      <p:grpSpPr>
+        <a:xfrm>
+          <a:off x="0" y="0"/>
+          <a:ext cx="0" cy="0"/>
+          <a:chOff x="0" y="0"/>
+          <a:chExt cx="0" cy="0"/>
+        </a:xfrm>
+      </p:grpSpPr>
+      <p:sp>
+        <p:nvSpPr>
+          <p:cNvPr id="6" name="직사각형 5">
+            <a:extLst>
+              <a:ext uri="{FF2B5EF4-FFF2-40B4-BE49-F238E27FC236}">
+                <a16:creationId xmlns:a16="http://schemas.microsoft.com/office/drawing/2014/main" id="{B873F4EE-93DF-4C0B-BB6C-227D188F29D8}"/>
+              </a:ext>
+            </a:extLst>
+          </p:cNvPr>
+          <p:cNvSpPr/>
+          <p:nvPr/>
+        </p:nvSpPr>
+        <p:spPr>
+          <a:xfrm>
+            <a:off x="179512" y="354198"/>
+            <a:ext cx="8784976" cy="5167598"/>
+          </a:xfrm>
+          <a:prstGeom prst="rect">
+            <a:avLst/>
+          </a:prstGeom>
+          <a:noFill/>
+          <a:ln w="19050">
+            <a:solidFill>
+              <a:srgbClr val="ACD8D9"/>
+            </a:solidFill>
+          </a:ln>
+        </p:spPr>
+        <p:style>
+          <a:lnRef idx="2">
+            <a:schemeClr val="accent1">
+              <a:shade val="50000"/>
+            </a:schemeClr>
+          </a:lnRef>
+          <a:fillRef idx="1">
+            <a:schemeClr val="accent1"/>
+          </a:fillRef>
+          <a:effectRef idx="0">
+            <a:schemeClr val="accent1"/>
+          </a:effectRef>
+          <a:fontRef idx="minor">
+            <a:schemeClr val="lt1"/>
+          </a:fontRef>
+        </p:style>
+        <p:txBody>
+          <a:bodyPr wrap="none" rtlCol="0" anchor="ctr"/>
+          <a:lstStyle/>
+          <a:p>
+            <a:pPr algn="ctr"/>
+            <a:endParaRPr lang="ko-KR" altLang="en-US" sz="850" dirty="0">
+              <a:solidFill>
+                <a:srgbClr val="000000"/>
+              </a:solidFill>
+              <a:latin typeface="Segoe UI" panose="020B0502040204020203" pitchFamily="34" charset="0"/>
+              <a:cs typeface="Segoe UI" panose="020B0502040204020203" pitchFamily="34" charset="0"/>
+            </a:endParaRPr>
+          </a:p>
+        </p:txBody>
+      </p:sp>
+      <p:pic>
+        <p:nvPicPr>
+          <p:cNvPr id="4" name="그림 3">
+            <a:extLst>
+              <a:ext uri="{FF2B5EF4-FFF2-40B4-BE49-F238E27FC236}">
+                <a16:creationId xmlns:a16="http://schemas.microsoft.com/office/drawing/2014/main" id="{46B73EC8-5245-41D4-865B-F2600F7CD0BE}"/>
+              </a:ext>
+            </a:extLst>
+          </p:cNvPr>
+          <p:cNvPicPr>
+            <a:picLocks noChangeAspect="1"/>
+          </p:cNvPicPr>
+          <p:nvPr/>
+        </p:nvPicPr>
+        <p:blipFill>
+          <a:blip r:embed="rId2" cstate="print">
+            <a:extLst>
+              <a:ext uri="{28A0092B-C50C-407E-A947-70E740481C1C}">
+                <a14:useLocalDpi xmlns:a14="http://schemas.microsoft.com/office/drawing/2010/main" val="0"/>
+              </a:ext>
+            </a:extLst>
+          </a:blip>
+          <a:stretch>
+            <a:fillRect/>
+          </a:stretch>
+        </p:blipFill>
+        <p:spPr>
+          <a:xfrm>
+            <a:off x="683568" y="985292"/>
+            <a:ext cx="4464496" cy="2288334"/>
+          </a:xfrm>
+          <a:prstGeom prst="rect">
+            <a:avLst/>
+          </a:prstGeom>
+        </p:spPr>
+      </p:pic>
+      <p:sp>
+        <p:nvSpPr>
+          <p:cNvPr id="5" name="제목 3">
+            <a:extLst>
+              <a:ext uri="{FF2B5EF4-FFF2-40B4-BE49-F238E27FC236}">
+                <a16:creationId xmlns:a16="http://schemas.microsoft.com/office/drawing/2014/main" id="{ABA1E414-544C-4D46-989D-A858306C89F7}"/>
+              </a:ext>
+            </a:extLst>
+          </p:cNvPr>
+          <p:cNvSpPr txBox="1">
+            <a:spLocks/>
+          </p:cNvSpPr>
+          <p:nvPr/>
+        </p:nvSpPr>
+        <p:spPr>
+          <a:xfrm>
+            <a:off x="3779912" y="4225652"/>
+            <a:ext cx="4824536" cy="936104"/>
+          </a:xfrm>
+          <a:prstGeom prst="rect">
+            <a:avLst/>
+          </a:prstGeom>
+        </p:spPr>
+        <p:txBody>
+          <a:bodyPr vert="horz" lIns="91440" tIns="45720" rIns="91440" bIns="45720" rtlCol="0" anchor="ctr">
+            <a:noAutofit/>
+          </a:bodyPr>
+          <a:lstStyle>
+            <a:lvl1pPr algn="ctr" defTabSz="914400" rtl="0" eaLnBrk="1" latinLnBrk="1" hangingPunct="1">
+              <a:spcBef>
+                <a:spcPct val="0"/>
+              </a:spcBef>
+              <a:buNone/>
+              <a:defRPr sz="4400" kern="1200">
+                <a:solidFill>
+                  <a:schemeClr val="tx1"/>
+                </a:solidFill>
+                <a:latin typeface="+mj-lt"/>
+                <a:ea typeface="+mj-ea"/>
+                <a:cs typeface="+mj-cs"/>
+              </a:defRPr>
+            </a:lvl1pPr>
+          </a:lstStyle>
+          <a:p>
+            <a:pPr algn="r"/>
+            <a:r>
+              <a:rPr lang="ko-KR" altLang="en-US" sz="2800" dirty="0">
+                <a:solidFill>
+                  <a:schemeClr val="tx1">
+                    <a:lumMod val="75000"/>
+                    <a:lumOff val="25000"/>
+                  </a:schemeClr>
+                </a:solidFill>
+                <a:latin typeface="G마켓 산스 Bold" panose="02000000000000000000" pitchFamily="50" charset="-127"/>
+                <a:ea typeface="G마켓 산스 Bold" panose="02000000000000000000" pitchFamily="50" charset="-127"/>
+              </a:rPr>
+              <a:t>숙소 예약 서비스</a:t>
+            </a:r>
+            <a:r>
+              <a:rPr lang="ko-KR" altLang="en-US" sz="2300" dirty="0">
+                <a:solidFill>
+                  <a:schemeClr val="tx1">
+                    <a:lumMod val="75000"/>
+                    <a:lumOff val="25000"/>
+                  </a:schemeClr>
+                </a:solidFill>
+                <a:latin typeface="G마켓 산스 Medium" panose="02000000000000000000" pitchFamily="50" charset="-127"/>
+                <a:ea typeface="G마켓 산스 Medium" panose="02000000000000000000" pitchFamily="50" charset="-127"/>
+              </a:rPr>
+              <a:t>를 통해</a:t>
+            </a:r>
+            <a:endParaRPr lang="en-US" altLang="ko-KR" sz="2300" dirty="0">
+              <a:solidFill>
+                <a:schemeClr val="tx1">
+                  <a:lumMod val="75000"/>
+                  <a:lumOff val="25000"/>
+                </a:schemeClr>
+              </a:solidFill>
+              <a:latin typeface="G마켓 산스 Medium" panose="02000000000000000000" pitchFamily="50" charset="-127"/>
+              <a:ea typeface="G마켓 산스 Medium" panose="02000000000000000000" pitchFamily="50" charset="-127"/>
+            </a:endParaRPr>
+          </a:p>
+          <a:p>
+            <a:pPr algn="r"/>
+            <a:r>
+              <a:rPr lang="ko-KR" altLang="en-US" sz="2300" dirty="0">
+                <a:solidFill>
+                  <a:schemeClr val="tx1">
+                    <a:lumMod val="75000"/>
+                    <a:lumOff val="25000"/>
+                  </a:schemeClr>
+                </a:solidFill>
+                <a:latin typeface="G마켓 산스 Medium" panose="02000000000000000000" pitchFamily="50" charset="-127"/>
+                <a:ea typeface="G마켓 산스 Medium" panose="02000000000000000000" pitchFamily="50" charset="-127"/>
+              </a:rPr>
+              <a:t>편안한 휴식을 제공합니다</a:t>
+            </a:r>
+            <a:r>
+              <a:rPr lang="en-US" altLang="ko-KR" sz="2300" dirty="0">
+                <a:solidFill>
+                  <a:schemeClr val="tx1">
+                    <a:lumMod val="75000"/>
+                    <a:lumOff val="25000"/>
+                  </a:schemeClr>
+                </a:solidFill>
+                <a:latin typeface="G마켓 산스 Medium" panose="02000000000000000000" pitchFamily="50" charset="-127"/>
+                <a:ea typeface="G마켓 산스 Medium" panose="02000000000000000000" pitchFamily="50" charset="-127"/>
+              </a:rPr>
+              <a:t>.</a:t>
+            </a:r>
+            <a:endParaRPr lang="ko-KR" altLang="en-US" sz="2300" dirty="0">
+              <a:solidFill>
+                <a:schemeClr val="tx1">
+                  <a:lumMod val="75000"/>
+                  <a:lumOff val="25000"/>
+                </a:schemeClr>
+              </a:solidFill>
+              <a:latin typeface="G마켓 산스 Medium" panose="02000000000000000000" pitchFamily="50" charset="-127"/>
+              <a:ea typeface="G마켓 산스 Medium" panose="02000000000000000000" pitchFamily="50" charset="-127"/>
+            </a:endParaRPr>
+          </a:p>
+        </p:txBody>
+      </p:sp>
+    </p:spTree>
+    <p:extLst>
+      <p:ext uri="{BB962C8B-B14F-4D97-AF65-F5344CB8AC3E}">
+        <p14:creationId xmlns:p14="http://schemas.microsoft.com/office/powerpoint/2010/main" val="3454730623"/>
+      </p:ext>
+    </p:extLst>
+  </p:cSld>
+  <p:clrMapOvr>
+    <a:masterClrMapping/>
+  </p:clrMapOvr>
+</p:sld>
+</file>
+
+<file path=ppt/slides/slide20.xml><?xml version="1.0" encoding="utf-8"?>
 <p:sld xmlns:a="http://schemas.openxmlformats.org/drawingml/2006/main" xmlns:r="http://schemas.openxmlformats.org/officeDocument/2006/relationships" xmlns:p="http://schemas.openxmlformats.org/presentationml/2006/main">
   <p:cSld>
     <p:spTree>
@@ -8498,7 +9083,7 @@
 </p:sld>
 </file>
 
-<file path=ppt/slides/slide19.xml><?xml version="1.0" encoding="utf-8"?>
+<file path=ppt/slides/slide21.xml><?xml version="1.0" encoding="utf-8"?>
 <p:sld xmlns:a="http://schemas.openxmlformats.org/drawingml/2006/main" xmlns:r="http://schemas.openxmlformats.org/officeDocument/2006/relationships" xmlns:p="http://schemas.openxmlformats.org/presentationml/2006/main">
   <p:cSld>
     <p:bg>
@@ -8718,254 +9303,7 @@
 </p:sld>
 </file>
 
-<file path=ppt/slides/slide2.xml><?xml version="1.0" encoding="utf-8"?>
-<p:sld xmlns:a="http://schemas.openxmlformats.org/drawingml/2006/main" xmlns:r="http://schemas.openxmlformats.org/officeDocument/2006/relationships" xmlns:p="http://schemas.openxmlformats.org/presentationml/2006/main">
-  <p:cSld>
-    <p:spTree>
-      <p:nvGrpSpPr>
-        <p:cNvPr id="1" name=""/>
-        <p:cNvGrpSpPr/>
-        <p:nvPr/>
-      </p:nvGrpSpPr>
-      <p:grpSpPr>
-        <a:xfrm>
-          <a:off x="0" y="0"/>
-          <a:ext cx="0" cy="0"/>
-          <a:chOff x="0" y="0"/>
-          <a:chExt cx="0" cy="0"/>
-        </a:xfrm>
-      </p:grpSpPr>
-      <p:sp>
-        <p:nvSpPr>
-          <p:cNvPr id="6" name="직사각형 5">
-            <a:extLst>
-              <a:ext uri="{FF2B5EF4-FFF2-40B4-BE49-F238E27FC236}">
-                <a16:creationId xmlns:a16="http://schemas.microsoft.com/office/drawing/2014/main" id="{B873F4EE-93DF-4C0B-BB6C-227D188F29D8}"/>
-              </a:ext>
-            </a:extLst>
-          </p:cNvPr>
-          <p:cNvSpPr/>
-          <p:nvPr/>
-        </p:nvSpPr>
-        <p:spPr>
-          <a:xfrm>
-            <a:off x="179512" y="354198"/>
-            <a:ext cx="8784976" cy="5167598"/>
-          </a:xfrm>
-          <a:prstGeom prst="rect">
-            <a:avLst/>
-          </a:prstGeom>
-          <a:noFill/>
-          <a:ln w="19050">
-            <a:solidFill>
-              <a:srgbClr val="ACD8D9"/>
-            </a:solidFill>
-          </a:ln>
-        </p:spPr>
-        <p:style>
-          <a:lnRef idx="2">
-            <a:schemeClr val="accent1">
-              <a:shade val="50000"/>
-            </a:schemeClr>
-          </a:lnRef>
-          <a:fillRef idx="1">
-            <a:schemeClr val="accent1"/>
-          </a:fillRef>
-          <a:effectRef idx="0">
-            <a:schemeClr val="accent1"/>
-          </a:effectRef>
-          <a:fontRef idx="minor">
-            <a:schemeClr val="lt1"/>
-          </a:fontRef>
-        </p:style>
-        <p:txBody>
-          <a:bodyPr wrap="none" rtlCol="0" anchor="ctr"/>
-          <a:lstStyle/>
-          <a:p>
-            <a:pPr algn="ctr"/>
-            <a:endParaRPr lang="ko-KR" altLang="en-US" sz="850" dirty="0">
-              <a:solidFill>
-                <a:srgbClr val="000000"/>
-              </a:solidFill>
-              <a:latin typeface="Segoe UI" panose="020B0502040204020203" pitchFamily="34" charset="0"/>
-              <a:cs typeface="Segoe UI" panose="020B0502040204020203" pitchFamily="34" charset="0"/>
-            </a:endParaRPr>
-          </a:p>
-        </p:txBody>
-      </p:sp>
-      <p:pic>
-        <p:nvPicPr>
-          <p:cNvPr id="4" name="그림 3">
-            <a:extLst>
-              <a:ext uri="{FF2B5EF4-FFF2-40B4-BE49-F238E27FC236}">
-                <a16:creationId xmlns:a16="http://schemas.microsoft.com/office/drawing/2014/main" id="{46B73EC8-5245-41D4-865B-F2600F7CD0BE}"/>
-              </a:ext>
-            </a:extLst>
-          </p:cNvPr>
-          <p:cNvPicPr>
-            <a:picLocks noChangeAspect="1"/>
-          </p:cNvPicPr>
-          <p:nvPr/>
-        </p:nvPicPr>
-        <p:blipFill>
-          <a:blip r:embed="rId2" cstate="print">
-            <a:extLst>
-              <a:ext uri="{28A0092B-C50C-407E-A947-70E740481C1C}">
-                <a14:useLocalDpi xmlns:a14="http://schemas.microsoft.com/office/drawing/2010/main" val="0"/>
-              </a:ext>
-            </a:extLst>
-          </a:blip>
-          <a:stretch>
-            <a:fillRect/>
-          </a:stretch>
-        </p:blipFill>
-        <p:spPr>
-          <a:xfrm>
-            <a:off x="683568" y="985292"/>
-            <a:ext cx="4464496" cy="2288334"/>
-          </a:xfrm>
-          <a:prstGeom prst="rect">
-            <a:avLst/>
-          </a:prstGeom>
-        </p:spPr>
-      </p:pic>
-      <p:sp>
-        <p:nvSpPr>
-          <p:cNvPr id="5" name="제목 3">
-            <a:extLst>
-              <a:ext uri="{FF2B5EF4-FFF2-40B4-BE49-F238E27FC236}">
-                <a16:creationId xmlns:a16="http://schemas.microsoft.com/office/drawing/2014/main" id="{ABA1E414-544C-4D46-989D-A858306C89F7}"/>
-              </a:ext>
-            </a:extLst>
-          </p:cNvPr>
-          <p:cNvSpPr txBox="1">
-            <a:spLocks/>
-          </p:cNvSpPr>
-          <p:nvPr/>
-        </p:nvSpPr>
-        <p:spPr>
-          <a:xfrm>
-            <a:off x="3779912" y="4225652"/>
-            <a:ext cx="4824536" cy="936104"/>
-          </a:xfrm>
-          <a:prstGeom prst="rect">
-            <a:avLst/>
-          </a:prstGeom>
-        </p:spPr>
-        <p:txBody>
-          <a:bodyPr vert="horz" lIns="91440" tIns="45720" rIns="91440" bIns="45720" rtlCol="0" anchor="ctr">
-            <a:noAutofit/>
-          </a:bodyPr>
-          <a:lstStyle>
-            <a:lvl1pPr algn="ctr" defTabSz="914400" rtl="0" eaLnBrk="1" latinLnBrk="1" hangingPunct="1">
-              <a:spcBef>
-                <a:spcPct val="0"/>
-              </a:spcBef>
-              <a:buNone/>
-              <a:defRPr sz="4400" kern="1200">
-                <a:solidFill>
-                  <a:schemeClr val="tx1"/>
-                </a:solidFill>
-                <a:latin typeface="+mj-lt"/>
-                <a:ea typeface="+mj-ea"/>
-                <a:cs typeface="+mj-cs"/>
-              </a:defRPr>
-            </a:lvl1pPr>
-          </a:lstStyle>
-          <a:p>
-            <a:pPr algn="r"/>
-            <a:r>
-              <a:rPr lang="ko-KR" altLang="en-US" sz="2800" dirty="0">
-                <a:solidFill>
-                  <a:schemeClr val="tx1">
-                    <a:lumMod val="75000"/>
-                    <a:lumOff val="25000"/>
-                  </a:schemeClr>
-                </a:solidFill>
-                <a:latin typeface="G마켓 산스 Bold" panose="02000000000000000000" pitchFamily="50" charset="-127"/>
-                <a:ea typeface="G마켓 산스 Bold" panose="02000000000000000000" pitchFamily="50" charset="-127"/>
-              </a:rPr>
-              <a:t>숙소 예약 서비스</a:t>
-            </a:r>
-            <a:r>
-              <a:rPr lang="ko-KR" altLang="en-US" sz="2300" dirty="0">
-                <a:solidFill>
-                  <a:schemeClr val="tx1">
-                    <a:lumMod val="75000"/>
-                    <a:lumOff val="25000"/>
-                  </a:schemeClr>
-                </a:solidFill>
-                <a:latin typeface="G마켓 산스 Medium" panose="02000000000000000000" pitchFamily="50" charset="-127"/>
-                <a:ea typeface="G마켓 산스 Medium" panose="02000000000000000000" pitchFamily="50" charset="-127"/>
-              </a:rPr>
-              <a:t>를 통해</a:t>
-            </a:r>
-            <a:endParaRPr lang="en-US" altLang="ko-KR" sz="2300" dirty="0">
-              <a:solidFill>
-                <a:schemeClr val="tx1">
-                  <a:lumMod val="75000"/>
-                  <a:lumOff val="25000"/>
-                </a:schemeClr>
-              </a:solidFill>
-              <a:latin typeface="G마켓 산스 Medium" panose="02000000000000000000" pitchFamily="50" charset="-127"/>
-              <a:ea typeface="G마켓 산스 Medium" panose="02000000000000000000" pitchFamily="50" charset="-127"/>
-            </a:endParaRPr>
-          </a:p>
-          <a:p>
-            <a:pPr algn="r"/>
-            <a:r>
-              <a:rPr lang="ko-KR" altLang="en-US" sz="2300" dirty="0">
-                <a:solidFill>
-                  <a:schemeClr val="tx1">
-                    <a:lumMod val="75000"/>
-                    <a:lumOff val="25000"/>
-                  </a:schemeClr>
-                </a:solidFill>
-                <a:latin typeface="G마켓 산스 Medium" panose="02000000000000000000" pitchFamily="50" charset="-127"/>
-                <a:ea typeface="G마켓 산스 Medium" panose="02000000000000000000" pitchFamily="50" charset="-127"/>
-              </a:rPr>
-              <a:t>편안한 휴식을 제공합니다</a:t>
-            </a:r>
-            <a:r>
-              <a:rPr lang="en-US" altLang="ko-KR" sz="2300" dirty="0">
-                <a:solidFill>
-                  <a:schemeClr val="tx1">
-                    <a:lumMod val="75000"/>
-                    <a:lumOff val="25000"/>
-                  </a:schemeClr>
-                </a:solidFill>
-                <a:latin typeface="G마켓 산스 Medium" panose="02000000000000000000" pitchFamily="50" charset="-127"/>
-                <a:ea typeface="G마켓 산스 Medium" panose="02000000000000000000" pitchFamily="50" charset="-127"/>
-              </a:rPr>
-              <a:t>.</a:t>
-            </a:r>
-            <a:endParaRPr lang="ko-KR" altLang="en-US" sz="2300" dirty="0">
-              <a:solidFill>
-                <a:schemeClr val="tx1">
-                  <a:lumMod val="75000"/>
-                  <a:lumOff val="25000"/>
-                </a:schemeClr>
-              </a:solidFill>
-              <a:latin typeface="G마켓 산스 Medium" panose="02000000000000000000" pitchFamily="50" charset="-127"/>
-              <a:ea typeface="G마켓 산스 Medium" panose="02000000000000000000" pitchFamily="50" charset="-127"/>
-            </a:endParaRPr>
-          </a:p>
-        </p:txBody>
-      </p:sp>
-    </p:spTree>
-    <p:extLst>
-      <p:ext uri="{BB962C8B-B14F-4D97-AF65-F5344CB8AC3E}">
-        <p14:creationId xmlns:p14="http://schemas.microsoft.com/office/powerpoint/2010/main" val="3454730623"/>
-      </p:ext>
-    </p:extLst>
-  </p:cSld>
-  <p:clrMapOvr>
-    <a:masterClrMapping/>
-  </p:clrMapOvr>
-</p:sld>
-</file>
-
-<file path=ppt/slides/slide20.xml><?xml version="1.0" encoding="utf-8"?>
+<file path=ppt/slides/slide22.xml><?xml version="1.0" encoding="utf-8"?>
 <p:sld xmlns:a="http://schemas.openxmlformats.org/drawingml/2006/main" xmlns:r="http://schemas.openxmlformats.org/officeDocument/2006/relationships" xmlns:p="http://schemas.openxmlformats.org/presentationml/2006/main">
   <p:cSld>
     <p:spTree>
@@ -9013,7 +9351,7 @@
           <a:p>
             <a:fld id="{E0E73EF2-4B26-4644-88A6-85759682C052}" type="slidenum">
               <a:rPr lang="ko-KR" altLang="en-US" smtClean="0"/>
-              <a:t>20</a:t>
+              <a:t>22</a:t>
             </a:fld>
             <a:endParaRPr lang="ko-KR" altLang="en-US"/>
           </a:p>
@@ -9105,7 +9443,7 @@
 </p:sld>
 </file>
 
-<file path=ppt/slides/slide21.xml><?xml version="1.0" encoding="utf-8"?>
+<file path=ppt/slides/slide23.xml><?xml version="1.0" encoding="utf-8"?>
 <p:sld xmlns:a="http://schemas.openxmlformats.org/drawingml/2006/main" xmlns:r="http://schemas.openxmlformats.org/officeDocument/2006/relationships" xmlns:p="http://schemas.openxmlformats.org/presentationml/2006/main">
   <p:cSld>
     <p:bg>
@@ -9325,7 +9663,7 @@
 </p:sld>
 </file>
 
-<file path=ppt/slides/slide22.xml><?xml version="1.0" encoding="utf-8"?>
+<file path=ppt/slides/slide24.xml><?xml version="1.0" encoding="utf-8"?>
 <p:sld xmlns:a="http://schemas.openxmlformats.org/drawingml/2006/main" xmlns:r="http://schemas.openxmlformats.org/officeDocument/2006/relationships" xmlns:p="http://schemas.openxmlformats.org/presentationml/2006/main">
   <p:cSld>
     <p:spTree>
@@ -9825,7 +10163,7 @@
 </p:sld>
 </file>
 
-<file path=ppt/slides/slide23.xml><?xml version="1.0" encoding="utf-8"?>
+<file path=ppt/slides/slide25.xml><?xml version="1.0" encoding="utf-8"?>
 <p:sld xmlns:a="http://schemas.openxmlformats.org/drawingml/2006/main" xmlns:r="http://schemas.openxmlformats.org/officeDocument/2006/relationships" xmlns:p="http://schemas.openxmlformats.org/presentationml/2006/main">
   <p:cSld>
     <p:bg>
@@ -10045,7 +10383,7 @@
 </p:sld>
 </file>
 
-<file path=ppt/slides/slide24.xml><?xml version="1.0" encoding="utf-8"?>
+<file path=ppt/slides/slide26.xml><?xml version="1.0" encoding="utf-8"?>
 <p:sld xmlns:a="http://schemas.openxmlformats.org/drawingml/2006/main" xmlns:r="http://schemas.openxmlformats.org/officeDocument/2006/relationships" xmlns:p="http://schemas.openxmlformats.org/presentationml/2006/main">
   <p:cSld>
     <p:spTree>
@@ -13448,7 +13786,7 @@
                   <a:latin typeface="G마켓 산스 Bold" panose="02000000000000000000" pitchFamily="50" charset="-127"/>
                   <a:ea typeface="G마켓 산스 Bold" panose="02000000000000000000" pitchFamily="50" charset="-127"/>
                 </a:rPr>
-                <a:t>채팅</a:t>
+                <a:t>검색</a:t>
               </a:r>
               <a:r>
                 <a:rPr lang="en-US" altLang="ko-KR" sz="2800" dirty="0">
@@ -13517,7 +13855,7 @@
     </p:spTree>
     <p:extLst>
       <p:ext uri="{BB962C8B-B14F-4D97-AF65-F5344CB8AC3E}">
-        <p14:creationId xmlns:p14="http://schemas.microsoft.com/office/powerpoint/2010/main" val="885145549"/>
+        <p14:creationId xmlns:p14="http://schemas.microsoft.com/office/powerpoint/2010/main" val="1336377845"/>
       </p:ext>
     </p:extLst>
   </p:cSld>
@@ -13530,6 +13868,14 @@
 <file path=ppt/slides/slide9.xml><?xml version="1.0" encoding="utf-8"?>
 <p:sld xmlns:a="http://schemas.openxmlformats.org/drawingml/2006/main" xmlns:r="http://schemas.openxmlformats.org/officeDocument/2006/relationships" xmlns:p="http://schemas.openxmlformats.org/presentationml/2006/main">
   <p:cSld>
+    <p:bg>
+      <p:bgPr>
+        <a:solidFill>
+          <a:srgbClr val="C1D0D0"/>
+        </a:solidFill>
+        <a:effectLst/>
+      </p:bgPr>
+    </p:bg>
     <p:spTree>
       <p:nvGrpSpPr>
         <p:cNvPr id="1" name=""/>
@@ -13546,94 +13892,46 @@
       </p:grpSpPr>
       <p:pic>
         <p:nvPicPr>
-          <p:cNvPr id="1026" name="Picture 2">
+          <p:cNvPr id="6" name="그림 5">
             <a:extLst>
               <a:ext uri="{FF2B5EF4-FFF2-40B4-BE49-F238E27FC236}">
-                <a16:creationId xmlns:a16="http://schemas.microsoft.com/office/drawing/2014/main" id="{C228A1A3-07FC-4C9B-BEC3-E1C85078F33D}"/>
+                <a16:creationId xmlns:a16="http://schemas.microsoft.com/office/drawing/2014/main" id="{4A670442-D5A0-49CB-8C4B-F47F9162ADF1}"/>
               </a:ext>
             </a:extLst>
           </p:cNvPr>
           <p:cNvPicPr>
-            <a:picLocks noChangeAspect="1" noChangeArrowheads="1"/>
+            <a:picLocks noChangeAspect="1"/>
           </p:cNvPicPr>
           <p:nvPr/>
         </p:nvPicPr>
         <p:blipFill>
-          <a:blip r:embed="rId2">
+          <a:blip r:embed="rId2" cstate="print">
             <a:extLst>
               <a:ext uri="{28A0092B-C50C-407E-A947-70E740481C1C}">
                 <a14:useLocalDpi xmlns:a14="http://schemas.microsoft.com/office/drawing/2010/main" val="0"/>
               </a:ext>
             </a:extLst>
           </a:blip>
-          <a:srcRect/>
           <a:stretch>
             <a:fillRect/>
           </a:stretch>
         </p:blipFill>
-        <p:spPr bwMode="auto">
+        <p:spPr>
           <a:xfrm>
-            <a:off x="1714500" y="1345332"/>
-            <a:ext cx="5715000" cy="3648075"/>
+            <a:off x="0" y="1057300"/>
+            <a:ext cx="9144000" cy="3742944"/>
           </a:xfrm>
-          <a:prstGeom prst="rect">
-            <a:avLst/>
+          <a:prstGeom prst="roundRect">
+            <a:avLst>
+              <a:gd name="adj" fmla="val 2764"/>
+            </a:avLst>
           </a:prstGeom>
-          <a:noFill/>
-          <a:extLst>
-            <a:ext uri="{909E8E84-426E-40DD-AFC4-6F175D3DCCD1}">
-              <a14:hiddenFill xmlns:a14="http://schemas.microsoft.com/office/drawing/2010/main">
-                <a:solidFill>
-                  <a:srgbClr val="FFFFFF"/>
-                </a:solidFill>
-              </a14:hiddenFill>
-            </a:ext>
-          </a:extLst>
         </p:spPr>
       </p:pic>
-      <p:sp>
-        <p:nvSpPr>
-          <p:cNvPr id="12" name="TextBox 11">
-            <a:extLst>
-              <a:ext uri="{FF2B5EF4-FFF2-40B4-BE49-F238E27FC236}">
-                <a16:creationId xmlns:a16="http://schemas.microsoft.com/office/drawing/2014/main" id="{7AE5A25D-63EF-4E4C-A2C4-417F899BC3AF}"/>
-              </a:ext>
-            </a:extLst>
-          </p:cNvPr>
-          <p:cNvSpPr txBox="1"/>
-          <p:nvPr/>
-        </p:nvSpPr>
-        <p:spPr>
-          <a:xfrm>
-            <a:off x="4023612" y="769268"/>
-            <a:ext cx="1096775" cy="369332"/>
-          </a:xfrm>
-          <a:prstGeom prst="rect">
-            <a:avLst/>
-          </a:prstGeom>
-          <a:noFill/>
-        </p:spPr>
-        <p:txBody>
-          <a:bodyPr wrap="none" rtlCol="0">
-            <a:spAutoFit/>
-          </a:bodyPr>
-          <a:lstStyle/>
-          <a:p>
-            <a:r>
-              <a:rPr lang="en-US" altLang="ko-KR" dirty="0"/>
-              <a:t>SSE </a:t>
-            </a:r>
-            <a:r>
-              <a:rPr lang="ko-KR" altLang="en-US" dirty="0"/>
-              <a:t>통신</a:t>
-            </a:r>
-          </a:p>
-        </p:txBody>
-      </p:sp>
     </p:spTree>
     <p:extLst>
       <p:ext uri="{BB962C8B-B14F-4D97-AF65-F5344CB8AC3E}">
-        <p14:creationId xmlns:p14="http://schemas.microsoft.com/office/powerpoint/2010/main" val="589514962"/>
+        <p14:creationId xmlns:p14="http://schemas.microsoft.com/office/powerpoint/2010/main" val="1830600168"/>
       </p:ext>
     </p:extLst>
   </p:cSld>
